--- a/Documents/HomeworkAssigner_WireFrame.pptx
+++ b/Documents/HomeworkAssigner_WireFrame.pptx
@@ -5,23 +5,24 @@
     <p:sldMasterId id="2147483648" r:id="rId1"/>
   </p:sldMasterIdLst>
   <p:notesMasterIdLst>
-    <p:notesMasterId r:id="rId16"/>
+    <p:notesMasterId r:id="rId17"/>
   </p:notesMasterIdLst>
   <p:sldIdLst>
     <p:sldId id="256" r:id="rId2"/>
     <p:sldId id="257" r:id="rId3"/>
     <p:sldId id="258" r:id="rId4"/>
-    <p:sldId id="259" r:id="rId5"/>
-    <p:sldId id="260" r:id="rId6"/>
-    <p:sldId id="263" r:id="rId7"/>
-    <p:sldId id="264" r:id="rId8"/>
-    <p:sldId id="262" r:id="rId9"/>
-    <p:sldId id="266" r:id="rId10"/>
-    <p:sldId id="267" r:id="rId11"/>
-    <p:sldId id="268" r:id="rId12"/>
-    <p:sldId id="269" r:id="rId13"/>
-    <p:sldId id="270" r:id="rId14"/>
-    <p:sldId id="271" r:id="rId15"/>
+    <p:sldId id="260" r:id="rId5"/>
+    <p:sldId id="263" r:id="rId6"/>
+    <p:sldId id="264" r:id="rId7"/>
+    <p:sldId id="262" r:id="rId8"/>
+    <p:sldId id="266" r:id="rId9"/>
+    <p:sldId id="273" r:id="rId10"/>
+    <p:sldId id="272" r:id="rId11"/>
+    <p:sldId id="267" r:id="rId12"/>
+    <p:sldId id="268" r:id="rId13"/>
+    <p:sldId id="269" r:id="rId14"/>
+    <p:sldId id="270" r:id="rId15"/>
+    <p:sldId id="271" r:id="rId16"/>
   </p:sldIdLst>
   <p:sldSz cx="12192000" cy="6858000"/>
   <p:notesSz cx="6858000" cy="9144000"/>
@@ -222,7 +223,7 @@
           <a:p>
             <a:fld id="{77DEF05E-0425-4C08-91FD-BD795E183303}" type="datetimeFigureOut">
               <a:rPr lang="en-SG" smtClean="0"/>
-              <a:t>1/12/2020</a:t>
+              <a:t>2/12/2020</a:t>
             </a:fld>
             <a:endParaRPr lang="en-SG"/>
           </a:p>
@@ -639,7 +640,7 @@
           <a:p>
             <a:fld id="{F6913165-2E23-46A2-BF14-A92C07503CA7}" type="datetimeFigureOut">
               <a:rPr lang="en-SG" smtClean="0"/>
-              <a:t>1/12/2020</a:t>
+              <a:t>2/12/2020</a:t>
             </a:fld>
             <a:endParaRPr lang="en-SG"/>
           </a:p>
@@ -839,7 +840,7 @@
           <a:p>
             <a:fld id="{F6913165-2E23-46A2-BF14-A92C07503CA7}" type="datetimeFigureOut">
               <a:rPr lang="en-SG" smtClean="0"/>
-              <a:t>1/12/2020</a:t>
+              <a:t>2/12/2020</a:t>
             </a:fld>
             <a:endParaRPr lang="en-SG"/>
           </a:p>
@@ -1049,7 +1050,7 @@
           <a:p>
             <a:fld id="{F6913165-2E23-46A2-BF14-A92C07503CA7}" type="datetimeFigureOut">
               <a:rPr lang="en-SG" smtClean="0"/>
-              <a:t>1/12/2020</a:t>
+              <a:t>2/12/2020</a:t>
             </a:fld>
             <a:endParaRPr lang="en-SG"/>
           </a:p>
@@ -1249,7 +1250,7 @@
           <a:p>
             <a:fld id="{F6913165-2E23-46A2-BF14-A92C07503CA7}" type="datetimeFigureOut">
               <a:rPr lang="en-SG" smtClean="0"/>
-              <a:t>1/12/2020</a:t>
+              <a:t>2/12/2020</a:t>
             </a:fld>
             <a:endParaRPr lang="en-SG"/>
           </a:p>
@@ -1525,7 +1526,7 @@
           <a:p>
             <a:fld id="{F6913165-2E23-46A2-BF14-A92C07503CA7}" type="datetimeFigureOut">
               <a:rPr lang="en-SG" smtClean="0"/>
-              <a:t>1/12/2020</a:t>
+              <a:t>2/12/2020</a:t>
             </a:fld>
             <a:endParaRPr lang="en-SG"/>
           </a:p>
@@ -1793,7 +1794,7 @@
           <a:p>
             <a:fld id="{F6913165-2E23-46A2-BF14-A92C07503CA7}" type="datetimeFigureOut">
               <a:rPr lang="en-SG" smtClean="0"/>
-              <a:t>1/12/2020</a:t>
+              <a:t>2/12/2020</a:t>
             </a:fld>
             <a:endParaRPr lang="en-SG"/>
           </a:p>
@@ -2208,7 +2209,7 @@
           <a:p>
             <a:fld id="{F6913165-2E23-46A2-BF14-A92C07503CA7}" type="datetimeFigureOut">
               <a:rPr lang="en-SG" smtClean="0"/>
-              <a:t>1/12/2020</a:t>
+              <a:t>2/12/2020</a:t>
             </a:fld>
             <a:endParaRPr lang="en-SG"/>
           </a:p>
@@ -2350,7 +2351,7 @@
           <a:p>
             <a:fld id="{F6913165-2E23-46A2-BF14-A92C07503CA7}" type="datetimeFigureOut">
               <a:rPr lang="en-SG" smtClean="0"/>
-              <a:t>1/12/2020</a:t>
+              <a:t>2/12/2020</a:t>
             </a:fld>
             <a:endParaRPr lang="en-SG"/>
           </a:p>
@@ -2463,7 +2464,7 @@
           <a:p>
             <a:fld id="{F6913165-2E23-46A2-BF14-A92C07503CA7}" type="datetimeFigureOut">
               <a:rPr lang="en-SG" smtClean="0"/>
-              <a:t>1/12/2020</a:t>
+              <a:t>2/12/2020</a:t>
             </a:fld>
             <a:endParaRPr lang="en-SG"/>
           </a:p>
@@ -2776,7 +2777,7 @@
           <a:p>
             <a:fld id="{F6913165-2E23-46A2-BF14-A92C07503CA7}" type="datetimeFigureOut">
               <a:rPr lang="en-SG" smtClean="0"/>
-              <a:t>1/12/2020</a:t>
+              <a:t>2/12/2020</a:t>
             </a:fld>
             <a:endParaRPr lang="en-SG"/>
           </a:p>
@@ -3065,7 +3066,7 @@
           <a:p>
             <a:fld id="{F6913165-2E23-46A2-BF14-A92C07503CA7}" type="datetimeFigureOut">
               <a:rPr lang="en-SG" smtClean="0"/>
-              <a:t>1/12/2020</a:t>
+              <a:t>2/12/2020</a:t>
             </a:fld>
             <a:endParaRPr lang="en-SG"/>
           </a:p>
@@ -3308,7 +3309,7 @@
           <a:p>
             <a:fld id="{F6913165-2E23-46A2-BF14-A92C07503CA7}" type="datetimeFigureOut">
               <a:rPr lang="en-SG" smtClean="0"/>
-              <a:t>1/12/2020</a:t>
+              <a:t>2/12/2020</a:t>
             </a:fld>
             <a:endParaRPr lang="en-SG"/>
           </a:p>
@@ -3818,6 +3819,1324 @@
           <p:cNvPr id="2" name="Title 1">
             <a:extLst>
               <a:ext uri="{FF2B5EF4-FFF2-40B4-BE49-F238E27FC236}">
+                <a16:creationId xmlns:a16="http://schemas.microsoft.com/office/drawing/2014/main" id="{D89C967B-6A5D-473C-8E00-4C44ACB18BE7}"/>
+              </a:ext>
+            </a:extLst>
+          </p:cNvPr>
+          <p:cNvSpPr>
+            <a:spLocks noGrp="1"/>
+          </p:cNvSpPr>
+          <p:nvPr>
+            <p:ph type="title"/>
+          </p:nvPr>
+        </p:nvSpPr>
+        <p:spPr>
+          <a:xfrm>
+            <a:off x="420756" y="245856"/>
+            <a:ext cx="10515600" cy="251101"/>
+          </a:xfrm>
+        </p:spPr>
+        <p:txBody>
+          <a:bodyPr>
+            <a:normAutofit fontScale="90000"/>
+          </a:bodyPr>
+          <a:lstStyle/>
+          <a:p>
+            <a:r>
+              <a:rPr lang="en-US" dirty="0"/>
+              <a:t>Get all homework / by grade / by subject</a:t>
+            </a:r>
+            <a:endParaRPr lang="en-SG" dirty="0"/>
+          </a:p>
+        </p:txBody>
+      </p:sp>
+      <p:sp>
+        <p:nvSpPr>
+          <p:cNvPr id="4" name="Rectangle 3">
+            <a:extLst>
+              <a:ext uri="{FF2B5EF4-FFF2-40B4-BE49-F238E27FC236}">
+                <a16:creationId xmlns:a16="http://schemas.microsoft.com/office/drawing/2014/main" id="{8925E14A-632E-42A1-A6E1-802848F06DC2}"/>
+              </a:ext>
+            </a:extLst>
+          </p:cNvPr>
+          <p:cNvSpPr/>
+          <p:nvPr/>
+        </p:nvSpPr>
+        <p:spPr>
+          <a:xfrm>
+            <a:off x="0" y="805070"/>
+            <a:ext cx="12192000" cy="1103243"/>
+          </a:xfrm>
+          <a:prstGeom prst="rect">
+            <a:avLst/>
+          </a:prstGeom>
+          <a:solidFill>
+            <a:schemeClr val="accent6">
+              <a:lumMod val="50000"/>
+            </a:schemeClr>
+          </a:solidFill>
+        </p:spPr>
+        <p:style>
+          <a:lnRef idx="2">
+            <a:schemeClr val="accent1">
+              <a:shade val="50000"/>
+            </a:schemeClr>
+          </a:lnRef>
+          <a:fillRef idx="1">
+            <a:schemeClr val="accent1"/>
+          </a:fillRef>
+          <a:effectRef idx="0">
+            <a:schemeClr val="accent1"/>
+          </a:effectRef>
+          <a:fontRef idx="minor">
+            <a:schemeClr val="lt1"/>
+          </a:fontRef>
+        </p:style>
+        <p:txBody>
+          <a:bodyPr rtlCol="0" anchor="ctr"/>
+          <a:lstStyle/>
+          <a:p>
+            <a:r>
+              <a:rPr lang="en-US" dirty="0"/>
+              <a:t>Logo							&lt;Welcome User message&gt;	About	Settings  </a:t>
+            </a:r>
+            <a:endParaRPr lang="en-SG" dirty="0"/>
+          </a:p>
+        </p:txBody>
+      </p:sp>
+      <p:sp>
+        <p:nvSpPr>
+          <p:cNvPr id="5" name="Rectangle 4">
+            <a:extLst>
+              <a:ext uri="{FF2B5EF4-FFF2-40B4-BE49-F238E27FC236}">
+                <a16:creationId xmlns:a16="http://schemas.microsoft.com/office/drawing/2014/main" id="{E6080EBC-0A30-442E-9559-34F9FA8670A5}"/>
+              </a:ext>
+            </a:extLst>
+          </p:cNvPr>
+          <p:cNvSpPr/>
+          <p:nvPr/>
+        </p:nvSpPr>
+        <p:spPr>
+          <a:xfrm>
+            <a:off x="0" y="1908313"/>
+            <a:ext cx="12192000" cy="4194313"/>
+          </a:xfrm>
+          <a:prstGeom prst="rect">
+            <a:avLst/>
+          </a:prstGeom>
+          <a:solidFill>
+            <a:schemeClr val="accent6">
+              <a:lumMod val="40000"/>
+              <a:lumOff val="60000"/>
+            </a:schemeClr>
+          </a:solidFill>
+        </p:spPr>
+        <p:style>
+          <a:lnRef idx="2">
+            <a:schemeClr val="accent1">
+              <a:shade val="50000"/>
+            </a:schemeClr>
+          </a:lnRef>
+          <a:fillRef idx="1">
+            <a:schemeClr val="accent1"/>
+          </a:fillRef>
+          <a:effectRef idx="0">
+            <a:schemeClr val="accent1"/>
+          </a:effectRef>
+          <a:fontRef idx="minor">
+            <a:schemeClr val="lt1"/>
+          </a:fontRef>
+        </p:style>
+        <p:txBody>
+          <a:bodyPr rtlCol="0" anchor="ctr"/>
+          <a:lstStyle/>
+          <a:p>
+            <a:pPr algn="ctr"/>
+            <a:r>
+              <a:rPr lang="en-US" b="1" dirty="0">
+                <a:solidFill>
+                  <a:schemeClr val="accent6">
+                    <a:lumMod val="50000"/>
+                  </a:schemeClr>
+                </a:solidFill>
+              </a:rPr>
+              <a:t> </a:t>
+            </a:r>
+            <a:endParaRPr lang="en-SG" b="1" dirty="0">
+              <a:solidFill>
+                <a:schemeClr val="accent6">
+                  <a:lumMod val="50000"/>
+                </a:schemeClr>
+              </a:solidFill>
+            </a:endParaRPr>
+          </a:p>
+        </p:txBody>
+      </p:sp>
+      <p:sp>
+        <p:nvSpPr>
+          <p:cNvPr id="6" name="Rectangle 5">
+            <a:extLst>
+              <a:ext uri="{FF2B5EF4-FFF2-40B4-BE49-F238E27FC236}">
+                <a16:creationId xmlns:a16="http://schemas.microsoft.com/office/drawing/2014/main" id="{FC797577-73C7-4A80-9839-F30286BE72FC}"/>
+              </a:ext>
+            </a:extLst>
+          </p:cNvPr>
+          <p:cNvSpPr/>
+          <p:nvPr/>
+        </p:nvSpPr>
+        <p:spPr>
+          <a:xfrm>
+            <a:off x="0" y="6102626"/>
+            <a:ext cx="12192000" cy="755374"/>
+          </a:xfrm>
+          <a:prstGeom prst="rect">
+            <a:avLst/>
+          </a:prstGeom>
+          <a:solidFill>
+            <a:schemeClr val="accent6">
+              <a:lumMod val="20000"/>
+              <a:lumOff val="80000"/>
+            </a:schemeClr>
+          </a:solidFill>
+        </p:spPr>
+        <p:style>
+          <a:lnRef idx="2">
+            <a:schemeClr val="accent1">
+              <a:shade val="50000"/>
+            </a:schemeClr>
+          </a:lnRef>
+          <a:fillRef idx="1">
+            <a:schemeClr val="accent1"/>
+          </a:fillRef>
+          <a:effectRef idx="0">
+            <a:schemeClr val="accent1"/>
+          </a:effectRef>
+          <a:fontRef idx="minor">
+            <a:schemeClr val="lt1"/>
+          </a:fontRef>
+        </p:style>
+        <p:txBody>
+          <a:bodyPr rtlCol="0" anchor="ctr"/>
+          <a:lstStyle/>
+          <a:p>
+            <a:pPr algn="ctr"/>
+            <a:r>
+              <a:rPr lang="en-US" b="1" dirty="0">
+                <a:solidFill>
+                  <a:schemeClr val="accent6">
+                    <a:lumMod val="50000"/>
+                  </a:schemeClr>
+                </a:solidFill>
+              </a:rPr>
+              <a:t>Footer</a:t>
+            </a:r>
+            <a:endParaRPr lang="en-SG" b="1" dirty="0">
+              <a:solidFill>
+                <a:schemeClr val="accent6">
+                  <a:lumMod val="50000"/>
+                </a:schemeClr>
+              </a:solidFill>
+            </a:endParaRPr>
+          </a:p>
+        </p:txBody>
+      </p:sp>
+      <p:sp>
+        <p:nvSpPr>
+          <p:cNvPr id="8" name="Isosceles Triangle 7">
+            <a:extLst>
+              <a:ext uri="{FF2B5EF4-FFF2-40B4-BE49-F238E27FC236}">
+                <a16:creationId xmlns:a16="http://schemas.microsoft.com/office/drawing/2014/main" id="{78E10604-E190-4012-945D-EEA989865889}"/>
+              </a:ext>
+            </a:extLst>
+          </p:cNvPr>
+          <p:cNvSpPr/>
+          <p:nvPr/>
+        </p:nvSpPr>
+        <p:spPr>
+          <a:xfrm rot="10800000">
+            <a:off x="10883347" y="1326874"/>
+            <a:ext cx="218662" cy="144118"/>
+          </a:xfrm>
+          <a:prstGeom prst="triangle">
+            <a:avLst/>
+          </a:prstGeom>
+          <a:solidFill>
+            <a:schemeClr val="accent6">
+              <a:lumMod val="20000"/>
+              <a:lumOff val="80000"/>
+            </a:schemeClr>
+          </a:solidFill>
+        </p:spPr>
+        <p:style>
+          <a:lnRef idx="2">
+            <a:schemeClr val="accent1">
+              <a:shade val="50000"/>
+            </a:schemeClr>
+          </a:lnRef>
+          <a:fillRef idx="1">
+            <a:schemeClr val="accent1"/>
+          </a:fillRef>
+          <a:effectRef idx="0">
+            <a:schemeClr val="accent1"/>
+          </a:effectRef>
+          <a:fontRef idx="minor">
+            <a:schemeClr val="lt1"/>
+          </a:fontRef>
+        </p:style>
+        <p:txBody>
+          <a:bodyPr rtlCol="0" anchor="ctr"/>
+          <a:lstStyle/>
+          <a:p>
+            <a:pPr algn="ctr"/>
+            <a:endParaRPr lang="en-SG"/>
+          </a:p>
+        </p:txBody>
+      </p:sp>
+      <p:sp>
+        <p:nvSpPr>
+          <p:cNvPr id="9" name="TextBox 8">
+            <a:extLst>
+              <a:ext uri="{FF2B5EF4-FFF2-40B4-BE49-F238E27FC236}">
+                <a16:creationId xmlns:a16="http://schemas.microsoft.com/office/drawing/2014/main" id="{1C5DF39C-B11C-41B6-9B38-52116C1C9D8B}"/>
+              </a:ext>
+            </a:extLst>
+          </p:cNvPr>
+          <p:cNvSpPr txBox="1"/>
+          <p:nvPr/>
+        </p:nvSpPr>
+        <p:spPr>
+          <a:xfrm>
+            <a:off x="10367911" y="1506787"/>
+            <a:ext cx="1824089" cy="923330"/>
+          </a:xfrm>
+          <a:prstGeom prst="rect">
+            <a:avLst/>
+          </a:prstGeom>
+          <a:solidFill>
+            <a:schemeClr val="accent6">
+              <a:lumMod val="20000"/>
+              <a:lumOff val="80000"/>
+            </a:schemeClr>
+          </a:solidFill>
+        </p:spPr>
+        <p:txBody>
+          <a:bodyPr wrap="none" rtlCol="0">
+            <a:spAutoFit/>
+          </a:bodyPr>
+          <a:lstStyle/>
+          <a:p>
+            <a:r>
+              <a:rPr lang="en-US" dirty="0">
+                <a:solidFill>
+                  <a:schemeClr val="accent6">
+                    <a:lumMod val="50000"/>
+                  </a:schemeClr>
+                </a:solidFill>
+              </a:rPr>
+              <a:t>Logout</a:t>
+            </a:r>
+          </a:p>
+          <a:p>
+            <a:r>
+              <a:rPr lang="en-US" dirty="0">
+                <a:solidFill>
+                  <a:schemeClr val="accent6">
+                    <a:lumMod val="50000"/>
+                  </a:schemeClr>
+                </a:solidFill>
+              </a:rPr>
+              <a:t>Edit Profile</a:t>
+            </a:r>
+          </a:p>
+          <a:p>
+            <a:r>
+              <a:rPr lang="en-US" dirty="0">
+                <a:solidFill>
+                  <a:schemeClr val="accent6">
+                    <a:lumMod val="50000"/>
+                  </a:schemeClr>
+                </a:solidFill>
+              </a:rPr>
+              <a:t>Change Password</a:t>
+            </a:r>
+            <a:endParaRPr lang="en-SG" dirty="0">
+              <a:solidFill>
+                <a:schemeClr val="accent6">
+                  <a:lumMod val="50000"/>
+                </a:schemeClr>
+              </a:solidFill>
+            </a:endParaRPr>
+          </a:p>
+        </p:txBody>
+      </p:sp>
+      <p:cxnSp>
+        <p:nvCxnSpPr>
+          <p:cNvPr id="11" name="Straight Connector 10">
+            <a:extLst>
+              <a:ext uri="{FF2B5EF4-FFF2-40B4-BE49-F238E27FC236}">
+                <a16:creationId xmlns:a16="http://schemas.microsoft.com/office/drawing/2014/main" id="{F93C91FB-9358-4EB7-A5D1-6E6BAFB43880}"/>
+              </a:ext>
+            </a:extLst>
+          </p:cNvPr>
+          <p:cNvCxnSpPr/>
+          <p:nvPr/>
+        </p:nvCxnSpPr>
+        <p:spPr>
+          <a:xfrm>
+            <a:off x="2136913" y="1944108"/>
+            <a:ext cx="0" cy="4158518"/>
+          </a:xfrm>
+          <a:prstGeom prst="line">
+            <a:avLst/>
+          </a:prstGeom>
+        </p:spPr>
+        <p:style>
+          <a:lnRef idx="1">
+            <a:schemeClr val="accent6"/>
+          </a:lnRef>
+          <a:fillRef idx="0">
+            <a:schemeClr val="accent6"/>
+          </a:fillRef>
+          <a:effectRef idx="0">
+            <a:schemeClr val="accent6"/>
+          </a:effectRef>
+          <a:fontRef idx="minor">
+            <a:schemeClr val="tx1"/>
+          </a:fontRef>
+        </p:style>
+      </p:cxnSp>
+      <p:grpSp>
+        <p:nvGrpSpPr>
+          <p:cNvPr id="15" name="Group 14">
+            <a:extLst>
+              <a:ext uri="{FF2B5EF4-FFF2-40B4-BE49-F238E27FC236}">
+                <a16:creationId xmlns:a16="http://schemas.microsoft.com/office/drawing/2014/main" id="{64BF73AF-B182-4A8E-AD1B-0EB931359AA4}"/>
+              </a:ext>
+            </a:extLst>
+          </p:cNvPr>
+          <p:cNvGrpSpPr/>
+          <p:nvPr/>
+        </p:nvGrpSpPr>
+        <p:grpSpPr>
+          <a:xfrm>
+            <a:off x="219185" y="2216426"/>
+            <a:ext cx="1579799" cy="895470"/>
+            <a:chOff x="219185" y="2216426"/>
+            <a:chExt cx="1579799" cy="895470"/>
+          </a:xfrm>
+        </p:grpSpPr>
+        <p:sp>
+          <p:nvSpPr>
+            <p:cNvPr id="12" name="TextBox 11">
+              <a:extLst>
+                <a:ext uri="{FF2B5EF4-FFF2-40B4-BE49-F238E27FC236}">
+                  <a16:creationId xmlns:a16="http://schemas.microsoft.com/office/drawing/2014/main" id="{864068B9-BEF0-47D6-B27E-EAC15C5C7DBF}"/>
+                </a:ext>
+              </a:extLst>
+            </p:cNvPr>
+            <p:cNvSpPr txBox="1"/>
+            <p:nvPr/>
+          </p:nvSpPr>
+          <p:spPr>
+            <a:xfrm>
+              <a:off x="219185" y="2216426"/>
+              <a:ext cx="849271" cy="369332"/>
+            </a:xfrm>
+            <a:prstGeom prst="rect">
+              <a:avLst/>
+            </a:prstGeom>
+            <a:noFill/>
+          </p:spPr>
+          <p:txBody>
+            <a:bodyPr wrap="none" rtlCol="0">
+              <a:spAutoFit/>
+            </a:bodyPr>
+            <a:lstStyle/>
+            <a:p>
+              <a:r>
+                <a:rPr lang="en-US" dirty="0"/>
+                <a:t>Sort By</a:t>
+              </a:r>
+              <a:endParaRPr lang="en-SG" dirty="0"/>
+            </a:p>
+          </p:txBody>
+        </p:sp>
+        <p:sp>
+          <p:nvSpPr>
+            <p:cNvPr id="13" name="TextBox 12">
+              <a:extLst>
+                <a:ext uri="{FF2B5EF4-FFF2-40B4-BE49-F238E27FC236}">
+                  <a16:creationId xmlns:a16="http://schemas.microsoft.com/office/drawing/2014/main" id="{6E6FE3AE-1255-4ABD-A578-7B8C93BA7847}"/>
+                </a:ext>
+              </a:extLst>
+            </p:cNvPr>
+            <p:cNvSpPr txBox="1"/>
+            <p:nvPr/>
+          </p:nvSpPr>
+          <p:spPr>
+            <a:xfrm>
+              <a:off x="476950" y="2588676"/>
+              <a:ext cx="1322034" cy="523220"/>
+            </a:xfrm>
+            <a:prstGeom prst="rect">
+              <a:avLst/>
+            </a:prstGeom>
+            <a:solidFill>
+              <a:schemeClr val="accent6">
+                <a:lumMod val="20000"/>
+                <a:lumOff val="80000"/>
+              </a:schemeClr>
+            </a:solidFill>
+          </p:spPr>
+          <p:txBody>
+            <a:bodyPr wrap="square" rtlCol="0">
+              <a:spAutoFit/>
+            </a:bodyPr>
+            <a:lstStyle/>
+            <a:p>
+              <a:r>
+                <a:rPr lang="en-US" sz="1400" dirty="0">
+                  <a:solidFill>
+                    <a:schemeClr val="accent6">
+                      <a:lumMod val="50000"/>
+                    </a:schemeClr>
+                  </a:solidFill>
+                </a:rPr>
+                <a:t>New to Old</a:t>
+              </a:r>
+            </a:p>
+            <a:p>
+              <a:r>
+                <a:rPr lang="en-US" sz="1400" dirty="0">
+                  <a:solidFill>
+                    <a:schemeClr val="accent6">
+                      <a:lumMod val="50000"/>
+                    </a:schemeClr>
+                  </a:solidFill>
+                </a:rPr>
+                <a:t>Old to New</a:t>
+              </a:r>
+            </a:p>
+          </p:txBody>
+        </p:sp>
+        <p:sp>
+          <p:nvSpPr>
+            <p:cNvPr id="14" name="Isosceles Triangle 13">
+              <a:extLst>
+                <a:ext uri="{FF2B5EF4-FFF2-40B4-BE49-F238E27FC236}">
+                  <a16:creationId xmlns:a16="http://schemas.microsoft.com/office/drawing/2014/main" id="{A3BB9119-2C29-4AD2-8022-2B8522D85D07}"/>
+                </a:ext>
+              </a:extLst>
+            </p:cNvPr>
+            <p:cNvSpPr/>
+            <p:nvPr/>
+          </p:nvSpPr>
+          <p:spPr>
+            <a:xfrm rot="10800000">
+              <a:off x="1027067" y="2353913"/>
+              <a:ext cx="218662" cy="144118"/>
+            </a:xfrm>
+            <a:prstGeom prst="triangle">
+              <a:avLst/>
+            </a:prstGeom>
+            <a:solidFill>
+              <a:schemeClr val="accent6">
+                <a:lumMod val="20000"/>
+                <a:lumOff val="80000"/>
+              </a:schemeClr>
+            </a:solidFill>
+          </p:spPr>
+          <p:style>
+            <a:lnRef idx="2">
+              <a:schemeClr val="accent1">
+                <a:shade val="50000"/>
+              </a:schemeClr>
+            </a:lnRef>
+            <a:fillRef idx="1">
+              <a:schemeClr val="accent1"/>
+            </a:fillRef>
+            <a:effectRef idx="0">
+              <a:schemeClr val="accent1"/>
+            </a:effectRef>
+            <a:fontRef idx="minor">
+              <a:schemeClr val="lt1"/>
+            </a:fontRef>
+          </p:style>
+          <p:txBody>
+            <a:bodyPr rtlCol="0" anchor="ctr"/>
+            <a:lstStyle/>
+            <a:p>
+              <a:pPr algn="ctr"/>
+              <a:endParaRPr lang="en-SG"/>
+            </a:p>
+          </p:txBody>
+        </p:sp>
+      </p:grpSp>
+      <p:grpSp>
+        <p:nvGrpSpPr>
+          <p:cNvPr id="20" name="Group 19">
+            <a:extLst>
+              <a:ext uri="{FF2B5EF4-FFF2-40B4-BE49-F238E27FC236}">
+                <a16:creationId xmlns:a16="http://schemas.microsoft.com/office/drawing/2014/main" id="{38C1739F-70A0-47C6-AF39-C3A80EB18E8D}"/>
+              </a:ext>
+            </a:extLst>
+          </p:cNvPr>
+          <p:cNvGrpSpPr/>
+          <p:nvPr/>
+        </p:nvGrpSpPr>
+        <p:grpSpPr>
+          <a:xfrm>
+            <a:off x="111522" y="3322425"/>
+            <a:ext cx="1656042" cy="914014"/>
+            <a:chOff x="111522" y="3322425"/>
+            <a:chExt cx="1656042" cy="914014"/>
+          </a:xfrm>
+        </p:grpSpPr>
+        <p:sp>
+          <p:nvSpPr>
+            <p:cNvPr id="17" name="TextBox 16">
+              <a:extLst>
+                <a:ext uri="{FF2B5EF4-FFF2-40B4-BE49-F238E27FC236}">
+                  <a16:creationId xmlns:a16="http://schemas.microsoft.com/office/drawing/2014/main" id="{441008F9-2BD3-42FA-8C08-B68BC5D10F27}"/>
+                </a:ext>
+              </a:extLst>
+            </p:cNvPr>
+            <p:cNvSpPr txBox="1"/>
+            <p:nvPr/>
+          </p:nvSpPr>
+          <p:spPr>
+            <a:xfrm>
+              <a:off x="111522" y="3322425"/>
+              <a:ext cx="946156" cy="369332"/>
+            </a:xfrm>
+            <a:prstGeom prst="rect">
+              <a:avLst/>
+            </a:prstGeom>
+            <a:noFill/>
+          </p:spPr>
+          <p:txBody>
+            <a:bodyPr wrap="none" rtlCol="0">
+              <a:spAutoFit/>
+            </a:bodyPr>
+            <a:lstStyle/>
+            <a:p>
+              <a:r>
+                <a:rPr lang="en-US" dirty="0"/>
+                <a:t>Filter By</a:t>
+              </a:r>
+              <a:endParaRPr lang="en-SG" dirty="0"/>
+            </a:p>
+          </p:txBody>
+        </p:sp>
+        <p:sp>
+          <p:nvSpPr>
+            <p:cNvPr id="18" name="TextBox 17">
+              <a:extLst>
+                <a:ext uri="{FF2B5EF4-FFF2-40B4-BE49-F238E27FC236}">
+                  <a16:creationId xmlns:a16="http://schemas.microsoft.com/office/drawing/2014/main" id="{3108C020-D67F-48F4-A9C9-A7A18D1CADAC}"/>
+                </a:ext>
+              </a:extLst>
+            </p:cNvPr>
+            <p:cNvSpPr txBox="1"/>
+            <p:nvPr/>
+          </p:nvSpPr>
+          <p:spPr>
+            <a:xfrm>
+              <a:off x="891127" y="3713219"/>
+              <a:ext cx="876437" cy="523220"/>
+            </a:xfrm>
+            <a:prstGeom prst="rect">
+              <a:avLst/>
+            </a:prstGeom>
+            <a:solidFill>
+              <a:schemeClr val="accent6">
+                <a:lumMod val="20000"/>
+                <a:lumOff val="80000"/>
+              </a:schemeClr>
+            </a:solidFill>
+          </p:spPr>
+          <p:txBody>
+            <a:bodyPr wrap="square" rtlCol="0">
+              <a:spAutoFit/>
+            </a:bodyPr>
+            <a:lstStyle/>
+            <a:p>
+              <a:r>
+                <a:rPr lang="en-US" sz="1400" dirty="0">
+                  <a:solidFill>
+                    <a:schemeClr val="accent6">
+                      <a:lumMod val="50000"/>
+                    </a:schemeClr>
+                  </a:solidFill>
+                </a:rPr>
+                <a:t>Grade</a:t>
+              </a:r>
+            </a:p>
+            <a:p>
+              <a:r>
+                <a:rPr lang="en-US" sz="1400" dirty="0">
+                  <a:solidFill>
+                    <a:schemeClr val="accent6">
+                      <a:lumMod val="50000"/>
+                    </a:schemeClr>
+                  </a:solidFill>
+                </a:rPr>
+                <a:t>Subject</a:t>
+              </a:r>
+            </a:p>
+          </p:txBody>
+        </p:sp>
+        <p:sp>
+          <p:nvSpPr>
+            <p:cNvPr id="19" name="Isosceles Triangle 18">
+              <a:extLst>
+                <a:ext uri="{FF2B5EF4-FFF2-40B4-BE49-F238E27FC236}">
+                  <a16:creationId xmlns:a16="http://schemas.microsoft.com/office/drawing/2014/main" id="{94825E6C-9051-4F46-A96C-D8EA478F71F9}"/>
+                </a:ext>
+              </a:extLst>
+            </p:cNvPr>
+            <p:cNvSpPr/>
+            <p:nvPr/>
+          </p:nvSpPr>
+          <p:spPr>
+            <a:xfrm rot="10800000">
+              <a:off x="998916" y="3459912"/>
+              <a:ext cx="218662" cy="144118"/>
+            </a:xfrm>
+            <a:prstGeom prst="triangle">
+              <a:avLst/>
+            </a:prstGeom>
+            <a:solidFill>
+              <a:schemeClr val="accent6">
+                <a:lumMod val="20000"/>
+                <a:lumOff val="80000"/>
+              </a:schemeClr>
+            </a:solidFill>
+          </p:spPr>
+          <p:style>
+            <a:lnRef idx="2">
+              <a:schemeClr val="accent1">
+                <a:shade val="50000"/>
+              </a:schemeClr>
+            </a:lnRef>
+            <a:fillRef idx="1">
+              <a:schemeClr val="accent1"/>
+            </a:fillRef>
+            <a:effectRef idx="0">
+              <a:schemeClr val="accent1"/>
+            </a:effectRef>
+            <a:fontRef idx="minor">
+              <a:schemeClr val="lt1"/>
+            </a:fontRef>
+          </p:style>
+          <p:txBody>
+            <a:bodyPr rtlCol="0" anchor="ctr"/>
+            <a:lstStyle/>
+            <a:p>
+              <a:pPr algn="ctr"/>
+              <a:endParaRPr lang="en-SG"/>
+            </a:p>
+          </p:txBody>
+        </p:sp>
+      </p:grpSp>
+      <p:sp>
+        <p:nvSpPr>
+          <p:cNvPr id="21" name="Rectangle 20">
+            <a:extLst>
+              <a:ext uri="{FF2B5EF4-FFF2-40B4-BE49-F238E27FC236}">
+                <a16:creationId xmlns:a16="http://schemas.microsoft.com/office/drawing/2014/main" id="{C7FD57E4-2455-4B2E-8744-A8756F6D5CF8}"/>
+              </a:ext>
+            </a:extLst>
+          </p:cNvPr>
+          <p:cNvSpPr/>
+          <p:nvPr/>
+        </p:nvSpPr>
+        <p:spPr>
+          <a:xfrm>
+            <a:off x="111522" y="2169215"/>
+            <a:ext cx="1896182" cy="1131748"/>
+          </a:xfrm>
+          <a:prstGeom prst="rect">
+            <a:avLst/>
+          </a:prstGeom>
+          <a:noFill/>
+        </p:spPr>
+        <p:style>
+          <a:lnRef idx="2">
+            <a:schemeClr val="accent6"/>
+          </a:lnRef>
+          <a:fillRef idx="1">
+            <a:schemeClr val="lt1"/>
+          </a:fillRef>
+          <a:effectRef idx="0">
+            <a:schemeClr val="accent6"/>
+          </a:effectRef>
+          <a:fontRef idx="minor">
+            <a:schemeClr val="dk1"/>
+          </a:fontRef>
+        </p:style>
+        <p:txBody>
+          <a:bodyPr rtlCol="0" anchor="ctr"/>
+          <a:lstStyle/>
+          <a:p>
+            <a:pPr algn="ctr"/>
+            <a:endParaRPr lang="en-SG"/>
+          </a:p>
+        </p:txBody>
+      </p:sp>
+      <p:sp>
+        <p:nvSpPr>
+          <p:cNvPr id="22" name="Rectangle 21">
+            <a:extLst>
+              <a:ext uri="{FF2B5EF4-FFF2-40B4-BE49-F238E27FC236}">
+                <a16:creationId xmlns:a16="http://schemas.microsoft.com/office/drawing/2014/main" id="{59946FD0-7CD0-48B7-8F1D-E149F6FC196A}"/>
+              </a:ext>
+            </a:extLst>
+          </p:cNvPr>
+          <p:cNvSpPr/>
+          <p:nvPr/>
+        </p:nvSpPr>
+        <p:spPr>
+          <a:xfrm>
+            <a:off x="120366" y="3374649"/>
+            <a:ext cx="1896182" cy="1131748"/>
+          </a:xfrm>
+          <a:prstGeom prst="rect">
+            <a:avLst/>
+          </a:prstGeom>
+          <a:noFill/>
+        </p:spPr>
+        <p:style>
+          <a:lnRef idx="2">
+            <a:schemeClr val="accent6"/>
+          </a:lnRef>
+          <a:fillRef idx="1">
+            <a:schemeClr val="lt1"/>
+          </a:fillRef>
+          <a:effectRef idx="0">
+            <a:schemeClr val="accent6"/>
+          </a:effectRef>
+          <a:fontRef idx="minor">
+            <a:schemeClr val="dk1"/>
+          </a:fontRef>
+        </p:style>
+        <p:txBody>
+          <a:bodyPr rtlCol="0" anchor="ctr"/>
+          <a:lstStyle/>
+          <a:p>
+            <a:pPr algn="ctr"/>
+            <a:endParaRPr lang="en-SG"/>
+          </a:p>
+        </p:txBody>
+      </p:sp>
+      <p:graphicFrame>
+        <p:nvGraphicFramePr>
+          <p:cNvPr id="24" name="Table 24">
+            <a:extLst>
+              <a:ext uri="{FF2B5EF4-FFF2-40B4-BE49-F238E27FC236}">
+                <a16:creationId xmlns:a16="http://schemas.microsoft.com/office/drawing/2014/main" id="{4D5FFB29-04F5-45E0-84CF-1035F37E8699}"/>
+              </a:ext>
+            </a:extLst>
+          </p:cNvPr>
+          <p:cNvGraphicFramePr>
+            <a:graphicFrameLocks noGrp="1"/>
+          </p:cNvGraphicFramePr>
+          <p:nvPr/>
+        </p:nvGraphicFramePr>
+        <p:xfrm>
+          <a:off x="2731107" y="2787901"/>
+          <a:ext cx="8128000" cy="1483360"/>
+        </p:xfrm>
+        <a:graphic>
+          <a:graphicData uri="http://schemas.openxmlformats.org/drawingml/2006/table">
+            <a:tbl>
+              <a:tblPr firstRow="1" bandRow="1">
+                <a:tableStyleId>{93296810-A885-4BE3-A3E7-6D5BEEA58F35}</a:tableStyleId>
+              </a:tblPr>
+              <a:tblGrid>
+                <a:gridCol w="653730">
+                  <a:extLst>
+                    <a:ext uri="{9D8B030D-6E8A-4147-A177-3AD203B41FA5}">
+                      <a16:colId xmlns:a16="http://schemas.microsoft.com/office/drawing/2014/main" val="955202375"/>
+                    </a:ext>
+                  </a:extLst>
+                </a:gridCol>
+                <a:gridCol w="2597470">
+                  <a:extLst>
+                    <a:ext uri="{9D8B030D-6E8A-4147-A177-3AD203B41FA5}">
+                      <a16:colId xmlns:a16="http://schemas.microsoft.com/office/drawing/2014/main" val="3066451461"/>
+                    </a:ext>
+                  </a:extLst>
+                </a:gridCol>
+                <a:gridCol w="1625600">
+                  <a:extLst>
+                    <a:ext uri="{9D8B030D-6E8A-4147-A177-3AD203B41FA5}">
+                      <a16:colId xmlns:a16="http://schemas.microsoft.com/office/drawing/2014/main" val="3085685798"/>
+                    </a:ext>
+                  </a:extLst>
+                </a:gridCol>
+                <a:gridCol w="1625600">
+                  <a:extLst>
+                    <a:ext uri="{9D8B030D-6E8A-4147-A177-3AD203B41FA5}">
+                      <a16:colId xmlns:a16="http://schemas.microsoft.com/office/drawing/2014/main" val="1513136734"/>
+                    </a:ext>
+                  </a:extLst>
+                </a:gridCol>
+                <a:gridCol w="1625600">
+                  <a:extLst>
+                    <a:ext uri="{9D8B030D-6E8A-4147-A177-3AD203B41FA5}">
+                      <a16:colId xmlns:a16="http://schemas.microsoft.com/office/drawing/2014/main" val="1679167168"/>
+                    </a:ext>
+                  </a:extLst>
+                </a:gridCol>
+              </a:tblGrid>
+              <a:tr h="370840">
+                <a:tc>
+                  <a:txBody>
+                    <a:bodyPr/>
+                    <a:lstStyle/>
+                    <a:p>
+                      <a:r>
+                        <a:rPr lang="en-US" dirty="0"/>
+                        <a:t>ID</a:t>
+                      </a:r>
+                      <a:endParaRPr lang="en-SG" dirty="0"/>
+                    </a:p>
+                  </a:txBody>
+                  <a:tcPr/>
+                </a:tc>
+                <a:tc>
+                  <a:txBody>
+                    <a:bodyPr/>
+                    <a:lstStyle/>
+                    <a:p>
+                      <a:r>
+                        <a:rPr lang="en-US" dirty="0"/>
+                        <a:t>Description</a:t>
+                      </a:r>
+                      <a:endParaRPr lang="en-SG" dirty="0"/>
+                    </a:p>
+                  </a:txBody>
+                  <a:tcPr/>
+                </a:tc>
+                <a:tc>
+                  <a:txBody>
+                    <a:bodyPr/>
+                    <a:lstStyle/>
+                    <a:p>
+                      <a:r>
+                        <a:rPr lang="en-US" dirty="0"/>
+                        <a:t>Subject</a:t>
+                      </a:r>
+                      <a:endParaRPr lang="en-SG" dirty="0"/>
+                    </a:p>
+                  </a:txBody>
+                  <a:tcPr/>
+                </a:tc>
+                <a:tc>
+                  <a:txBody>
+                    <a:bodyPr/>
+                    <a:lstStyle/>
+                    <a:p>
+                      <a:r>
+                        <a:rPr lang="en-US" dirty="0"/>
+                        <a:t>Grade</a:t>
+                      </a:r>
+                      <a:endParaRPr lang="en-SG" dirty="0"/>
+                    </a:p>
+                  </a:txBody>
+                  <a:tcPr/>
+                </a:tc>
+                <a:tc>
+                  <a:txBody>
+                    <a:bodyPr/>
+                    <a:lstStyle/>
+                    <a:p>
+                      <a:r>
+                        <a:rPr lang="en-US" dirty="0"/>
+                        <a:t>Status</a:t>
+                      </a:r>
+                      <a:endParaRPr lang="en-SG" dirty="0"/>
+                    </a:p>
+                  </a:txBody>
+                  <a:tcPr/>
+                </a:tc>
+                <a:extLst>
+                  <a:ext uri="{0D108BD9-81ED-4DB2-BD59-A6C34878D82A}">
+                    <a16:rowId xmlns:a16="http://schemas.microsoft.com/office/drawing/2014/main" val="1434575023"/>
+                  </a:ext>
+                </a:extLst>
+              </a:tr>
+              <a:tr h="370840">
+                <a:tc>
+                  <a:txBody>
+                    <a:bodyPr/>
+                    <a:lstStyle/>
+                    <a:p>
+                      <a:r>
+                        <a:rPr lang="en-US" dirty="0">
+                          <a:solidFill>
+                            <a:schemeClr val="accent6">
+                              <a:lumMod val="50000"/>
+                            </a:schemeClr>
+                          </a:solidFill>
+                        </a:rPr>
+                        <a:t>1</a:t>
+                      </a:r>
+                      <a:endParaRPr lang="en-SG" dirty="0">
+                        <a:solidFill>
+                          <a:schemeClr val="accent6">
+                            <a:lumMod val="50000"/>
+                          </a:schemeClr>
+                        </a:solidFill>
+                      </a:endParaRPr>
+                    </a:p>
+                  </a:txBody>
+                  <a:tcPr/>
+                </a:tc>
+                <a:tc>
+                  <a:txBody>
+                    <a:bodyPr/>
+                    <a:lstStyle/>
+                    <a:p>
+                      <a:r>
+                        <a:rPr lang="en-US" u="sng" dirty="0">
+                          <a:solidFill>
+                            <a:schemeClr val="accent6">
+                              <a:lumMod val="50000"/>
+                            </a:schemeClr>
+                          </a:solidFill>
+                        </a:rPr>
+                        <a:t>HW-1</a:t>
+                      </a:r>
+                      <a:endParaRPr lang="en-SG" u="sng" dirty="0">
+                        <a:solidFill>
+                          <a:schemeClr val="accent6">
+                            <a:lumMod val="50000"/>
+                          </a:schemeClr>
+                        </a:solidFill>
+                      </a:endParaRPr>
+                    </a:p>
+                  </a:txBody>
+                  <a:tcPr/>
+                </a:tc>
+                <a:tc>
+                  <a:txBody>
+                    <a:bodyPr/>
+                    <a:lstStyle/>
+                    <a:p>
+                      <a:r>
+                        <a:rPr lang="en-US" dirty="0" err="1">
+                          <a:solidFill>
+                            <a:schemeClr val="accent6">
+                              <a:lumMod val="50000"/>
+                            </a:schemeClr>
+                          </a:solidFill>
+                        </a:rPr>
+                        <a:t>Maths</a:t>
+                      </a:r>
+                      <a:endParaRPr lang="en-SG" dirty="0">
+                        <a:solidFill>
+                          <a:schemeClr val="accent6">
+                            <a:lumMod val="50000"/>
+                          </a:schemeClr>
+                        </a:solidFill>
+                      </a:endParaRPr>
+                    </a:p>
+                  </a:txBody>
+                  <a:tcPr/>
+                </a:tc>
+                <a:tc>
+                  <a:txBody>
+                    <a:bodyPr/>
+                    <a:lstStyle/>
+                    <a:p>
+                      <a:r>
+                        <a:rPr lang="en-US" dirty="0">
+                          <a:solidFill>
+                            <a:schemeClr val="accent6">
+                              <a:lumMod val="50000"/>
+                            </a:schemeClr>
+                          </a:solidFill>
+                        </a:rPr>
+                        <a:t>P1</a:t>
+                      </a:r>
+                      <a:endParaRPr lang="en-SG" dirty="0">
+                        <a:solidFill>
+                          <a:schemeClr val="accent6">
+                            <a:lumMod val="50000"/>
+                          </a:schemeClr>
+                        </a:solidFill>
+                      </a:endParaRPr>
+                    </a:p>
+                  </a:txBody>
+                  <a:tcPr/>
+                </a:tc>
+                <a:tc>
+                  <a:txBody>
+                    <a:bodyPr/>
+                    <a:lstStyle/>
+                    <a:p>
+                      <a:r>
+                        <a:rPr lang="en-US" dirty="0">
+                          <a:solidFill>
+                            <a:schemeClr val="accent6">
+                              <a:lumMod val="50000"/>
+                            </a:schemeClr>
+                          </a:solidFill>
+                        </a:rPr>
+                        <a:t>Open</a:t>
+                      </a:r>
+                      <a:endParaRPr lang="en-SG" dirty="0">
+                        <a:solidFill>
+                          <a:schemeClr val="accent6">
+                            <a:lumMod val="50000"/>
+                          </a:schemeClr>
+                        </a:solidFill>
+                      </a:endParaRPr>
+                    </a:p>
+                  </a:txBody>
+                  <a:tcPr/>
+                </a:tc>
+                <a:extLst>
+                  <a:ext uri="{0D108BD9-81ED-4DB2-BD59-A6C34878D82A}">
+                    <a16:rowId xmlns:a16="http://schemas.microsoft.com/office/drawing/2014/main" val="634635932"/>
+                  </a:ext>
+                </a:extLst>
+              </a:tr>
+              <a:tr h="370840">
+                <a:tc>
+                  <a:txBody>
+                    <a:bodyPr/>
+                    <a:lstStyle/>
+                    <a:p>
+                      <a:r>
+                        <a:rPr lang="en-US" dirty="0">
+                          <a:solidFill>
+                            <a:schemeClr val="accent6">
+                              <a:lumMod val="50000"/>
+                            </a:schemeClr>
+                          </a:solidFill>
+                        </a:rPr>
+                        <a:t>2</a:t>
+                      </a:r>
+                      <a:endParaRPr lang="en-SG" dirty="0">
+                        <a:solidFill>
+                          <a:schemeClr val="accent6">
+                            <a:lumMod val="50000"/>
+                          </a:schemeClr>
+                        </a:solidFill>
+                      </a:endParaRPr>
+                    </a:p>
+                  </a:txBody>
+                  <a:tcPr/>
+                </a:tc>
+                <a:tc>
+                  <a:txBody>
+                    <a:bodyPr/>
+                    <a:lstStyle/>
+                    <a:p>
+                      <a:r>
+                        <a:rPr lang="en-US" u="sng" dirty="0">
+                          <a:solidFill>
+                            <a:schemeClr val="accent6">
+                              <a:lumMod val="50000"/>
+                            </a:schemeClr>
+                          </a:solidFill>
+                        </a:rPr>
+                        <a:t>HW-0</a:t>
+                      </a:r>
+                      <a:endParaRPr lang="en-SG" u="sng" dirty="0">
+                        <a:solidFill>
+                          <a:schemeClr val="accent6">
+                            <a:lumMod val="50000"/>
+                          </a:schemeClr>
+                        </a:solidFill>
+                      </a:endParaRPr>
+                    </a:p>
+                  </a:txBody>
+                  <a:tcPr/>
+                </a:tc>
+                <a:tc>
+                  <a:txBody>
+                    <a:bodyPr/>
+                    <a:lstStyle/>
+                    <a:p>
+                      <a:r>
+                        <a:rPr lang="en-US" dirty="0" err="1">
+                          <a:solidFill>
+                            <a:schemeClr val="accent6">
+                              <a:lumMod val="50000"/>
+                            </a:schemeClr>
+                          </a:solidFill>
+                        </a:rPr>
+                        <a:t>Maths</a:t>
+                      </a:r>
+                      <a:endParaRPr lang="en-SG" dirty="0">
+                        <a:solidFill>
+                          <a:schemeClr val="accent6">
+                            <a:lumMod val="50000"/>
+                          </a:schemeClr>
+                        </a:solidFill>
+                      </a:endParaRPr>
+                    </a:p>
+                  </a:txBody>
+                  <a:tcPr/>
+                </a:tc>
+                <a:tc>
+                  <a:txBody>
+                    <a:bodyPr/>
+                    <a:lstStyle/>
+                    <a:p>
+                      <a:r>
+                        <a:rPr lang="en-US" dirty="0">
+                          <a:solidFill>
+                            <a:schemeClr val="accent6">
+                              <a:lumMod val="50000"/>
+                            </a:schemeClr>
+                          </a:solidFill>
+                        </a:rPr>
+                        <a:t>P2</a:t>
+                      </a:r>
+                      <a:endParaRPr lang="en-SG" dirty="0">
+                        <a:solidFill>
+                          <a:schemeClr val="accent6">
+                            <a:lumMod val="50000"/>
+                          </a:schemeClr>
+                        </a:solidFill>
+                      </a:endParaRPr>
+                    </a:p>
+                  </a:txBody>
+                  <a:tcPr/>
+                </a:tc>
+                <a:tc>
+                  <a:txBody>
+                    <a:bodyPr/>
+                    <a:lstStyle/>
+                    <a:p>
+                      <a:r>
+                        <a:rPr lang="en-US" dirty="0">
+                          <a:solidFill>
+                            <a:schemeClr val="accent6">
+                              <a:lumMod val="50000"/>
+                            </a:schemeClr>
+                          </a:solidFill>
+                        </a:rPr>
+                        <a:t>Closed</a:t>
+                      </a:r>
+                      <a:endParaRPr lang="en-SG" dirty="0">
+                        <a:solidFill>
+                          <a:schemeClr val="accent6">
+                            <a:lumMod val="50000"/>
+                          </a:schemeClr>
+                        </a:solidFill>
+                      </a:endParaRPr>
+                    </a:p>
+                  </a:txBody>
+                  <a:tcPr/>
+                </a:tc>
+                <a:extLst>
+                  <a:ext uri="{0D108BD9-81ED-4DB2-BD59-A6C34878D82A}">
+                    <a16:rowId xmlns:a16="http://schemas.microsoft.com/office/drawing/2014/main" val="1277373191"/>
+                  </a:ext>
+                </a:extLst>
+              </a:tr>
+              <a:tr h="370840">
+                <a:tc>
+                  <a:txBody>
+                    <a:bodyPr/>
+                    <a:lstStyle/>
+                    <a:p>
+                      <a:endParaRPr lang="en-SG"/>
+                    </a:p>
+                  </a:txBody>
+                  <a:tcPr/>
+                </a:tc>
+                <a:tc>
+                  <a:txBody>
+                    <a:bodyPr/>
+                    <a:lstStyle/>
+                    <a:p>
+                      <a:endParaRPr lang="en-SG"/>
+                    </a:p>
+                  </a:txBody>
+                  <a:tcPr/>
+                </a:tc>
+                <a:tc>
+                  <a:txBody>
+                    <a:bodyPr/>
+                    <a:lstStyle/>
+                    <a:p>
+                      <a:endParaRPr lang="en-SG"/>
+                    </a:p>
+                  </a:txBody>
+                  <a:tcPr/>
+                </a:tc>
+                <a:tc>
+                  <a:txBody>
+                    <a:bodyPr/>
+                    <a:lstStyle/>
+                    <a:p>
+                      <a:endParaRPr lang="en-SG" dirty="0"/>
+                    </a:p>
+                  </a:txBody>
+                  <a:tcPr/>
+                </a:tc>
+                <a:tc>
+                  <a:txBody>
+                    <a:bodyPr/>
+                    <a:lstStyle/>
+                    <a:p>
+                      <a:endParaRPr lang="en-SG" dirty="0"/>
+                    </a:p>
+                  </a:txBody>
+                  <a:tcPr/>
+                </a:tc>
+                <a:extLst>
+                  <a:ext uri="{0D108BD9-81ED-4DB2-BD59-A6C34878D82A}">
+                    <a16:rowId xmlns:a16="http://schemas.microsoft.com/office/drawing/2014/main" val="2462376687"/>
+                  </a:ext>
+                </a:extLst>
+              </a:tr>
+            </a:tbl>
+          </a:graphicData>
+        </a:graphic>
+      </p:graphicFrame>
+    </p:spTree>
+    <p:extLst>
+      <p:ext uri="{BB962C8B-B14F-4D97-AF65-F5344CB8AC3E}">
+        <p14:creationId xmlns:p14="http://schemas.microsoft.com/office/powerpoint/2010/main" val="1726344095"/>
+      </p:ext>
+    </p:extLst>
+  </p:cSld>
+  <p:clrMapOvr>
+    <a:masterClrMapping/>
+  </p:clrMapOvr>
+</p:sld>
+</file>
+
+<file path=ppt/slides/slide11.xml><?xml version="1.0" encoding="utf-8"?>
+<p:sld xmlns:a="http://schemas.openxmlformats.org/drawingml/2006/main" xmlns:r="http://schemas.openxmlformats.org/officeDocument/2006/relationships" xmlns:p="http://schemas.openxmlformats.org/presentationml/2006/main">
+  <p:cSld>
+    <p:spTree>
+      <p:nvGrpSpPr>
+        <p:cNvPr id="1" name=""/>
+        <p:cNvGrpSpPr/>
+        <p:nvPr/>
+      </p:nvGrpSpPr>
+      <p:grpSpPr>
+        <a:xfrm>
+          <a:off x="0" y="0"/>
+          <a:ext cx="0" cy="0"/>
+          <a:chOff x="0" y="0"/>
+          <a:chExt cx="0" cy="0"/>
+        </a:xfrm>
+      </p:grpSpPr>
+      <p:sp>
+        <p:nvSpPr>
+          <p:cNvPr id="2" name="Title 1">
+            <a:extLst>
+              <a:ext uri="{FF2B5EF4-FFF2-40B4-BE49-F238E27FC236}">
                 <a16:creationId xmlns:a16="http://schemas.microsoft.com/office/drawing/2014/main" id="{BB800BF3-45C7-4F03-B0F6-6DE3AAE00CA4}"/>
               </a:ext>
             </a:extLst>
@@ -4520,7 +5839,7 @@
 </p:sld>
 </file>
 
-<file path=ppt/slides/slide11.xml><?xml version="1.0" encoding="utf-8"?>
+<file path=ppt/slides/slide12.xml><?xml version="1.0" encoding="utf-8"?>
 <p:sld xmlns:a="http://schemas.openxmlformats.org/drawingml/2006/main" xmlns:r="http://schemas.openxmlformats.org/officeDocument/2006/relationships" xmlns:p="http://schemas.openxmlformats.org/presentationml/2006/main">
   <p:cSld>
     <p:spTree>
@@ -5244,7 +6563,7 @@
 </p:sld>
 </file>
 
-<file path=ppt/slides/slide12.xml><?xml version="1.0" encoding="utf-8"?>
+<file path=ppt/slides/slide13.xml><?xml version="1.0" encoding="utf-8"?>
 <p:sld xmlns:a="http://schemas.openxmlformats.org/drawingml/2006/main" xmlns:r="http://schemas.openxmlformats.org/officeDocument/2006/relationships" xmlns:p="http://schemas.openxmlformats.org/presentationml/2006/main">
   <p:cSld>
     <p:spTree>
@@ -6227,7 +7546,7 @@
 </p:sld>
 </file>
 
-<file path=ppt/slides/slide13.xml><?xml version="1.0" encoding="utf-8"?>
+<file path=ppt/slides/slide14.xml><?xml version="1.0" encoding="utf-8"?>
 <p:sld xmlns:a="http://schemas.openxmlformats.org/drawingml/2006/main" xmlns:r="http://schemas.openxmlformats.org/officeDocument/2006/relationships" xmlns:p="http://schemas.openxmlformats.org/presentationml/2006/main">
   <p:cSld>
     <p:spTree>
@@ -7566,7 +8885,7 @@
 </p:sld>
 </file>
 
-<file path=ppt/slides/slide14.xml><?xml version="1.0" encoding="utf-8"?>
+<file path=ppt/slides/slide15.xml><?xml version="1.0" encoding="utf-8"?>
 <p:sld xmlns:a="http://schemas.openxmlformats.org/drawingml/2006/main" xmlns:r="http://schemas.openxmlformats.org/officeDocument/2006/relationships" xmlns:p="http://schemas.openxmlformats.org/presentationml/2006/main">
   <p:cSld>
     <p:spTree>
@@ -8455,10 +9774,306 @@
       </p:grpSpPr>
       <p:sp>
         <p:nvSpPr>
-          <p:cNvPr id="2" name="Title 1">
-            <a:extLst>
-              <a:ext uri="{FF2B5EF4-FFF2-40B4-BE49-F238E27FC236}">
-                <a16:creationId xmlns:a16="http://schemas.microsoft.com/office/drawing/2014/main" id="{FE140D90-94F4-48D4-BE29-842BA4A7CC7D}"/>
+          <p:cNvPr id="6" name="TextBox 5">
+            <a:extLst>
+              <a:ext uri="{FF2B5EF4-FFF2-40B4-BE49-F238E27FC236}">
+                <a16:creationId xmlns:a16="http://schemas.microsoft.com/office/drawing/2014/main" id="{DA5D9888-9FCC-40D9-9F1B-93D892A89BF9}"/>
+              </a:ext>
+            </a:extLst>
+          </p:cNvPr>
+          <p:cNvSpPr txBox="1"/>
+          <p:nvPr/>
+        </p:nvSpPr>
+        <p:spPr>
+          <a:xfrm>
+            <a:off x="1510748" y="1321904"/>
+            <a:ext cx="1292341" cy="369332"/>
+          </a:xfrm>
+          <a:prstGeom prst="rect">
+            <a:avLst/>
+          </a:prstGeom>
+          <a:noFill/>
+        </p:spPr>
+        <p:txBody>
+          <a:bodyPr wrap="none" rtlCol="0">
+            <a:spAutoFit/>
+          </a:bodyPr>
+          <a:lstStyle/>
+          <a:p>
+            <a:r>
+              <a:rPr lang="en-US" dirty="0"/>
+              <a:t>User Name:</a:t>
+            </a:r>
+            <a:endParaRPr lang="en-SG" dirty="0"/>
+          </a:p>
+        </p:txBody>
+      </p:sp>
+      <p:sp>
+        <p:nvSpPr>
+          <p:cNvPr id="7" name="Rectangle: Rounded Corners 6">
+            <a:extLst>
+              <a:ext uri="{FF2B5EF4-FFF2-40B4-BE49-F238E27FC236}">
+                <a16:creationId xmlns:a16="http://schemas.microsoft.com/office/drawing/2014/main" id="{F4A4D482-5DC7-446D-A438-2E7F6AB61313}"/>
+              </a:ext>
+            </a:extLst>
+          </p:cNvPr>
+          <p:cNvSpPr/>
+          <p:nvPr/>
+        </p:nvSpPr>
+        <p:spPr>
+          <a:xfrm>
+            <a:off x="3021496" y="1321904"/>
+            <a:ext cx="4005469" cy="487018"/>
+          </a:xfrm>
+          <a:prstGeom prst="roundRect">
+            <a:avLst/>
+          </a:prstGeom>
+        </p:spPr>
+        <p:style>
+          <a:lnRef idx="2">
+            <a:schemeClr val="accent6"/>
+          </a:lnRef>
+          <a:fillRef idx="1">
+            <a:schemeClr val="lt1"/>
+          </a:fillRef>
+          <a:effectRef idx="0">
+            <a:schemeClr val="accent6"/>
+          </a:effectRef>
+          <a:fontRef idx="minor">
+            <a:schemeClr val="dk1"/>
+          </a:fontRef>
+        </p:style>
+        <p:txBody>
+          <a:bodyPr rtlCol="0" anchor="ctr"/>
+          <a:lstStyle/>
+          <a:p>
+            <a:pPr algn="ctr"/>
+            <a:endParaRPr lang="en-SG"/>
+          </a:p>
+        </p:txBody>
+      </p:sp>
+      <p:sp>
+        <p:nvSpPr>
+          <p:cNvPr id="8" name="Rectangle: Rounded Corners 7">
+            <a:extLst>
+              <a:ext uri="{FF2B5EF4-FFF2-40B4-BE49-F238E27FC236}">
+                <a16:creationId xmlns:a16="http://schemas.microsoft.com/office/drawing/2014/main" id="{74CAE224-F201-4EF7-B8D6-DFC3F573F55F}"/>
+              </a:ext>
+            </a:extLst>
+          </p:cNvPr>
+          <p:cNvSpPr/>
+          <p:nvPr/>
+        </p:nvSpPr>
+        <p:spPr>
+          <a:xfrm>
+            <a:off x="3021496" y="2117034"/>
+            <a:ext cx="4005469" cy="487018"/>
+          </a:xfrm>
+          <a:prstGeom prst="roundRect">
+            <a:avLst/>
+          </a:prstGeom>
+        </p:spPr>
+        <p:style>
+          <a:lnRef idx="2">
+            <a:schemeClr val="accent6"/>
+          </a:lnRef>
+          <a:fillRef idx="1">
+            <a:schemeClr val="lt1"/>
+          </a:fillRef>
+          <a:effectRef idx="0">
+            <a:schemeClr val="accent6"/>
+          </a:effectRef>
+          <a:fontRef idx="minor">
+            <a:schemeClr val="dk1"/>
+          </a:fontRef>
+        </p:style>
+        <p:txBody>
+          <a:bodyPr rtlCol="0" anchor="ctr"/>
+          <a:lstStyle/>
+          <a:p>
+            <a:pPr algn="ctr"/>
+            <a:endParaRPr lang="en-SG"/>
+          </a:p>
+        </p:txBody>
+      </p:sp>
+      <p:sp>
+        <p:nvSpPr>
+          <p:cNvPr id="9" name="Rectangle: Rounded Corners 8">
+            <a:extLst>
+              <a:ext uri="{FF2B5EF4-FFF2-40B4-BE49-F238E27FC236}">
+                <a16:creationId xmlns:a16="http://schemas.microsoft.com/office/drawing/2014/main" id="{0B13CF56-632A-4173-A6EE-8B080E937EEA}"/>
+              </a:ext>
+            </a:extLst>
+          </p:cNvPr>
+          <p:cNvSpPr/>
+          <p:nvPr/>
+        </p:nvSpPr>
+        <p:spPr>
+          <a:xfrm>
+            <a:off x="3021496" y="2941982"/>
+            <a:ext cx="4005469" cy="487018"/>
+          </a:xfrm>
+          <a:prstGeom prst="roundRect">
+            <a:avLst/>
+          </a:prstGeom>
+        </p:spPr>
+        <p:style>
+          <a:lnRef idx="2">
+            <a:schemeClr val="accent6"/>
+          </a:lnRef>
+          <a:fillRef idx="1">
+            <a:schemeClr val="lt1"/>
+          </a:fillRef>
+          <a:effectRef idx="0">
+            <a:schemeClr val="accent6"/>
+          </a:effectRef>
+          <a:fontRef idx="minor">
+            <a:schemeClr val="dk1"/>
+          </a:fontRef>
+        </p:style>
+        <p:txBody>
+          <a:bodyPr rtlCol="0" anchor="ctr"/>
+          <a:lstStyle/>
+          <a:p>
+            <a:pPr algn="ctr"/>
+            <a:endParaRPr lang="en-SG"/>
+          </a:p>
+        </p:txBody>
+      </p:sp>
+      <p:sp>
+        <p:nvSpPr>
+          <p:cNvPr id="10" name="TextBox 9">
+            <a:extLst>
+              <a:ext uri="{FF2B5EF4-FFF2-40B4-BE49-F238E27FC236}">
+                <a16:creationId xmlns:a16="http://schemas.microsoft.com/office/drawing/2014/main" id="{6F2B40D9-C7AA-45DF-A240-42BE868F114B}"/>
+              </a:ext>
+            </a:extLst>
+          </p:cNvPr>
+          <p:cNvSpPr txBox="1"/>
+          <p:nvPr/>
+        </p:nvSpPr>
+        <p:spPr>
+          <a:xfrm>
+            <a:off x="1510747" y="2175877"/>
+            <a:ext cx="700833" cy="369332"/>
+          </a:xfrm>
+          <a:prstGeom prst="rect">
+            <a:avLst/>
+          </a:prstGeom>
+          <a:noFill/>
+        </p:spPr>
+        <p:txBody>
+          <a:bodyPr wrap="none" rtlCol="0">
+            <a:spAutoFit/>
+          </a:bodyPr>
+          <a:lstStyle/>
+          <a:p>
+            <a:r>
+              <a:rPr lang="en-US" dirty="0"/>
+              <a:t>email</a:t>
+            </a:r>
+            <a:endParaRPr lang="en-SG" dirty="0"/>
+          </a:p>
+        </p:txBody>
+      </p:sp>
+      <p:sp>
+        <p:nvSpPr>
+          <p:cNvPr id="11" name="TextBox 10">
+            <a:extLst>
+              <a:ext uri="{FF2B5EF4-FFF2-40B4-BE49-F238E27FC236}">
+                <a16:creationId xmlns:a16="http://schemas.microsoft.com/office/drawing/2014/main" id="{C6D8AF06-BBFD-4669-BDD3-73FF65A75C79}"/>
+              </a:ext>
+            </a:extLst>
+          </p:cNvPr>
+          <p:cNvSpPr txBox="1"/>
+          <p:nvPr/>
+        </p:nvSpPr>
+        <p:spPr>
+          <a:xfrm>
+            <a:off x="1510747" y="2951129"/>
+            <a:ext cx="1070999" cy="369332"/>
+          </a:xfrm>
+          <a:prstGeom prst="rect">
+            <a:avLst/>
+          </a:prstGeom>
+          <a:noFill/>
+        </p:spPr>
+        <p:txBody>
+          <a:bodyPr wrap="none" rtlCol="0">
+            <a:spAutoFit/>
+          </a:bodyPr>
+          <a:lstStyle/>
+          <a:p>
+            <a:r>
+              <a:rPr lang="en-US" dirty="0"/>
+              <a:t>Password</a:t>
+            </a:r>
+            <a:endParaRPr lang="en-SG" dirty="0"/>
+          </a:p>
+        </p:txBody>
+      </p:sp>
+      <p:sp>
+        <p:nvSpPr>
+          <p:cNvPr id="12" name="Action Button: Blank 11">
+            <a:hlinkClick r:id="" action="ppaction://noaction" highlightClick="1"/>
+            <a:extLst>
+              <a:ext uri="{FF2B5EF4-FFF2-40B4-BE49-F238E27FC236}">
+                <a16:creationId xmlns:a16="http://schemas.microsoft.com/office/drawing/2014/main" id="{65C8B30B-05E0-4DA2-AFCE-EA03B188078E}"/>
+              </a:ext>
+            </a:extLst>
+          </p:cNvPr>
+          <p:cNvSpPr/>
+          <p:nvPr/>
+        </p:nvSpPr>
+        <p:spPr>
+          <a:xfrm>
+            <a:off x="2581746" y="4253948"/>
+            <a:ext cx="1562871" cy="716409"/>
+          </a:xfrm>
+          <a:prstGeom prst="actionButtonBlank">
+            <a:avLst/>
+          </a:prstGeom>
+          <a:solidFill>
+            <a:schemeClr val="accent6">
+              <a:lumMod val="50000"/>
+            </a:schemeClr>
+          </a:solidFill>
+        </p:spPr>
+        <p:style>
+          <a:lnRef idx="2">
+            <a:schemeClr val="dk1">
+              <a:shade val="50000"/>
+            </a:schemeClr>
+          </a:lnRef>
+          <a:fillRef idx="1">
+            <a:schemeClr val="dk1"/>
+          </a:fillRef>
+          <a:effectRef idx="0">
+            <a:schemeClr val="dk1"/>
+          </a:effectRef>
+          <a:fontRef idx="minor">
+            <a:schemeClr val="lt1"/>
+          </a:fontRef>
+        </p:style>
+        <p:txBody>
+          <a:bodyPr rtlCol="0" anchor="ctr"/>
+          <a:lstStyle/>
+          <a:p>
+            <a:pPr algn="ctr"/>
+            <a:r>
+              <a:rPr lang="en-US" dirty="0"/>
+              <a:t>Login</a:t>
+            </a:r>
+            <a:endParaRPr lang="en-SG" dirty="0"/>
+          </a:p>
+        </p:txBody>
+      </p:sp>
+      <p:sp>
+        <p:nvSpPr>
+          <p:cNvPr id="13" name="Title 1">
+            <a:extLst>
+              <a:ext uri="{FF2B5EF4-FFF2-40B4-BE49-F238E27FC236}">
+                <a16:creationId xmlns:a16="http://schemas.microsoft.com/office/drawing/2014/main" id="{A7A245D0-D8E2-4DC0-9BC5-71D67994BBC7}"/>
               </a:ext>
             </a:extLst>
           </p:cNvPr>
@@ -8471,8 +10086,8 @@
         </p:nvSpPr>
         <p:spPr>
           <a:xfrm>
-            <a:off x="4982817" y="2680942"/>
-            <a:ext cx="2570922" cy="1325563"/>
+            <a:off x="271669" y="-54788"/>
+            <a:ext cx="10515600" cy="1325563"/>
           </a:xfrm>
         </p:spPr>
         <p:txBody>
@@ -8481,7 +10096,7 @@
           <a:p>
             <a:r>
               <a:rPr lang="en-US" dirty="0"/>
-              <a:t>Login</a:t>
+              <a:t>Login form</a:t>
             </a:r>
             <a:endParaRPr lang="en-SG" dirty="0"/>
           </a:p>
@@ -8490,7 +10105,7 @@
     </p:spTree>
     <p:extLst>
       <p:ext uri="{BB962C8B-B14F-4D97-AF65-F5344CB8AC3E}">
-        <p14:creationId xmlns:p14="http://schemas.microsoft.com/office/powerpoint/2010/main" val="3314556015"/>
+        <p14:creationId xmlns:p14="http://schemas.microsoft.com/office/powerpoint/2010/main" val="1650516461"/>
       </p:ext>
     </p:extLst>
   </p:cSld>
@@ -8519,10 +10134,39 @@
       </p:grpSpPr>
       <p:sp>
         <p:nvSpPr>
-          <p:cNvPr id="6" name="TextBox 5">
-            <a:extLst>
-              <a:ext uri="{FF2B5EF4-FFF2-40B4-BE49-F238E27FC236}">
-                <a16:creationId xmlns:a16="http://schemas.microsoft.com/office/drawing/2014/main" id="{DA5D9888-9FCC-40D9-9F1B-93D892A89BF9}"/>
+          <p:cNvPr id="2" name="Title 1">
+            <a:extLst>
+              <a:ext uri="{FF2B5EF4-FFF2-40B4-BE49-F238E27FC236}">
+                <a16:creationId xmlns:a16="http://schemas.microsoft.com/office/drawing/2014/main" id="{DF26E892-2DC8-4E4C-9C6B-81A14BF66F75}"/>
+              </a:ext>
+            </a:extLst>
+          </p:cNvPr>
+          <p:cNvSpPr>
+            <a:spLocks noGrp="1"/>
+          </p:cNvSpPr>
+          <p:nvPr>
+            <p:ph type="title"/>
+          </p:nvPr>
+        </p:nvSpPr>
+        <p:spPr/>
+        <p:txBody>
+          <a:bodyPr/>
+          <a:lstStyle/>
+          <a:p>
+            <a:r>
+              <a:rPr lang="en-US" dirty="0"/>
+              <a:t>Edit Profile form</a:t>
+            </a:r>
+            <a:endParaRPr lang="en-SG" dirty="0"/>
+          </a:p>
+        </p:txBody>
+      </p:sp>
+      <p:sp>
+        <p:nvSpPr>
+          <p:cNvPr id="4" name="TextBox 3">
+            <a:extLst>
+              <a:ext uri="{FF2B5EF4-FFF2-40B4-BE49-F238E27FC236}">
+                <a16:creationId xmlns:a16="http://schemas.microsoft.com/office/drawing/2014/main" id="{AA1C99FB-3EE8-4A6E-A5DA-9D8C5CBBE3E4}"/>
               </a:ext>
             </a:extLst>
           </p:cNvPr>
@@ -8531,7 +10175,7 @@
         </p:nvSpPr>
         <p:spPr>
           <a:xfrm>
-            <a:off x="1510748" y="1321904"/>
+            <a:off x="1470992" y="1690688"/>
             <a:ext cx="1292341" cy="369332"/>
           </a:xfrm>
           <a:prstGeom prst="rect">
@@ -8555,10 +10199,10 @@
       </p:sp>
       <p:sp>
         <p:nvSpPr>
-          <p:cNvPr id="7" name="Rectangle: Rounded Corners 6">
-            <a:extLst>
-              <a:ext uri="{FF2B5EF4-FFF2-40B4-BE49-F238E27FC236}">
-                <a16:creationId xmlns:a16="http://schemas.microsoft.com/office/drawing/2014/main" id="{F4A4D482-5DC7-446D-A438-2E7F6AB61313}"/>
+          <p:cNvPr id="5" name="Rectangle: Rounded Corners 4">
+            <a:extLst>
+              <a:ext uri="{FF2B5EF4-FFF2-40B4-BE49-F238E27FC236}">
+                <a16:creationId xmlns:a16="http://schemas.microsoft.com/office/drawing/2014/main" id="{D6C9B6B6-4C3C-449A-8FEE-576C32F1AADF}"/>
               </a:ext>
             </a:extLst>
           </p:cNvPr>
@@ -8567,7 +10211,7 @@
         </p:nvSpPr>
         <p:spPr>
           <a:xfrm>
-            <a:off x="3021496" y="1321904"/>
+            <a:off x="3339547" y="1690688"/>
             <a:ext cx="4005469" cy="487018"/>
           </a:xfrm>
           <a:prstGeom prst="roundRect">
@@ -8599,10 +10243,10 @@
       </p:sp>
       <p:sp>
         <p:nvSpPr>
-          <p:cNvPr id="8" name="Rectangle: Rounded Corners 7">
-            <a:extLst>
-              <a:ext uri="{FF2B5EF4-FFF2-40B4-BE49-F238E27FC236}">
-                <a16:creationId xmlns:a16="http://schemas.microsoft.com/office/drawing/2014/main" id="{74CAE224-F201-4EF7-B8D6-DFC3F573F55F}"/>
+          <p:cNvPr id="6" name="Rectangle: Rounded Corners 5">
+            <a:extLst>
+              <a:ext uri="{FF2B5EF4-FFF2-40B4-BE49-F238E27FC236}">
+                <a16:creationId xmlns:a16="http://schemas.microsoft.com/office/drawing/2014/main" id="{94C6888D-A525-434C-A6CD-748D28AE67E8}"/>
               </a:ext>
             </a:extLst>
           </p:cNvPr>
@@ -8611,7 +10255,7 @@
         </p:nvSpPr>
         <p:spPr>
           <a:xfrm>
-            <a:off x="3021496" y="2117034"/>
+            <a:off x="3339547" y="2485818"/>
             <a:ext cx="4005469" cy="487018"/>
           </a:xfrm>
           <a:prstGeom prst="roundRect">
@@ -8643,54 +10287,10 @@
       </p:sp>
       <p:sp>
         <p:nvSpPr>
-          <p:cNvPr id="9" name="Rectangle: Rounded Corners 8">
-            <a:extLst>
-              <a:ext uri="{FF2B5EF4-FFF2-40B4-BE49-F238E27FC236}">
-                <a16:creationId xmlns:a16="http://schemas.microsoft.com/office/drawing/2014/main" id="{0B13CF56-632A-4173-A6EE-8B080E937EEA}"/>
-              </a:ext>
-            </a:extLst>
-          </p:cNvPr>
-          <p:cNvSpPr/>
-          <p:nvPr/>
-        </p:nvSpPr>
-        <p:spPr>
-          <a:xfrm>
-            <a:off x="3021496" y="2941982"/>
-            <a:ext cx="4005469" cy="487018"/>
-          </a:xfrm>
-          <a:prstGeom prst="roundRect">
-            <a:avLst/>
-          </a:prstGeom>
-        </p:spPr>
-        <p:style>
-          <a:lnRef idx="2">
-            <a:schemeClr val="accent6"/>
-          </a:lnRef>
-          <a:fillRef idx="1">
-            <a:schemeClr val="lt1"/>
-          </a:fillRef>
-          <a:effectRef idx="0">
-            <a:schemeClr val="accent6"/>
-          </a:effectRef>
-          <a:fontRef idx="minor">
-            <a:schemeClr val="dk1"/>
-          </a:fontRef>
-        </p:style>
-        <p:txBody>
-          <a:bodyPr rtlCol="0" anchor="ctr"/>
-          <a:lstStyle/>
-          <a:p>
-            <a:pPr algn="ctr"/>
-            <a:endParaRPr lang="en-SG"/>
-          </a:p>
-        </p:txBody>
-      </p:sp>
-      <p:sp>
-        <p:nvSpPr>
-          <p:cNvPr id="10" name="TextBox 9">
-            <a:extLst>
-              <a:ext uri="{FF2B5EF4-FFF2-40B4-BE49-F238E27FC236}">
-                <a16:creationId xmlns:a16="http://schemas.microsoft.com/office/drawing/2014/main" id="{6F2B40D9-C7AA-45DF-A240-42BE868F114B}"/>
+          <p:cNvPr id="8" name="TextBox 7">
+            <a:extLst>
+              <a:ext uri="{FF2B5EF4-FFF2-40B4-BE49-F238E27FC236}">
+                <a16:creationId xmlns:a16="http://schemas.microsoft.com/office/drawing/2014/main" id="{9F62D3F2-FA71-4F53-8736-8EDBA4CB696E}"/>
               </a:ext>
             </a:extLst>
           </p:cNvPr>
@@ -8699,8 +10299,8 @@
         </p:nvSpPr>
         <p:spPr>
           <a:xfrm>
-            <a:off x="1510747" y="2175877"/>
-            <a:ext cx="700833" cy="369332"/>
+            <a:off x="1470991" y="2544661"/>
+            <a:ext cx="1734642" cy="369332"/>
           </a:xfrm>
           <a:prstGeom prst="rect">
             <a:avLst/>
@@ -8715,7 +10315,7 @@
           <a:p>
             <a:r>
               <a:rPr lang="en-US" dirty="0"/>
-              <a:t>email</a:t>
+              <a:t>Contact Number</a:t>
             </a:r>
             <a:endParaRPr lang="en-SG" dirty="0"/>
           </a:p>
@@ -8723,47 +10323,11 @@
       </p:sp>
       <p:sp>
         <p:nvSpPr>
-          <p:cNvPr id="11" name="TextBox 10">
-            <a:extLst>
-              <a:ext uri="{FF2B5EF4-FFF2-40B4-BE49-F238E27FC236}">
-                <a16:creationId xmlns:a16="http://schemas.microsoft.com/office/drawing/2014/main" id="{C6D8AF06-BBFD-4669-BDD3-73FF65A75C79}"/>
-              </a:ext>
-            </a:extLst>
-          </p:cNvPr>
-          <p:cNvSpPr txBox="1"/>
-          <p:nvPr/>
-        </p:nvSpPr>
-        <p:spPr>
-          <a:xfrm>
-            <a:off x="1510747" y="2951129"/>
-            <a:ext cx="1070999" cy="369332"/>
-          </a:xfrm>
-          <a:prstGeom prst="rect">
-            <a:avLst/>
-          </a:prstGeom>
-          <a:noFill/>
-        </p:spPr>
-        <p:txBody>
-          <a:bodyPr wrap="none" rtlCol="0">
-            <a:spAutoFit/>
-          </a:bodyPr>
-          <a:lstStyle/>
-          <a:p>
-            <a:r>
-              <a:rPr lang="en-US" dirty="0"/>
-              <a:t>Password</a:t>
-            </a:r>
-            <a:endParaRPr lang="en-SG" dirty="0"/>
-          </a:p>
-        </p:txBody>
-      </p:sp>
-      <p:sp>
-        <p:nvSpPr>
-          <p:cNvPr id="12" name="Action Button: Blank 11">
+          <p:cNvPr id="10" name="Action Button: Blank 9">
             <a:hlinkClick r:id="" action="ppaction://noaction" highlightClick="1"/>
             <a:extLst>
               <a:ext uri="{FF2B5EF4-FFF2-40B4-BE49-F238E27FC236}">
-                <a16:creationId xmlns:a16="http://schemas.microsoft.com/office/drawing/2014/main" id="{65C8B30B-05E0-4DA2-AFCE-EA03B188078E}"/>
+                <a16:creationId xmlns:a16="http://schemas.microsoft.com/office/drawing/2014/main" id="{B07A2A3D-D0A3-4F62-A16B-C2E1FF7D76F4}"/>
               </a:ext>
             </a:extLst>
           </p:cNvPr>
@@ -8772,7 +10336,7 @@
         </p:nvSpPr>
         <p:spPr>
           <a:xfrm>
-            <a:off x="2581746" y="4253948"/>
+            <a:off x="2541990" y="4622732"/>
             <a:ext cx="1562871" cy="716409"/>
           </a:xfrm>
           <a:prstGeom prst="actionButtonBlank">
@@ -8807,7 +10371,87 @@
             <a:pPr algn="ctr"/>
             <a:r>
               <a:rPr lang="en-US" dirty="0"/>
-              <a:t>Login</a:t>
+              <a:t>Update</a:t>
+            </a:r>
+            <a:endParaRPr lang="en-SG" dirty="0"/>
+          </a:p>
+        </p:txBody>
+      </p:sp>
+      <p:sp>
+        <p:nvSpPr>
+          <p:cNvPr id="11" name="Rectangle: Rounded Corners 10">
+            <a:extLst>
+              <a:ext uri="{FF2B5EF4-FFF2-40B4-BE49-F238E27FC236}">
+                <a16:creationId xmlns:a16="http://schemas.microsoft.com/office/drawing/2014/main" id="{A5C08AFE-4A98-44C0-83AB-EC55E1BC0381}"/>
+              </a:ext>
+            </a:extLst>
+          </p:cNvPr>
+          <p:cNvSpPr/>
+          <p:nvPr/>
+        </p:nvSpPr>
+        <p:spPr>
+          <a:xfrm>
+            <a:off x="3339547" y="3156710"/>
+            <a:ext cx="4005469" cy="487018"/>
+          </a:xfrm>
+          <a:prstGeom prst="roundRect">
+            <a:avLst/>
+          </a:prstGeom>
+        </p:spPr>
+        <p:style>
+          <a:lnRef idx="2">
+            <a:schemeClr val="accent6"/>
+          </a:lnRef>
+          <a:fillRef idx="1">
+            <a:schemeClr val="lt1"/>
+          </a:fillRef>
+          <a:effectRef idx="0">
+            <a:schemeClr val="accent6"/>
+          </a:effectRef>
+          <a:fontRef idx="minor">
+            <a:schemeClr val="dk1"/>
+          </a:fontRef>
+        </p:style>
+        <p:txBody>
+          <a:bodyPr rtlCol="0" anchor="ctr"/>
+          <a:lstStyle/>
+          <a:p>
+            <a:pPr algn="ctr"/>
+            <a:endParaRPr lang="en-SG"/>
+          </a:p>
+        </p:txBody>
+      </p:sp>
+      <p:sp>
+        <p:nvSpPr>
+          <p:cNvPr id="12" name="TextBox 11">
+            <a:extLst>
+              <a:ext uri="{FF2B5EF4-FFF2-40B4-BE49-F238E27FC236}">
+                <a16:creationId xmlns:a16="http://schemas.microsoft.com/office/drawing/2014/main" id="{29701CB3-EE3E-4296-A5EC-BA4DB4AC0131}"/>
+              </a:ext>
+            </a:extLst>
+          </p:cNvPr>
+          <p:cNvSpPr txBox="1"/>
+          <p:nvPr/>
+        </p:nvSpPr>
+        <p:spPr>
+          <a:xfrm>
+            <a:off x="1470991" y="3215553"/>
+            <a:ext cx="933461" cy="369332"/>
+          </a:xfrm>
+          <a:prstGeom prst="rect">
+            <a:avLst/>
+          </a:prstGeom>
+          <a:noFill/>
+        </p:spPr>
+        <p:txBody>
+          <a:bodyPr wrap="none" rtlCol="0">
+            <a:spAutoFit/>
+          </a:bodyPr>
+          <a:lstStyle/>
+          <a:p>
+            <a:r>
+              <a:rPr lang="en-US" dirty="0"/>
+              <a:t>Address</a:t>
             </a:r>
             <a:endParaRPr lang="en-SG" dirty="0"/>
           </a:p>
@@ -8816,7 +10460,7 @@
     </p:spTree>
     <p:extLst>
       <p:ext uri="{BB962C8B-B14F-4D97-AF65-F5344CB8AC3E}">
-        <p14:creationId xmlns:p14="http://schemas.microsoft.com/office/powerpoint/2010/main" val="1650516461"/>
+        <p14:creationId xmlns:p14="http://schemas.microsoft.com/office/powerpoint/2010/main" val="103297297"/>
       </p:ext>
     </p:extLst>
   </p:cSld>
@@ -8848,7 +10492,7 @@
           <p:cNvPr id="2" name="Title 1">
             <a:extLst>
               <a:ext uri="{FF2B5EF4-FFF2-40B4-BE49-F238E27FC236}">
-                <a16:creationId xmlns:a16="http://schemas.microsoft.com/office/drawing/2014/main" id="{DF26E892-2DC8-4E4C-9C6B-81A14BF66F75}"/>
+                <a16:creationId xmlns:a16="http://schemas.microsoft.com/office/drawing/2014/main" id="{6662376D-284B-4344-ADB4-0E26F87FF329}"/>
               </a:ext>
             </a:extLst>
           </p:cNvPr>
@@ -8866,7 +10510,7 @@
           <a:p>
             <a:r>
               <a:rPr lang="en-US" dirty="0"/>
-              <a:t>Edit Profile form</a:t>
+              <a:t>Change Password Form</a:t>
             </a:r>
             <a:endParaRPr lang="en-SG" dirty="0"/>
           </a:p>
@@ -8877,7 +10521,7 @@
           <p:cNvPr id="4" name="TextBox 3">
             <a:extLst>
               <a:ext uri="{FF2B5EF4-FFF2-40B4-BE49-F238E27FC236}">
-                <a16:creationId xmlns:a16="http://schemas.microsoft.com/office/drawing/2014/main" id="{AA1C99FB-3EE8-4A6E-A5DA-9D8C5CBBE3E4}"/>
+                <a16:creationId xmlns:a16="http://schemas.microsoft.com/office/drawing/2014/main" id="{A3E25BE8-DF55-4CB0-9C21-DC07A753DD76}"/>
               </a:ext>
             </a:extLst>
           </p:cNvPr>
@@ -8913,7 +10557,7 @@
           <p:cNvPr id="5" name="Rectangle: Rounded Corners 4">
             <a:extLst>
               <a:ext uri="{FF2B5EF4-FFF2-40B4-BE49-F238E27FC236}">
-                <a16:creationId xmlns:a16="http://schemas.microsoft.com/office/drawing/2014/main" id="{D6C9B6B6-4C3C-449A-8FEE-576C32F1AADF}"/>
+                <a16:creationId xmlns:a16="http://schemas.microsoft.com/office/drawing/2014/main" id="{098BFF12-AC25-4D62-BA9B-A267590EE782}"/>
               </a:ext>
             </a:extLst>
           </p:cNvPr>
@@ -8957,7 +10601,7 @@
           <p:cNvPr id="6" name="Rectangle: Rounded Corners 5">
             <a:extLst>
               <a:ext uri="{FF2B5EF4-FFF2-40B4-BE49-F238E27FC236}">
-                <a16:creationId xmlns:a16="http://schemas.microsoft.com/office/drawing/2014/main" id="{94C6888D-A525-434C-A6CD-748D28AE67E8}"/>
+                <a16:creationId xmlns:a16="http://schemas.microsoft.com/office/drawing/2014/main" id="{515AD5AC-EE05-4C5C-BC20-5F20A1716565}"/>
               </a:ext>
             </a:extLst>
           </p:cNvPr>
@@ -8998,10 +10642,10 @@
       </p:sp>
       <p:sp>
         <p:nvSpPr>
-          <p:cNvPr id="8" name="TextBox 7">
-            <a:extLst>
-              <a:ext uri="{FF2B5EF4-FFF2-40B4-BE49-F238E27FC236}">
-                <a16:creationId xmlns:a16="http://schemas.microsoft.com/office/drawing/2014/main" id="{9F62D3F2-FA71-4F53-8736-8EDBA4CB696E}"/>
+          <p:cNvPr id="7" name="TextBox 6">
+            <a:extLst>
+              <a:ext uri="{FF2B5EF4-FFF2-40B4-BE49-F238E27FC236}">
+                <a16:creationId xmlns:a16="http://schemas.microsoft.com/office/drawing/2014/main" id="{22F5539D-B6EE-4FAD-B3DC-8EE26B0FD8D7}"/>
               </a:ext>
             </a:extLst>
           </p:cNvPr>
@@ -9011,7 +10655,7 @@
         <p:spPr>
           <a:xfrm>
             <a:off x="1470991" y="2544661"/>
-            <a:ext cx="1734642" cy="369332"/>
+            <a:ext cx="697627" cy="369332"/>
           </a:xfrm>
           <a:prstGeom prst="rect">
             <a:avLst/>
@@ -9026,7 +10670,7 @@
           <a:p>
             <a:r>
               <a:rPr lang="en-US" dirty="0"/>
-              <a:t>Contact Number</a:t>
+              <a:t>Email</a:t>
             </a:r>
             <a:endParaRPr lang="en-SG" dirty="0"/>
           </a:p>
@@ -9034,66 +10678,10 @@
       </p:sp>
       <p:sp>
         <p:nvSpPr>
-          <p:cNvPr id="10" name="Action Button: Blank 9">
-            <a:hlinkClick r:id="" action="ppaction://noaction" highlightClick="1"/>
-            <a:extLst>
-              <a:ext uri="{FF2B5EF4-FFF2-40B4-BE49-F238E27FC236}">
-                <a16:creationId xmlns:a16="http://schemas.microsoft.com/office/drawing/2014/main" id="{B07A2A3D-D0A3-4F62-A16B-C2E1FF7D76F4}"/>
-              </a:ext>
-            </a:extLst>
-          </p:cNvPr>
-          <p:cNvSpPr/>
-          <p:nvPr/>
-        </p:nvSpPr>
-        <p:spPr>
-          <a:xfrm>
-            <a:off x="2541990" y="4622732"/>
-            <a:ext cx="1562871" cy="716409"/>
-          </a:xfrm>
-          <a:prstGeom prst="actionButtonBlank">
-            <a:avLst/>
-          </a:prstGeom>
-          <a:solidFill>
-            <a:schemeClr val="accent6">
-              <a:lumMod val="50000"/>
-            </a:schemeClr>
-          </a:solidFill>
-        </p:spPr>
-        <p:style>
-          <a:lnRef idx="2">
-            <a:schemeClr val="dk1">
-              <a:shade val="50000"/>
-            </a:schemeClr>
-          </a:lnRef>
-          <a:fillRef idx="1">
-            <a:schemeClr val="dk1"/>
-          </a:fillRef>
-          <a:effectRef idx="0">
-            <a:schemeClr val="dk1"/>
-          </a:effectRef>
-          <a:fontRef idx="minor">
-            <a:schemeClr val="lt1"/>
-          </a:fontRef>
-        </p:style>
-        <p:txBody>
-          <a:bodyPr rtlCol="0" anchor="ctr"/>
-          <a:lstStyle/>
-          <a:p>
-            <a:pPr algn="ctr"/>
-            <a:r>
-              <a:rPr lang="en-US" dirty="0"/>
-              <a:t>Update</a:t>
-            </a:r>
-            <a:endParaRPr lang="en-SG" dirty="0"/>
-          </a:p>
-        </p:txBody>
-      </p:sp>
-      <p:sp>
-        <p:nvSpPr>
-          <p:cNvPr id="11" name="Rectangle: Rounded Corners 10">
-            <a:extLst>
-              <a:ext uri="{FF2B5EF4-FFF2-40B4-BE49-F238E27FC236}">
-                <a16:creationId xmlns:a16="http://schemas.microsoft.com/office/drawing/2014/main" id="{A5C08AFE-4A98-44C0-83AB-EC55E1BC0381}"/>
+          <p:cNvPr id="8" name="Rectangle: Rounded Corners 7">
+            <a:extLst>
+              <a:ext uri="{FF2B5EF4-FFF2-40B4-BE49-F238E27FC236}">
+                <a16:creationId xmlns:a16="http://schemas.microsoft.com/office/drawing/2014/main" id="{30014972-6127-4846-85F5-67F786A4267A}"/>
               </a:ext>
             </a:extLst>
           </p:cNvPr>
@@ -9134,10 +10722,10 @@
       </p:sp>
       <p:sp>
         <p:nvSpPr>
-          <p:cNvPr id="12" name="TextBox 11">
-            <a:extLst>
-              <a:ext uri="{FF2B5EF4-FFF2-40B4-BE49-F238E27FC236}">
-                <a16:creationId xmlns:a16="http://schemas.microsoft.com/office/drawing/2014/main" id="{29701CB3-EE3E-4296-A5EC-BA4DB4AC0131}"/>
+          <p:cNvPr id="9" name="TextBox 8">
+            <a:extLst>
+              <a:ext uri="{FF2B5EF4-FFF2-40B4-BE49-F238E27FC236}">
+                <a16:creationId xmlns:a16="http://schemas.microsoft.com/office/drawing/2014/main" id="{99142660-A627-4726-8C24-F1D6FEB39017}"/>
               </a:ext>
             </a:extLst>
           </p:cNvPr>
@@ -9147,7 +10735,7 @@
         <p:spPr>
           <a:xfrm>
             <a:off x="1470991" y="3215553"/>
-            <a:ext cx="933461" cy="369332"/>
+            <a:ext cx="1838517" cy="369332"/>
           </a:xfrm>
           <a:prstGeom prst="rect">
             <a:avLst/>
@@ -9162,7 +10750,143 @@
           <a:p>
             <a:r>
               <a:rPr lang="en-US" dirty="0"/>
-              <a:t>Address</a:t>
+              <a:t>Current Password</a:t>
+            </a:r>
+            <a:endParaRPr lang="en-SG" dirty="0"/>
+          </a:p>
+        </p:txBody>
+      </p:sp>
+      <p:sp>
+        <p:nvSpPr>
+          <p:cNvPr id="10" name="Rectangle: Rounded Corners 9">
+            <a:extLst>
+              <a:ext uri="{FF2B5EF4-FFF2-40B4-BE49-F238E27FC236}">
+                <a16:creationId xmlns:a16="http://schemas.microsoft.com/office/drawing/2014/main" id="{1C7C8498-6B9E-4A88-95F8-94CAC64776F4}"/>
+              </a:ext>
+            </a:extLst>
+          </p:cNvPr>
+          <p:cNvSpPr/>
+          <p:nvPr/>
+        </p:nvSpPr>
+        <p:spPr>
+          <a:xfrm>
+            <a:off x="3309508" y="3951840"/>
+            <a:ext cx="4005469" cy="487018"/>
+          </a:xfrm>
+          <a:prstGeom prst="roundRect">
+            <a:avLst/>
+          </a:prstGeom>
+        </p:spPr>
+        <p:style>
+          <a:lnRef idx="2">
+            <a:schemeClr val="accent6"/>
+          </a:lnRef>
+          <a:fillRef idx="1">
+            <a:schemeClr val="lt1"/>
+          </a:fillRef>
+          <a:effectRef idx="0">
+            <a:schemeClr val="accent6"/>
+          </a:effectRef>
+          <a:fontRef idx="minor">
+            <a:schemeClr val="dk1"/>
+          </a:fontRef>
+        </p:style>
+        <p:txBody>
+          <a:bodyPr rtlCol="0" anchor="ctr"/>
+          <a:lstStyle/>
+          <a:p>
+            <a:pPr algn="ctr"/>
+            <a:endParaRPr lang="en-SG"/>
+          </a:p>
+        </p:txBody>
+      </p:sp>
+      <p:sp>
+        <p:nvSpPr>
+          <p:cNvPr id="11" name="TextBox 10">
+            <a:extLst>
+              <a:ext uri="{FF2B5EF4-FFF2-40B4-BE49-F238E27FC236}">
+                <a16:creationId xmlns:a16="http://schemas.microsoft.com/office/drawing/2014/main" id="{CC1CD783-92A8-40DF-A9E2-E226968178A6}"/>
+              </a:ext>
+            </a:extLst>
+          </p:cNvPr>
+          <p:cNvSpPr txBox="1"/>
+          <p:nvPr/>
+        </p:nvSpPr>
+        <p:spPr>
+          <a:xfrm>
+            <a:off x="1440952" y="4010683"/>
+            <a:ext cx="1552348" cy="369332"/>
+          </a:xfrm>
+          <a:prstGeom prst="rect">
+            <a:avLst/>
+          </a:prstGeom>
+          <a:noFill/>
+        </p:spPr>
+        <p:txBody>
+          <a:bodyPr wrap="none" rtlCol="0">
+            <a:spAutoFit/>
+          </a:bodyPr>
+          <a:lstStyle/>
+          <a:p>
+            <a:r>
+              <a:rPr lang="en-US" dirty="0"/>
+              <a:t>New Password</a:t>
+            </a:r>
+            <a:endParaRPr lang="en-SG" dirty="0"/>
+          </a:p>
+        </p:txBody>
+      </p:sp>
+      <p:sp>
+        <p:nvSpPr>
+          <p:cNvPr id="12" name="Action Button: Blank 11">
+            <a:hlinkClick r:id="" action="ppaction://noaction" highlightClick="1"/>
+            <a:extLst>
+              <a:ext uri="{FF2B5EF4-FFF2-40B4-BE49-F238E27FC236}">
+                <a16:creationId xmlns:a16="http://schemas.microsoft.com/office/drawing/2014/main" id="{9ED1D505-32A1-4648-B93E-95D8DD1C151B}"/>
+              </a:ext>
+            </a:extLst>
+          </p:cNvPr>
+          <p:cNvSpPr/>
+          <p:nvPr/>
+        </p:nvSpPr>
+        <p:spPr>
+          <a:xfrm>
+            <a:off x="1938130" y="5108713"/>
+            <a:ext cx="1838517" cy="606287"/>
+          </a:xfrm>
+          <a:prstGeom prst="actionButtonBlank">
+            <a:avLst/>
+          </a:prstGeom>
+          <a:solidFill>
+            <a:schemeClr val="accent6">
+              <a:lumMod val="50000"/>
+            </a:schemeClr>
+          </a:solidFill>
+        </p:spPr>
+        <p:style>
+          <a:lnRef idx="2">
+            <a:schemeClr val="accent1">
+              <a:shade val="50000"/>
+            </a:schemeClr>
+          </a:lnRef>
+          <a:fillRef idx="1">
+            <a:schemeClr val="accent1"/>
+          </a:fillRef>
+          <a:effectRef idx="0">
+            <a:schemeClr val="accent1"/>
+          </a:effectRef>
+          <a:fontRef idx="minor">
+            <a:schemeClr val="lt1"/>
+          </a:fontRef>
+        </p:style>
+        <p:txBody>
+          <a:bodyPr rtlCol="0" anchor="ctr"/>
+          <a:lstStyle/>
+          <a:p>
+            <a:pPr algn="ctr"/>
+            <a:r>
+              <a:rPr lang="en-US" dirty="0"/>
+              <a:t>Submit</a:t>
             </a:r>
             <a:endParaRPr lang="en-SG" dirty="0"/>
           </a:p>
@@ -9171,7 +10895,7 @@
     </p:spTree>
     <p:extLst>
       <p:ext uri="{BB962C8B-B14F-4D97-AF65-F5344CB8AC3E}">
-        <p14:creationId xmlns:p14="http://schemas.microsoft.com/office/powerpoint/2010/main" val="103297297"/>
+        <p14:creationId xmlns:p14="http://schemas.microsoft.com/office/powerpoint/2010/main" val="3683175894"/>
       </p:ext>
     </p:extLst>
   </p:cSld>
@@ -9200,75 +10924,10 @@
       </p:grpSpPr>
       <p:sp>
         <p:nvSpPr>
-          <p:cNvPr id="2" name="Title 1">
-            <a:extLst>
-              <a:ext uri="{FF2B5EF4-FFF2-40B4-BE49-F238E27FC236}">
-                <a16:creationId xmlns:a16="http://schemas.microsoft.com/office/drawing/2014/main" id="{6662376D-284B-4344-ADB4-0E26F87FF329}"/>
-              </a:ext>
-            </a:extLst>
-          </p:cNvPr>
-          <p:cNvSpPr>
-            <a:spLocks noGrp="1"/>
-          </p:cNvSpPr>
-          <p:nvPr>
-            <p:ph type="title"/>
-          </p:nvPr>
-        </p:nvSpPr>
-        <p:spPr/>
-        <p:txBody>
-          <a:bodyPr/>
-          <a:lstStyle/>
-          <a:p>
-            <a:r>
-              <a:rPr lang="en-US" dirty="0"/>
-              <a:t>Change Password Form</a:t>
-            </a:r>
-            <a:endParaRPr lang="en-SG" dirty="0"/>
-          </a:p>
-        </p:txBody>
-      </p:sp>
-      <p:sp>
-        <p:nvSpPr>
-          <p:cNvPr id="4" name="TextBox 3">
-            <a:extLst>
-              <a:ext uri="{FF2B5EF4-FFF2-40B4-BE49-F238E27FC236}">
-                <a16:creationId xmlns:a16="http://schemas.microsoft.com/office/drawing/2014/main" id="{A3E25BE8-DF55-4CB0-9C21-DC07A753DD76}"/>
-              </a:ext>
-            </a:extLst>
-          </p:cNvPr>
-          <p:cNvSpPr txBox="1"/>
-          <p:nvPr/>
-        </p:nvSpPr>
-        <p:spPr>
-          <a:xfrm>
-            <a:off x="1470992" y="1690688"/>
-            <a:ext cx="1292341" cy="369332"/>
-          </a:xfrm>
-          <a:prstGeom prst="rect">
-            <a:avLst/>
-          </a:prstGeom>
-          <a:noFill/>
-        </p:spPr>
-        <p:txBody>
-          <a:bodyPr wrap="none" rtlCol="0">
-            <a:spAutoFit/>
-          </a:bodyPr>
-          <a:lstStyle/>
-          <a:p>
-            <a:r>
-              <a:rPr lang="en-US" dirty="0"/>
-              <a:t>User Name:</a:t>
-            </a:r>
-            <a:endParaRPr lang="en-SG" dirty="0"/>
-          </a:p>
-        </p:txBody>
-      </p:sp>
-      <p:sp>
-        <p:nvSpPr>
-          <p:cNvPr id="5" name="Rectangle: Rounded Corners 4">
-            <a:extLst>
-              <a:ext uri="{FF2B5EF4-FFF2-40B4-BE49-F238E27FC236}">
-                <a16:creationId xmlns:a16="http://schemas.microsoft.com/office/drawing/2014/main" id="{098BFF12-AC25-4D62-BA9B-A267590EE782}"/>
+          <p:cNvPr id="4" name="Rectangle 3">
+            <a:extLst>
+              <a:ext uri="{FF2B5EF4-FFF2-40B4-BE49-F238E27FC236}">
+                <a16:creationId xmlns:a16="http://schemas.microsoft.com/office/drawing/2014/main" id="{74E65EC7-057C-412B-B2B1-E703AD9A1FE5}"/>
               </a:ext>
             </a:extLst>
           </p:cNvPr>
@@ -9277,295 +10936,10 @@
         </p:nvSpPr>
         <p:spPr>
           <a:xfrm>
-            <a:off x="3339547" y="1690688"/>
-            <a:ext cx="4005469" cy="487018"/>
-          </a:xfrm>
-          <a:prstGeom prst="roundRect">
-            <a:avLst/>
-          </a:prstGeom>
-        </p:spPr>
-        <p:style>
-          <a:lnRef idx="2">
-            <a:schemeClr val="accent6"/>
-          </a:lnRef>
-          <a:fillRef idx="1">
-            <a:schemeClr val="lt1"/>
-          </a:fillRef>
-          <a:effectRef idx="0">
-            <a:schemeClr val="accent6"/>
-          </a:effectRef>
-          <a:fontRef idx="minor">
-            <a:schemeClr val="dk1"/>
-          </a:fontRef>
-        </p:style>
-        <p:txBody>
-          <a:bodyPr rtlCol="0" anchor="ctr"/>
-          <a:lstStyle/>
-          <a:p>
-            <a:pPr algn="ctr"/>
-            <a:endParaRPr lang="en-SG"/>
-          </a:p>
-        </p:txBody>
-      </p:sp>
-      <p:sp>
-        <p:nvSpPr>
-          <p:cNvPr id="6" name="Rectangle: Rounded Corners 5">
-            <a:extLst>
-              <a:ext uri="{FF2B5EF4-FFF2-40B4-BE49-F238E27FC236}">
-                <a16:creationId xmlns:a16="http://schemas.microsoft.com/office/drawing/2014/main" id="{515AD5AC-EE05-4C5C-BC20-5F20A1716565}"/>
-              </a:ext>
-            </a:extLst>
-          </p:cNvPr>
-          <p:cNvSpPr/>
-          <p:nvPr/>
-        </p:nvSpPr>
-        <p:spPr>
-          <a:xfrm>
-            <a:off x="3339547" y="2485818"/>
-            <a:ext cx="4005469" cy="487018"/>
-          </a:xfrm>
-          <a:prstGeom prst="roundRect">
-            <a:avLst/>
-          </a:prstGeom>
-        </p:spPr>
-        <p:style>
-          <a:lnRef idx="2">
-            <a:schemeClr val="accent6"/>
-          </a:lnRef>
-          <a:fillRef idx="1">
-            <a:schemeClr val="lt1"/>
-          </a:fillRef>
-          <a:effectRef idx="0">
-            <a:schemeClr val="accent6"/>
-          </a:effectRef>
-          <a:fontRef idx="minor">
-            <a:schemeClr val="dk1"/>
-          </a:fontRef>
-        </p:style>
-        <p:txBody>
-          <a:bodyPr rtlCol="0" anchor="ctr"/>
-          <a:lstStyle/>
-          <a:p>
-            <a:pPr algn="ctr"/>
-            <a:endParaRPr lang="en-SG"/>
-          </a:p>
-        </p:txBody>
-      </p:sp>
-      <p:sp>
-        <p:nvSpPr>
-          <p:cNvPr id="7" name="TextBox 6">
-            <a:extLst>
-              <a:ext uri="{FF2B5EF4-FFF2-40B4-BE49-F238E27FC236}">
-                <a16:creationId xmlns:a16="http://schemas.microsoft.com/office/drawing/2014/main" id="{22F5539D-B6EE-4FAD-B3DC-8EE26B0FD8D7}"/>
-              </a:ext>
-            </a:extLst>
-          </p:cNvPr>
-          <p:cNvSpPr txBox="1"/>
-          <p:nvPr/>
-        </p:nvSpPr>
-        <p:spPr>
-          <a:xfrm>
-            <a:off x="1470991" y="2544661"/>
-            <a:ext cx="697627" cy="369332"/>
+            <a:off x="0" y="1013787"/>
+            <a:ext cx="12192000" cy="1103243"/>
           </a:xfrm>
           <a:prstGeom prst="rect">
-            <a:avLst/>
-          </a:prstGeom>
-          <a:noFill/>
-        </p:spPr>
-        <p:txBody>
-          <a:bodyPr wrap="none" rtlCol="0">
-            <a:spAutoFit/>
-          </a:bodyPr>
-          <a:lstStyle/>
-          <a:p>
-            <a:r>
-              <a:rPr lang="en-US" dirty="0"/>
-              <a:t>Email</a:t>
-            </a:r>
-            <a:endParaRPr lang="en-SG" dirty="0"/>
-          </a:p>
-        </p:txBody>
-      </p:sp>
-      <p:sp>
-        <p:nvSpPr>
-          <p:cNvPr id="8" name="Rectangle: Rounded Corners 7">
-            <a:extLst>
-              <a:ext uri="{FF2B5EF4-FFF2-40B4-BE49-F238E27FC236}">
-                <a16:creationId xmlns:a16="http://schemas.microsoft.com/office/drawing/2014/main" id="{30014972-6127-4846-85F5-67F786A4267A}"/>
-              </a:ext>
-            </a:extLst>
-          </p:cNvPr>
-          <p:cNvSpPr/>
-          <p:nvPr/>
-        </p:nvSpPr>
-        <p:spPr>
-          <a:xfrm>
-            <a:off x="3339547" y="3156710"/>
-            <a:ext cx="4005469" cy="487018"/>
-          </a:xfrm>
-          <a:prstGeom prst="roundRect">
-            <a:avLst/>
-          </a:prstGeom>
-        </p:spPr>
-        <p:style>
-          <a:lnRef idx="2">
-            <a:schemeClr val="accent6"/>
-          </a:lnRef>
-          <a:fillRef idx="1">
-            <a:schemeClr val="lt1"/>
-          </a:fillRef>
-          <a:effectRef idx="0">
-            <a:schemeClr val="accent6"/>
-          </a:effectRef>
-          <a:fontRef idx="minor">
-            <a:schemeClr val="dk1"/>
-          </a:fontRef>
-        </p:style>
-        <p:txBody>
-          <a:bodyPr rtlCol="0" anchor="ctr"/>
-          <a:lstStyle/>
-          <a:p>
-            <a:pPr algn="ctr"/>
-            <a:endParaRPr lang="en-SG"/>
-          </a:p>
-        </p:txBody>
-      </p:sp>
-      <p:sp>
-        <p:nvSpPr>
-          <p:cNvPr id="9" name="TextBox 8">
-            <a:extLst>
-              <a:ext uri="{FF2B5EF4-FFF2-40B4-BE49-F238E27FC236}">
-                <a16:creationId xmlns:a16="http://schemas.microsoft.com/office/drawing/2014/main" id="{99142660-A627-4726-8C24-F1D6FEB39017}"/>
-              </a:ext>
-            </a:extLst>
-          </p:cNvPr>
-          <p:cNvSpPr txBox="1"/>
-          <p:nvPr/>
-        </p:nvSpPr>
-        <p:spPr>
-          <a:xfrm>
-            <a:off x="1470991" y="3215553"/>
-            <a:ext cx="1838517" cy="369332"/>
-          </a:xfrm>
-          <a:prstGeom prst="rect">
-            <a:avLst/>
-          </a:prstGeom>
-          <a:noFill/>
-        </p:spPr>
-        <p:txBody>
-          <a:bodyPr wrap="none" rtlCol="0">
-            <a:spAutoFit/>
-          </a:bodyPr>
-          <a:lstStyle/>
-          <a:p>
-            <a:r>
-              <a:rPr lang="en-US" dirty="0"/>
-              <a:t>Current Password</a:t>
-            </a:r>
-            <a:endParaRPr lang="en-SG" dirty="0"/>
-          </a:p>
-        </p:txBody>
-      </p:sp>
-      <p:sp>
-        <p:nvSpPr>
-          <p:cNvPr id="10" name="Rectangle: Rounded Corners 9">
-            <a:extLst>
-              <a:ext uri="{FF2B5EF4-FFF2-40B4-BE49-F238E27FC236}">
-                <a16:creationId xmlns:a16="http://schemas.microsoft.com/office/drawing/2014/main" id="{1C7C8498-6B9E-4A88-95F8-94CAC64776F4}"/>
-              </a:ext>
-            </a:extLst>
-          </p:cNvPr>
-          <p:cNvSpPr/>
-          <p:nvPr/>
-        </p:nvSpPr>
-        <p:spPr>
-          <a:xfrm>
-            <a:off x="3309508" y="3951840"/>
-            <a:ext cx="4005469" cy="487018"/>
-          </a:xfrm>
-          <a:prstGeom prst="roundRect">
-            <a:avLst/>
-          </a:prstGeom>
-        </p:spPr>
-        <p:style>
-          <a:lnRef idx="2">
-            <a:schemeClr val="accent6"/>
-          </a:lnRef>
-          <a:fillRef idx="1">
-            <a:schemeClr val="lt1"/>
-          </a:fillRef>
-          <a:effectRef idx="0">
-            <a:schemeClr val="accent6"/>
-          </a:effectRef>
-          <a:fontRef idx="minor">
-            <a:schemeClr val="dk1"/>
-          </a:fontRef>
-        </p:style>
-        <p:txBody>
-          <a:bodyPr rtlCol="0" anchor="ctr"/>
-          <a:lstStyle/>
-          <a:p>
-            <a:pPr algn="ctr"/>
-            <a:endParaRPr lang="en-SG"/>
-          </a:p>
-        </p:txBody>
-      </p:sp>
-      <p:sp>
-        <p:nvSpPr>
-          <p:cNvPr id="11" name="TextBox 10">
-            <a:extLst>
-              <a:ext uri="{FF2B5EF4-FFF2-40B4-BE49-F238E27FC236}">
-                <a16:creationId xmlns:a16="http://schemas.microsoft.com/office/drawing/2014/main" id="{CC1CD783-92A8-40DF-A9E2-E226968178A6}"/>
-              </a:ext>
-            </a:extLst>
-          </p:cNvPr>
-          <p:cNvSpPr txBox="1"/>
-          <p:nvPr/>
-        </p:nvSpPr>
-        <p:spPr>
-          <a:xfrm>
-            <a:off x="1440952" y="4010683"/>
-            <a:ext cx="1552348" cy="369332"/>
-          </a:xfrm>
-          <a:prstGeom prst="rect">
-            <a:avLst/>
-          </a:prstGeom>
-          <a:noFill/>
-        </p:spPr>
-        <p:txBody>
-          <a:bodyPr wrap="none" rtlCol="0">
-            <a:spAutoFit/>
-          </a:bodyPr>
-          <a:lstStyle/>
-          <a:p>
-            <a:r>
-              <a:rPr lang="en-US" dirty="0"/>
-              <a:t>New Password</a:t>
-            </a:r>
-            <a:endParaRPr lang="en-SG" dirty="0"/>
-          </a:p>
-        </p:txBody>
-      </p:sp>
-      <p:sp>
-        <p:nvSpPr>
-          <p:cNvPr id="12" name="Action Button: Blank 11">
-            <a:hlinkClick r:id="" action="ppaction://noaction" highlightClick="1"/>
-            <a:extLst>
-              <a:ext uri="{FF2B5EF4-FFF2-40B4-BE49-F238E27FC236}">
-                <a16:creationId xmlns:a16="http://schemas.microsoft.com/office/drawing/2014/main" id="{9ED1D505-32A1-4648-B93E-95D8DD1C151B}"/>
-              </a:ext>
-            </a:extLst>
-          </p:cNvPr>
-          <p:cNvSpPr/>
-          <p:nvPr/>
-        </p:nvSpPr>
-        <p:spPr>
-          <a:xfrm>
-            <a:off x="1938130" y="5108713"/>
-            <a:ext cx="1838517" cy="606287"/>
-          </a:xfrm>
-          <a:prstGeom prst="actionButtonBlank">
             <a:avLst/>
           </a:prstGeom>
           <a:solidFill>
@@ -9594,19 +10968,293 @@
           <a:bodyPr rtlCol="0" anchor="ctr"/>
           <a:lstStyle/>
           <a:p>
+            <a:r>
+              <a:rPr lang="en-US" dirty="0"/>
+              <a:t>Logo								&lt;Welcome Admin message&gt;	About	Settings </a:t>
+            </a:r>
+            <a:endParaRPr lang="en-SG" dirty="0"/>
+          </a:p>
+        </p:txBody>
+      </p:sp>
+      <p:sp>
+        <p:nvSpPr>
+          <p:cNvPr id="5" name="Rectangle 4">
+            <a:extLst>
+              <a:ext uri="{FF2B5EF4-FFF2-40B4-BE49-F238E27FC236}">
+                <a16:creationId xmlns:a16="http://schemas.microsoft.com/office/drawing/2014/main" id="{83C33755-B923-4291-86E7-5E45E6ADDF7E}"/>
+              </a:ext>
+            </a:extLst>
+          </p:cNvPr>
+          <p:cNvSpPr/>
+          <p:nvPr/>
+        </p:nvSpPr>
+        <p:spPr>
+          <a:xfrm>
+            <a:off x="0" y="2117030"/>
+            <a:ext cx="12192000" cy="1321905"/>
+          </a:xfrm>
+          <a:prstGeom prst="rect">
+            <a:avLst/>
+          </a:prstGeom>
+          <a:solidFill>
+            <a:schemeClr val="accent6">
+              <a:lumMod val="40000"/>
+              <a:lumOff val="60000"/>
+            </a:schemeClr>
+          </a:solidFill>
+        </p:spPr>
+        <p:style>
+          <a:lnRef idx="2">
+            <a:schemeClr val="accent1">
+              <a:shade val="50000"/>
+            </a:schemeClr>
+          </a:lnRef>
+          <a:fillRef idx="1">
+            <a:schemeClr val="accent1"/>
+          </a:fillRef>
+          <a:effectRef idx="0">
+            <a:schemeClr val="accent1"/>
+          </a:effectRef>
+          <a:fontRef idx="minor">
+            <a:schemeClr val="lt1"/>
+          </a:fontRef>
+        </p:style>
+        <p:txBody>
+          <a:bodyPr rtlCol="0" anchor="ctr"/>
+          <a:lstStyle/>
+          <a:p>
             <a:pPr algn="ctr"/>
             <a:r>
-              <a:rPr lang="en-US" dirty="0"/>
-              <a:t>Submit</a:t>
-            </a:r>
-            <a:endParaRPr lang="en-SG" dirty="0"/>
+              <a:rPr lang="en-US" b="1" dirty="0">
+                <a:solidFill>
+                  <a:schemeClr val="accent6">
+                    <a:lumMod val="50000"/>
+                  </a:schemeClr>
+                </a:solidFill>
+              </a:rPr>
+              <a:t>Announcements, Pictures, </a:t>
+            </a:r>
+            <a:endParaRPr lang="en-SG" b="1" dirty="0">
+              <a:solidFill>
+                <a:schemeClr val="accent6">
+                  <a:lumMod val="50000"/>
+                </a:schemeClr>
+              </a:solidFill>
+            </a:endParaRPr>
+          </a:p>
+        </p:txBody>
+      </p:sp>
+      <p:sp>
+        <p:nvSpPr>
+          <p:cNvPr id="6" name="Rectangle 5">
+            <a:extLst>
+              <a:ext uri="{FF2B5EF4-FFF2-40B4-BE49-F238E27FC236}">
+                <a16:creationId xmlns:a16="http://schemas.microsoft.com/office/drawing/2014/main" id="{5DAB59DA-715D-4C93-95B1-43AFD42E5A33}"/>
+              </a:ext>
+            </a:extLst>
+          </p:cNvPr>
+          <p:cNvSpPr/>
+          <p:nvPr/>
+        </p:nvSpPr>
+        <p:spPr>
+          <a:xfrm>
+            <a:off x="0" y="6003234"/>
+            <a:ext cx="12192000" cy="854765"/>
+          </a:xfrm>
+          <a:prstGeom prst="rect">
+            <a:avLst/>
+          </a:prstGeom>
+          <a:solidFill>
+            <a:schemeClr val="accent6">
+              <a:lumMod val="20000"/>
+              <a:lumOff val="80000"/>
+            </a:schemeClr>
+          </a:solidFill>
+        </p:spPr>
+        <p:style>
+          <a:lnRef idx="2">
+            <a:schemeClr val="accent1">
+              <a:shade val="50000"/>
+            </a:schemeClr>
+          </a:lnRef>
+          <a:fillRef idx="1">
+            <a:schemeClr val="accent1"/>
+          </a:fillRef>
+          <a:effectRef idx="0">
+            <a:schemeClr val="accent1"/>
+          </a:effectRef>
+          <a:fontRef idx="minor">
+            <a:schemeClr val="lt1"/>
+          </a:fontRef>
+        </p:style>
+        <p:txBody>
+          <a:bodyPr rtlCol="0" anchor="ctr"/>
+          <a:lstStyle/>
+          <a:p>
+            <a:pPr algn="ctr"/>
+            <a:r>
+              <a:rPr lang="en-US" b="1" dirty="0">
+                <a:solidFill>
+                  <a:schemeClr val="accent6">
+                    <a:lumMod val="50000"/>
+                  </a:schemeClr>
+                </a:solidFill>
+              </a:rPr>
+              <a:t>Footer</a:t>
+            </a:r>
+            <a:endParaRPr lang="en-SG" b="1" dirty="0">
+              <a:solidFill>
+                <a:schemeClr val="accent6">
+                  <a:lumMod val="50000"/>
+                </a:schemeClr>
+              </a:solidFill>
+            </a:endParaRPr>
+          </a:p>
+        </p:txBody>
+      </p:sp>
+      <p:sp>
+        <p:nvSpPr>
+          <p:cNvPr id="7" name="Rectangle 6">
+            <a:extLst>
+              <a:ext uri="{FF2B5EF4-FFF2-40B4-BE49-F238E27FC236}">
+                <a16:creationId xmlns:a16="http://schemas.microsoft.com/office/drawing/2014/main" id="{D91D3C23-6111-4F92-BAE7-955A0F9E1D9E}"/>
+              </a:ext>
+            </a:extLst>
+          </p:cNvPr>
+          <p:cNvSpPr/>
+          <p:nvPr/>
+        </p:nvSpPr>
+        <p:spPr>
+          <a:xfrm>
+            <a:off x="0" y="3428999"/>
+            <a:ext cx="12192000" cy="2564291"/>
+          </a:xfrm>
+          <a:prstGeom prst="rect">
+            <a:avLst/>
+          </a:prstGeom>
+          <a:solidFill>
+            <a:schemeClr val="accent6">
+              <a:lumMod val="20000"/>
+              <a:lumOff val="80000"/>
+            </a:schemeClr>
+          </a:solidFill>
+        </p:spPr>
+        <p:style>
+          <a:lnRef idx="2">
+            <a:schemeClr val="accent1">
+              <a:shade val="50000"/>
+            </a:schemeClr>
+          </a:lnRef>
+          <a:fillRef idx="1">
+            <a:schemeClr val="accent1"/>
+          </a:fillRef>
+          <a:effectRef idx="0">
+            <a:schemeClr val="accent1"/>
+          </a:effectRef>
+          <a:fontRef idx="minor">
+            <a:schemeClr val="lt1"/>
+          </a:fontRef>
+        </p:style>
+        <p:txBody>
+          <a:bodyPr rtlCol="0" anchor="t"/>
+          <a:lstStyle/>
+          <a:p>
+            <a:pPr marL="285750" indent="-285750">
+              <a:buFont typeface="Arial" panose="020B0604020202020204" pitchFamily="34" charset="0"/>
+              <a:buChar char="•"/>
+            </a:pPr>
+            <a:r>
+              <a:rPr lang="en-US" b="1" dirty="0">
+                <a:solidFill>
+                  <a:schemeClr val="accent6">
+                    <a:lumMod val="50000"/>
+                  </a:schemeClr>
+                </a:solidFill>
+              </a:rPr>
+              <a:t>Current Users</a:t>
+            </a:r>
+          </a:p>
+          <a:p>
+            <a:pPr marL="285750" indent="-285750">
+              <a:buFont typeface="Arial" panose="020B0604020202020204" pitchFamily="34" charset="0"/>
+              <a:buChar char="•"/>
+            </a:pPr>
+            <a:r>
+              <a:rPr lang="en-US" b="1" dirty="0">
+                <a:solidFill>
+                  <a:schemeClr val="accent6">
+                    <a:lumMod val="50000"/>
+                  </a:schemeClr>
+                </a:solidFill>
+              </a:rPr>
+              <a:t>Add New user</a:t>
+            </a:r>
+          </a:p>
+          <a:p>
+            <a:pPr marL="285750" indent="-285750">
+              <a:buFont typeface="Arial" panose="020B0604020202020204" pitchFamily="34" charset="0"/>
+              <a:buChar char="•"/>
+            </a:pPr>
+            <a:r>
+              <a:rPr lang="en-US" b="1" dirty="0">
+                <a:solidFill>
+                  <a:schemeClr val="accent6">
+                    <a:lumMod val="50000"/>
+                  </a:schemeClr>
+                </a:solidFill>
+              </a:rPr>
+              <a:t>Find a user</a:t>
+            </a:r>
+            <a:endParaRPr lang="en-SG" b="1" dirty="0">
+              <a:solidFill>
+                <a:schemeClr val="accent6">
+                  <a:lumMod val="50000"/>
+                </a:schemeClr>
+              </a:solidFill>
+            </a:endParaRPr>
+          </a:p>
+        </p:txBody>
+      </p:sp>
+      <p:sp>
+        <p:nvSpPr>
+          <p:cNvPr id="8" name="TextBox 7">
+            <a:extLst>
+              <a:ext uri="{FF2B5EF4-FFF2-40B4-BE49-F238E27FC236}">
+                <a16:creationId xmlns:a16="http://schemas.microsoft.com/office/drawing/2014/main" id="{37AA79DC-83A5-4DAD-9031-382426A39B66}"/>
+              </a:ext>
+            </a:extLst>
+          </p:cNvPr>
+          <p:cNvSpPr txBox="1"/>
+          <p:nvPr/>
+        </p:nvSpPr>
+        <p:spPr>
+          <a:xfrm>
+            <a:off x="357809" y="108223"/>
+            <a:ext cx="3420552" cy="707886"/>
+          </a:xfrm>
+          <a:prstGeom prst="rect">
+            <a:avLst/>
+          </a:prstGeom>
+          <a:noFill/>
+        </p:spPr>
+        <p:txBody>
+          <a:bodyPr wrap="none" rtlCol="0">
+            <a:spAutoFit/>
+          </a:bodyPr>
+          <a:lstStyle/>
+          <a:p>
+            <a:r>
+              <a:rPr lang="en-US" sz="4000" dirty="0"/>
+              <a:t>For Admin User</a:t>
+            </a:r>
+            <a:endParaRPr lang="en-SG" sz="4000" dirty="0"/>
           </a:p>
         </p:txBody>
       </p:sp>
     </p:spTree>
     <p:extLst>
       <p:ext uri="{BB962C8B-B14F-4D97-AF65-F5344CB8AC3E}">
-        <p14:creationId xmlns:p14="http://schemas.microsoft.com/office/powerpoint/2010/main" val="3683175894"/>
+        <p14:creationId xmlns:p14="http://schemas.microsoft.com/office/powerpoint/2010/main" val="1389530838"/>
       </p:ext>
     </p:extLst>
   </p:cSld>
@@ -9635,10 +11283,46 @@
       </p:grpSpPr>
       <p:sp>
         <p:nvSpPr>
+          <p:cNvPr id="2" name="Title 1">
+            <a:extLst>
+              <a:ext uri="{FF2B5EF4-FFF2-40B4-BE49-F238E27FC236}">
+                <a16:creationId xmlns:a16="http://schemas.microsoft.com/office/drawing/2014/main" id="{D89C967B-6A5D-473C-8E00-4C44ACB18BE7}"/>
+              </a:ext>
+            </a:extLst>
+          </p:cNvPr>
+          <p:cNvSpPr>
+            <a:spLocks noGrp="1"/>
+          </p:cNvSpPr>
+          <p:nvPr>
+            <p:ph type="title"/>
+          </p:nvPr>
+        </p:nvSpPr>
+        <p:spPr>
+          <a:xfrm>
+            <a:off x="420756" y="245856"/>
+            <a:ext cx="10515600" cy="251101"/>
+          </a:xfrm>
+        </p:spPr>
+        <p:txBody>
+          <a:bodyPr>
+            <a:normAutofit fontScale="90000"/>
+          </a:bodyPr>
+          <a:lstStyle/>
+          <a:p>
+            <a:r>
+              <a:rPr lang="en-US" dirty="0"/>
+              <a:t>Get all users list (for Admin user)</a:t>
+            </a:r>
+            <a:endParaRPr lang="en-SG" dirty="0"/>
+          </a:p>
+        </p:txBody>
+      </p:sp>
+      <p:sp>
+        <p:nvSpPr>
           <p:cNvPr id="4" name="Rectangle 3">
             <a:extLst>
               <a:ext uri="{FF2B5EF4-FFF2-40B4-BE49-F238E27FC236}">
-                <a16:creationId xmlns:a16="http://schemas.microsoft.com/office/drawing/2014/main" id="{74E65EC7-057C-412B-B2B1-E703AD9A1FE5}"/>
+                <a16:creationId xmlns:a16="http://schemas.microsoft.com/office/drawing/2014/main" id="{8925E14A-632E-42A1-A6E1-802848F06DC2}"/>
               </a:ext>
             </a:extLst>
           </p:cNvPr>
@@ -9647,7 +11331,7 @@
         </p:nvSpPr>
         <p:spPr>
           <a:xfrm>
-            <a:off x="0" y="1013787"/>
+            <a:off x="0" y="805070"/>
             <a:ext cx="12192000" cy="1103243"/>
           </a:xfrm>
           <a:prstGeom prst="rect">
@@ -9681,7 +11365,7 @@
           <a:p>
             <a:r>
               <a:rPr lang="en-US" dirty="0"/>
-              <a:t>Logo								&lt;Welcome Admin message&gt;	About	Settings </a:t>
+              <a:t>Logo							&lt;Welcome User message&gt;	About	Settings  </a:t>
             </a:r>
             <a:endParaRPr lang="en-SG" dirty="0"/>
           </a:p>
@@ -9692,7 +11376,7 @@
           <p:cNvPr id="5" name="Rectangle 4">
             <a:extLst>
               <a:ext uri="{FF2B5EF4-FFF2-40B4-BE49-F238E27FC236}">
-                <a16:creationId xmlns:a16="http://schemas.microsoft.com/office/drawing/2014/main" id="{83C33755-B923-4291-86E7-5E45E6ADDF7E}"/>
+                <a16:creationId xmlns:a16="http://schemas.microsoft.com/office/drawing/2014/main" id="{E6080EBC-0A30-442E-9559-34F9FA8670A5}"/>
               </a:ext>
             </a:extLst>
           </p:cNvPr>
@@ -9701,8 +11385,8 @@
         </p:nvSpPr>
         <p:spPr>
           <a:xfrm>
-            <a:off x="0" y="2117030"/>
-            <a:ext cx="12192000" cy="1321905"/>
+            <a:off x="0" y="1908313"/>
+            <a:ext cx="12192000" cy="4194313"/>
           </a:xfrm>
           <a:prstGeom prst="rect">
             <a:avLst/>
@@ -9743,7 +11427,7 @@
                   </a:schemeClr>
                 </a:solidFill>
               </a:rPr>
-              <a:t>Announcements, Pictures, </a:t>
+              <a:t> </a:t>
             </a:r>
             <a:endParaRPr lang="en-SG" b="1" dirty="0">
               <a:solidFill>
@@ -9760,7 +11444,7 @@
           <p:cNvPr id="6" name="Rectangle 5">
             <a:extLst>
               <a:ext uri="{FF2B5EF4-FFF2-40B4-BE49-F238E27FC236}">
-                <a16:creationId xmlns:a16="http://schemas.microsoft.com/office/drawing/2014/main" id="{5DAB59DA-715D-4C93-95B1-43AFD42E5A33}"/>
+                <a16:creationId xmlns:a16="http://schemas.microsoft.com/office/drawing/2014/main" id="{FC797577-73C7-4A80-9839-F30286BE72FC}"/>
               </a:ext>
             </a:extLst>
           </p:cNvPr>
@@ -9769,8 +11453,8 @@
         </p:nvSpPr>
         <p:spPr>
           <a:xfrm>
-            <a:off x="0" y="6003234"/>
-            <a:ext cx="12192000" cy="854765"/>
+            <a:off x="0" y="6102626"/>
+            <a:ext cx="12192000" cy="755374"/>
           </a:xfrm>
           <a:prstGeom prst="rect">
             <a:avLst/>
@@ -9825,10 +11509,10 @@
       </p:sp>
       <p:sp>
         <p:nvSpPr>
-          <p:cNvPr id="7" name="Rectangle 6">
-            <a:extLst>
-              <a:ext uri="{FF2B5EF4-FFF2-40B4-BE49-F238E27FC236}">
-                <a16:creationId xmlns:a16="http://schemas.microsoft.com/office/drawing/2014/main" id="{D91D3C23-6111-4F92-BAE7-955A0F9E1D9E}"/>
+          <p:cNvPr id="8" name="Isosceles Triangle 7">
+            <a:extLst>
+              <a:ext uri="{FF2B5EF4-FFF2-40B4-BE49-F238E27FC236}">
+                <a16:creationId xmlns:a16="http://schemas.microsoft.com/office/drawing/2014/main" id="{78E10604-E190-4012-945D-EEA989865889}"/>
               </a:ext>
             </a:extLst>
           </p:cNvPr>
@@ -9836,11 +11520,11 @@
           <p:nvPr/>
         </p:nvSpPr>
         <p:spPr>
-          <a:xfrm>
-            <a:off x="0" y="3428999"/>
-            <a:ext cx="12192000" cy="2564291"/>
-          </a:xfrm>
-          <a:prstGeom prst="rect">
+          <a:xfrm rot="10800000">
+            <a:off x="10883347" y="1326874"/>
+            <a:ext cx="218662" cy="144118"/>
+          </a:xfrm>
+          <a:prstGeom prst="triangle">
             <a:avLst/>
           </a:prstGeom>
           <a:solidFill>
@@ -9867,173 +11551,194 @@
           </a:fontRef>
         </p:style>
         <p:txBody>
-          <a:bodyPr rtlCol="0" anchor="t"/>
-          <a:lstStyle/>
-          <a:p>
-            <a:pPr marL="285750" indent="-285750">
-              <a:buFont typeface="Arial" panose="020B0604020202020204" pitchFamily="34" charset="0"/>
-              <a:buChar char="•"/>
-            </a:pPr>
-            <a:r>
-              <a:rPr lang="en-US" b="1" dirty="0">
+          <a:bodyPr rtlCol="0" anchor="ctr"/>
+          <a:lstStyle/>
+          <a:p>
+            <a:pPr algn="ctr"/>
+            <a:endParaRPr lang="en-SG"/>
+          </a:p>
+        </p:txBody>
+      </p:sp>
+      <p:cxnSp>
+        <p:nvCxnSpPr>
+          <p:cNvPr id="11" name="Straight Connector 10">
+            <a:extLst>
+              <a:ext uri="{FF2B5EF4-FFF2-40B4-BE49-F238E27FC236}">
+                <a16:creationId xmlns:a16="http://schemas.microsoft.com/office/drawing/2014/main" id="{F93C91FB-9358-4EB7-A5D1-6E6BAFB43880}"/>
+              </a:ext>
+            </a:extLst>
+          </p:cNvPr>
+          <p:cNvCxnSpPr/>
+          <p:nvPr/>
+        </p:nvCxnSpPr>
+        <p:spPr>
+          <a:xfrm>
+            <a:off x="2484780" y="1944108"/>
+            <a:ext cx="0" cy="4158518"/>
+          </a:xfrm>
+          <a:prstGeom prst="line">
+            <a:avLst/>
+          </a:prstGeom>
+        </p:spPr>
+        <p:style>
+          <a:lnRef idx="1">
+            <a:schemeClr val="accent6"/>
+          </a:lnRef>
+          <a:fillRef idx="0">
+            <a:schemeClr val="accent6"/>
+          </a:fillRef>
+          <a:effectRef idx="0">
+            <a:schemeClr val="accent6"/>
+          </a:effectRef>
+          <a:fontRef idx="minor">
+            <a:schemeClr val="tx1"/>
+          </a:fontRef>
+        </p:style>
+      </p:cxnSp>
+      <p:sp>
+        <p:nvSpPr>
+          <p:cNvPr id="12" name="TextBox 11">
+            <a:extLst>
+              <a:ext uri="{FF2B5EF4-FFF2-40B4-BE49-F238E27FC236}">
+                <a16:creationId xmlns:a16="http://schemas.microsoft.com/office/drawing/2014/main" id="{864068B9-BEF0-47D6-B27E-EAC15C5C7DBF}"/>
+              </a:ext>
+            </a:extLst>
+          </p:cNvPr>
+          <p:cNvSpPr txBox="1"/>
+          <p:nvPr/>
+        </p:nvSpPr>
+        <p:spPr>
+          <a:xfrm>
+            <a:off x="219185" y="2216426"/>
+            <a:ext cx="1036278" cy="369332"/>
+          </a:xfrm>
+          <a:prstGeom prst="rect">
+            <a:avLst/>
+          </a:prstGeom>
+          <a:noFill/>
+        </p:spPr>
+        <p:txBody>
+          <a:bodyPr wrap="none" rtlCol="0">
+            <a:spAutoFit/>
+          </a:bodyPr>
+          <a:lstStyle/>
+          <a:p>
+            <a:r>
+              <a:rPr lang="en-US" dirty="0"/>
+              <a:t>Sort By</a:t>
+            </a:r>
+            <a:endParaRPr lang="en-SG" dirty="0"/>
+          </a:p>
+        </p:txBody>
+      </p:sp>
+      <p:sp>
+        <p:nvSpPr>
+          <p:cNvPr id="13" name="TextBox 12">
+            <a:extLst>
+              <a:ext uri="{FF2B5EF4-FFF2-40B4-BE49-F238E27FC236}">
+                <a16:creationId xmlns:a16="http://schemas.microsoft.com/office/drawing/2014/main" id="{6E6FE3AE-1255-4ABD-A578-7B8C93BA7847}"/>
+              </a:ext>
+            </a:extLst>
+          </p:cNvPr>
+          <p:cNvSpPr txBox="1"/>
+          <p:nvPr/>
+        </p:nvSpPr>
+        <p:spPr>
+          <a:xfrm>
+            <a:off x="533709" y="2588676"/>
+            <a:ext cx="1613143" cy="954107"/>
+          </a:xfrm>
+          <a:prstGeom prst="rect">
+            <a:avLst/>
+          </a:prstGeom>
+          <a:solidFill>
+            <a:schemeClr val="accent6">
+              <a:lumMod val="20000"/>
+              <a:lumOff val="80000"/>
+            </a:schemeClr>
+          </a:solidFill>
+        </p:spPr>
+        <p:txBody>
+          <a:bodyPr wrap="square" rtlCol="0">
+            <a:spAutoFit/>
+          </a:bodyPr>
+          <a:lstStyle/>
+          <a:p>
+            <a:r>
+              <a:rPr lang="en-US" sz="1400" dirty="0">
                 <a:solidFill>
                   <a:schemeClr val="accent6">
                     <a:lumMod val="50000"/>
                   </a:schemeClr>
                 </a:solidFill>
               </a:rPr>
-              <a:t>Current Users</a:t>
-            </a:r>
-          </a:p>
-          <a:p>
-            <a:pPr marL="285750" indent="-285750">
-              <a:buFont typeface="Arial" panose="020B0604020202020204" pitchFamily="34" charset="0"/>
-              <a:buChar char="•"/>
-            </a:pPr>
-            <a:r>
-              <a:rPr lang="en-US" b="1" dirty="0">
+              <a:t>Name  A to Z</a:t>
+            </a:r>
+          </a:p>
+          <a:p>
+            <a:r>
+              <a:rPr lang="en-US" sz="1400" dirty="0">
                 <a:solidFill>
                   <a:schemeClr val="accent6">
                     <a:lumMod val="50000"/>
                   </a:schemeClr>
                 </a:solidFill>
               </a:rPr>
-              <a:t>Add New user</a:t>
-            </a:r>
-          </a:p>
-          <a:p>
-            <a:pPr marL="285750" indent="-285750">
-              <a:buFont typeface="Arial" panose="020B0604020202020204" pitchFamily="34" charset="0"/>
-              <a:buChar char="•"/>
-            </a:pPr>
-            <a:r>
-              <a:rPr lang="en-US" b="1" dirty="0">
+              <a:t>Name Z to A</a:t>
+            </a:r>
+          </a:p>
+          <a:p>
+            <a:r>
+              <a:rPr lang="en-US" sz="1400" dirty="0" err="1">
                 <a:solidFill>
                   <a:schemeClr val="accent6">
                     <a:lumMod val="50000"/>
                   </a:schemeClr>
                 </a:solidFill>
               </a:rPr>
-              <a:t>Find a user</a:t>
-            </a:r>
-            <a:endParaRPr lang="en-SG" b="1" dirty="0">
-              <a:solidFill>
-                <a:schemeClr val="accent6">
-                  <a:lumMod val="50000"/>
-                </a:schemeClr>
-              </a:solidFill>
-            </a:endParaRPr>
-          </a:p>
-        </p:txBody>
-      </p:sp>
-      <p:sp>
-        <p:nvSpPr>
-          <p:cNvPr id="8" name="TextBox 7">
-            <a:extLst>
-              <a:ext uri="{FF2B5EF4-FFF2-40B4-BE49-F238E27FC236}">
-                <a16:creationId xmlns:a16="http://schemas.microsoft.com/office/drawing/2014/main" id="{37AA79DC-83A5-4DAD-9031-382426A39B66}"/>
-              </a:ext>
-            </a:extLst>
-          </p:cNvPr>
-          <p:cNvSpPr txBox="1"/>
-          <p:nvPr/>
-        </p:nvSpPr>
-        <p:spPr>
-          <a:xfrm>
-            <a:off x="357809" y="108223"/>
-            <a:ext cx="3420552" cy="707886"/>
-          </a:xfrm>
-          <a:prstGeom prst="rect">
-            <a:avLst/>
-          </a:prstGeom>
-          <a:noFill/>
-        </p:spPr>
-        <p:txBody>
-          <a:bodyPr wrap="none" rtlCol="0">
-            <a:spAutoFit/>
-          </a:bodyPr>
-          <a:lstStyle/>
-          <a:p>
-            <a:r>
-              <a:rPr lang="en-US" sz="4000" dirty="0"/>
-              <a:t>For Admin User</a:t>
-            </a:r>
-            <a:endParaRPr lang="en-SG" sz="4000" dirty="0"/>
-          </a:p>
-        </p:txBody>
-      </p:sp>
-    </p:spTree>
-    <p:extLst>
-      <p:ext uri="{BB962C8B-B14F-4D97-AF65-F5344CB8AC3E}">
-        <p14:creationId xmlns:p14="http://schemas.microsoft.com/office/powerpoint/2010/main" val="1389530838"/>
-      </p:ext>
-    </p:extLst>
-  </p:cSld>
-  <p:clrMapOvr>
-    <a:masterClrMapping/>
-  </p:clrMapOvr>
-</p:sld>
-</file>
-
-<file path=ppt/slides/slide9.xml><?xml version="1.0" encoding="utf-8"?>
-<p:sld xmlns:a="http://schemas.openxmlformats.org/drawingml/2006/main" xmlns:r="http://schemas.openxmlformats.org/officeDocument/2006/relationships" xmlns:p="http://schemas.openxmlformats.org/presentationml/2006/main">
-  <p:cSld>
-    <p:spTree>
-      <p:nvGrpSpPr>
-        <p:cNvPr id="1" name=""/>
-        <p:cNvGrpSpPr/>
-        <p:nvPr/>
-      </p:nvGrpSpPr>
-      <p:grpSpPr>
-        <a:xfrm>
-          <a:off x="0" y="0"/>
-          <a:ext cx="0" cy="0"/>
-          <a:chOff x="0" y="0"/>
-          <a:chExt cx="0" cy="0"/>
-        </a:xfrm>
-      </p:grpSpPr>
-      <p:sp>
-        <p:nvSpPr>
-          <p:cNvPr id="2" name="Title 1">
-            <a:extLst>
-              <a:ext uri="{FF2B5EF4-FFF2-40B4-BE49-F238E27FC236}">
-                <a16:creationId xmlns:a16="http://schemas.microsoft.com/office/drawing/2014/main" id="{D89C967B-6A5D-473C-8E00-4C44ACB18BE7}"/>
-              </a:ext>
-            </a:extLst>
-          </p:cNvPr>
-          <p:cNvSpPr>
-            <a:spLocks noGrp="1"/>
-          </p:cNvSpPr>
-          <p:nvPr>
-            <p:ph type="title"/>
-          </p:nvPr>
-        </p:nvSpPr>
-        <p:spPr>
-          <a:xfrm>
-            <a:off x="420756" y="245856"/>
-            <a:ext cx="10515600" cy="251101"/>
-          </a:xfrm>
-        </p:spPr>
-        <p:txBody>
-          <a:bodyPr>
-            <a:normAutofit fontScale="90000"/>
-          </a:bodyPr>
-          <a:lstStyle/>
-          <a:p>
-            <a:r>
-              <a:rPr lang="en-US" dirty="0"/>
-              <a:t>Get all homework / by grade / by subject</a:t>
-            </a:r>
-            <a:endParaRPr lang="en-SG" dirty="0"/>
-          </a:p>
-        </p:txBody>
-      </p:sp>
-      <p:sp>
-        <p:nvSpPr>
-          <p:cNvPr id="4" name="Rectangle 3">
-            <a:extLst>
-              <a:ext uri="{FF2B5EF4-FFF2-40B4-BE49-F238E27FC236}">
-                <a16:creationId xmlns:a16="http://schemas.microsoft.com/office/drawing/2014/main" id="{8925E14A-632E-42A1-A6E1-802848F06DC2}"/>
+              <a:t>UserID</a:t>
+            </a:r>
+            <a:r>
+              <a:rPr lang="en-US" sz="1400" dirty="0">
+                <a:solidFill>
+                  <a:schemeClr val="accent6">
+                    <a:lumMod val="50000"/>
+                  </a:schemeClr>
+                </a:solidFill>
+              </a:rPr>
+              <a:t> Low to High</a:t>
+            </a:r>
+          </a:p>
+          <a:p>
+            <a:r>
+              <a:rPr lang="en-US" sz="1400" dirty="0" err="1">
+                <a:solidFill>
+                  <a:schemeClr val="accent6">
+                    <a:lumMod val="50000"/>
+                  </a:schemeClr>
+                </a:solidFill>
+              </a:rPr>
+              <a:t>UserID</a:t>
+            </a:r>
+            <a:r>
+              <a:rPr lang="en-US" sz="1400" dirty="0">
+                <a:solidFill>
+                  <a:schemeClr val="accent6">
+                    <a:lumMod val="50000"/>
+                  </a:schemeClr>
+                </a:solidFill>
+              </a:rPr>
+              <a:t> High to Low</a:t>
+            </a:r>
+          </a:p>
+        </p:txBody>
+      </p:sp>
+      <p:sp>
+        <p:nvSpPr>
+          <p:cNvPr id="14" name="Isosceles Triangle 13">
+            <a:extLst>
+              <a:ext uri="{FF2B5EF4-FFF2-40B4-BE49-F238E27FC236}">
+                <a16:creationId xmlns:a16="http://schemas.microsoft.com/office/drawing/2014/main" id="{A3BB9119-2C29-4AD2-8022-2B8522D85D07}"/>
               </a:ext>
             </a:extLst>
           </p:cNvPr>
@@ -10041,16 +11746,17 @@
           <p:nvPr/>
         </p:nvSpPr>
         <p:spPr>
-          <a:xfrm>
-            <a:off x="0" y="805070"/>
-            <a:ext cx="12192000" cy="1103243"/>
-          </a:xfrm>
-          <a:prstGeom prst="rect">
+          <a:xfrm rot="10800000">
+            <a:off x="1204961" y="2353913"/>
+            <a:ext cx="266811" cy="144118"/>
+          </a:xfrm>
+          <a:prstGeom prst="triangle">
             <a:avLst/>
           </a:prstGeom>
           <a:solidFill>
             <a:schemeClr val="accent6">
-              <a:lumMod val="50000"/>
+              <a:lumMod val="20000"/>
+              <a:lumOff val="80000"/>
             </a:schemeClr>
           </a:solidFill>
         </p:spPr>
@@ -10074,321 +11780,17 @@
           <a:bodyPr rtlCol="0" anchor="ctr"/>
           <a:lstStyle/>
           <a:p>
-            <a:r>
-              <a:rPr lang="en-US" dirty="0"/>
-              <a:t>Logo							&lt;Welcome User message&gt;	About	Settings  </a:t>
-            </a:r>
-            <a:endParaRPr lang="en-SG" dirty="0"/>
-          </a:p>
-        </p:txBody>
-      </p:sp>
-      <p:sp>
-        <p:nvSpPr>
-          <p:cNvPr id="5" name="Rectangle 4">
-            <a:extLst>
-              <a:ext uri="{FF2B5EF4-FFF2-40B4-BE49-F238E27FC236}">
-                <a16:creationId xmlns:a16="http://schemas.microsoft.com/office/drawing/2014/main" id="{E6080EBC-0A30-442E-9559-34F9FA8670A5}"/>
-              </a:ext>
-            </a:extLst>
-          </p:cNvPr>
-          <p:cNvSpPr/>
-          <p:nvPr/>
-        </p:nvSpPr>
-        <p:spPr>
-          <a:xfrm>
-            <a:off x="0" y="1908313"/>
-            <a:ext cx="12192000" cy="4194313"/>
-          </a:xfrm>
-          <a:prstGeom prst="rect">
-            <a:avLst/>
-          </a:prstGeom>
-          <a:solidFill>
-            <a:schemeClr val="accent6">
-              <a:lumMod val="40000"/>
-              <a:lumOff val="60000"/>
-            </a:schemeClr>
-          </a:solidFill>
-        </p:spPr>
-        <p:style>
-          <a:lnRef idx="2">
-            <a:schemeClr val="accent1">
-              <a:shade val="50000"/>
-            </a:schemeClr>
-          </a:lnRef>
-          <a:fillRef idx="1">
-            <a:schemeClr val="accent1"/>
-          </a:fillRef>
-          <a:effectRef idx="0">
-            <a:schemeClr val="accent1"/>
-          </a:effectRef>
-          <a:fontRef idx="minor">
-            <a:schemeClr val="lt1"/>
-          </a:fontRef>
-        </p:style>
-        <p:txBody>
-          <a:bodyPr rtlCol="0" anchor="ctr"/>
-          <a:lstStyle/>
-          <a:p>
-            <a:pPr algn="ctr"/>
-            <a:r>
-              <a:rPr lang="en-US" b="1" dirty="0">
-                <a:solidFill>
-                  <a:schemeClr val="accent6">
-                    <a:lumMod val="50000"/>
-                  </a:schemeClr>
-                </a:solidFill>
-              </a:rPr>
-              <a:t> </a:t>
-            </a:r>
-            <a:endParaRPr lang="en-SG" b="1" dirty="0">
-              <a:solidFill>
-                <a:schemeClr val="accent6">
-                  <a:lumMod val="50000"/>
-                </a:schemeClr>
-              </a:solidFill>
-            </a:endParaRPr>
-          </a:p>
-        </p:txBody>
-      </p:sp>
-      <p:sp>
-        <p:nvSpPr>
-          <p:cNvPr id="6" name="Rectangle 5">
-            <a:extLst>
-              <a:ext uri="{FF2B5EF4-FFF2-40B4-BE49-F238E27FC236}">
-                <a16:creationId xmlns:a16="http://schemas.microsoft.com/office/drawing/2014/main" id="{FC797577-73C7-4A80-9839-F30286BE72FC}"/>
-              </a:ext>
-            </a:extLst>
-          </p:cNvPr>
-          <p:cNvSpPr/>
-          <p:nvPr/>
-        </p:nvSpPr>
-        <p:spPr>
-          <a:xfrm>
-            <a:off x="0" y="6102626"/>
-            <a:ext cx="12192000" cy="755374"/>
-          </a:xfrm>
-          <a:prstGeom prst="rect">
-            <a:avLst/>
-          </a:prstGeom>
-          <a:solidFill>
-            <a:schemeClr val="accent6">
-              <a:lumMod val="20000"/>
-              <a:lumOff val="80000"/>
-            </a:schemeClr>
-          </a:solidFill>
-        </p:spPr>
-        <p:style>
-          <a:lnRef idx="2">
-            <a:schemeClr val="accent1">
-              <a:shade val="50000"/>
-            </a:schemeClr>
-          </a:lnRef>
-          <a:fillRef idx="1">
-            <a:schemeClr val="accent1"/>
-          </a:fillRef>
-          <a:effectRef idx="0">
-            <a:schemeClr val="accent1"/>
-          </a:effectRef>
-          <a:fontRef idx="minor">
-            <a:schemeClr val="lt1"/>
-          </a:fontRef>
-        </p:style>
-        <p:txBody>
-          <a:bodyPr rtlCol="0" anchor="ctr"/>
-          <a:lstStyle/>
-          <a:p>
-            <a:pPr algn="ctr"/>
-            <a:r>
-              <a:rPr lang="en-US" b="1" dirty="0">
-                <a:solidFill>
-                  <a:schemeClr val="accent6">
-                    <a:lumMod val="50000"/>
-                  </a:schemeClr>
-                </a:solidFill>
-              </a:rPr>
-              <a:t>Footer</a:t>
-            </a:r>
-            <a:endParaRPr lang="en-SG" b="1" dirty="0">
-              <a:solidFill>
-                <a:schemeClr val="accent6">
-                  <a:lumMod val="50000"/>
-                </a:schemeClr>
-              </a:solidFill>
-            </a:endParaRPr>
-          </a:p>
-        </p:txBody>
-      </p:sp>
-      <p:sp>
-        <p:nvSpPr>
-          <p:cNvPr id="8" name="Isosceles Triangle 7">
-            <a:extLst>
-              <a:ext uri="{FF2B5EF4-FFF2-40B4-BE49-F238E27FC236}">
-                <a16:creationId xmlns:a16="http://schemas.microsoft.com/office/drawing/2014/main" id="{78E10604-E190-4012-945D-EEA989865889}"/>
-              </a:ext>
-            </a:extLst>
-          </p:cNvPr>
-          <p:cNvSpPr/>
-          <p:nvPr/>
-        </p:nvSpPr>
-        <p:spPr>
-          <a:xfrm rot="10800000">
-            <a:off x="10883347" y="1326874"/>
-            <a:ext cx="218662" cy="144118"/>
-          </a:xfrm>
-          <a:prstGeom prst="triangle">
-            <a:avLst/>
-          </a:prstGeom>
-          <a:solidFill>
-            <a:schemeClr val="accent6">
-              <a:lumMod val="20000"/>
-              <a:lumOff val="80000"/>
-            </a:schemeClr>
-          </a:solidFill>
-        </p:spPr>
-        <p:style>
-          <a:lnRef idx="2">
-            <a:schemeClr val="accent1">
-              <a:shade val="50000"/>
-            </a:schemeClr>
-          </a:lnRef>
-          <a:fillRef idx="1">
-            <a:schemeClr val="accent1"/>
-          </a:fillRef>
-          <a:effectRef idx="0">
-            <a:schemeClr val="accent1"/>
-          </a:effectRef>
-          <a:fontRef idx="minor">
-            <a:schemeClr val="lt1"/>
-          </a:fontRef>
-        </p:style>
-        <p:txBody>
-          <a:bodyPr rtlCol="0" anchor="ctr"/>
-          <a:lstStyle/>
-          <a:p>
             <a:pPr algn="ctr"/>
             <a:endParaRPr lang="en-SG"/>
           </a:p>
         </p:txBody>
       </p:sp>
-      <p:sp>
-        <p:nvSpPr>
-          <p:cNvPr id="9" name="TextBox 8">
-            <a:extLst>
-              <a:ext uri="{FF2B5EF4-FFF2-40B4-BE49-F238E27FC236}">
-                <a16:creationId xmlns:a16="http://schemas.microsoft.com/office/drawing/2014/main" id="{1C5DF39C-B11C-41B6-9B38-52116C1C9D8B}"/>
-              </a:ext>
-            </a:extLst>
-          </p:cNvPr>
-          <p:cNvSpPr txBox="1"/>
-          <p:nvPr/>
-        </p:nvSpPr>
-        <p:spPr>
-          <a:xfrm>
-            <a:off x="10367911" y="1506787"/>
-            <a:ext cx="1824089" cy="923330"/>
-          </a:xfrm>
-          <a:prstGeom prst="rect">
-            <a:avLst/>
-          </a:prstGeom>
-          <a:solidFill>
-            <a:schemeClr val="accent6">
-              <a:lumMod val="20000"/>
-              <a:lumOff val="80000"/>
-            </a:schemeClr>
-          </a:solidFill>
-        </p:spPr>
-        <p:txBody>
-          <a:bodyPr wrap="none" rtlCol="0">
-            <a:spAutoFit/>
-          </a:bodyPr>
-          <a:lstStyle/>
-          <a:p>
-            <a:r>
-              <a:rPr lang="en-US" dirty="0">
-                <a:solidFill>
-                  <a:schemeClr val="accent6">
-                    <a:lumMod val="50000"/>
-                  </a:schemeClr>
-                </a:solidFill>
-              </a:rPr>
-              <a:t>Logout</a:t>
-            </a:r>
-          </a:p>
-          <a:p>
-            <a:r>
-              <a:rPr lang="en-US" dirty="0">
-                <a:solidFill>
-                  <a:schemeClr val="accent6">
-                    <a:lumMod val="50000"/>
-                  </a:schemeClr>
-                </a:solidFill>
-              </a:rPr>
-              <a:t>Edit Profile</a:t>
-            </a:r>
-          </a:p>
-          <a:p>
-            <a:r>
-              <a:rPr lang="en-US" dirty="0">
-                <a:solidFill>
-                  <a:schemeClr val="accent6">
-                    <a:lumMod val="50000"/>
-                  </a:schemeClr>
-                </a:solidFill>
-              </a:rPr>
-              <a:t>Change Password</a:t>
-            </a:r>
-            <a:endParaRPr lang="en-SG" dirty="0">
-              <a:solidFill>
-                <a:schemeClr val="accent6">
-                  <a:lumMod val="50000"/>
-                </a:schemeClr>
-              </a:solidFill>
-            </a:endParaRPr>
-          </a:p>
-        </p:txBody>
-      </p:sp>
-      <p:cxnSp>
-        <p:nvCxnSpPr>
-          <p:cNvPr id="11" name="Straight Connector 10">
-            <a:extLst>
-              <a:ext uri="{FF2B5EF4-FFF2-40B4-BE49-F238E27FC236}">
-                <a16:creationId xmlns:a16="http://schemas.microsoft.com/office/drawing/2014/main" id="{F93C91FB-9358-4EB7-A5D1-6E6BAFB43880}"/>
-              </a:ext>
-            </a:extLst>
-          </p:cNvPr>
-          <p:cNvCxnSpPr/>
-          <p:nvPr/>
-        </p:nvCxnSpPr>
-        <p:spPr>
-          <a:xfrm>
-            <a:off x="2136913" y="1944108"/>
-            <a:ext cx="0" cy="4158518"/>
-          </a:xfrm>
-          <a:prstGeom prst="line">
-            <a:avLst/>
-          </a:prstGeom>
-        </p:spPr>
-        <p:style>
-          <a:lnRef idx="1">
-            <a:schemeClr val="accent6"/>
-          </a:lnRef>
-          <a:fillRef idx="0">
-            <a:schemeClr val="accent6"/>
-          </a:fillRef>
-          <a:effectRef idx="0">
-            <a:schemeClr val="accent6"/>
-          </a:effectRef>
-          <a:fontRef idx="minor">
-            <a:schemeClr val="tx1"/>
-          </a:fontRef>
-        </p:style>
-      </p:cxnSp>
       <p:grpSp>
         <p:nvGrpSpPr>
-          <p:cNvPr id="15" name="Group 14">
-            <a:extLst>
-              <a:ext uri="{FF2B5EF4-FFF2-40B4-BE49-F238E27FC236}">
-                <a16:creationId xmlns:a16="http://schemas.microsoft.com/office/drawing/2014/main" id="{64BF73AF-B182-4A8E-AD1B-0EB931359AA4}"/>
+          <p:cNvPr id="3" name="Group 2">
+            <a:extLst>
+              <a:ext uri="{FF2B5EF4-FFF2-40B4-BE49-F238E27FC236}">
+                <a16:creationId xmlns:a16="http://schemas.microsoft.com/office/drawing/2014/main" id="{9616302C-1B43-4F65-8022-561B61D7DECB}"/>
               </a:ext>
             </a:extLst>
           </p:cNvPr>
@@ -10397,177 +11799,10 @@
         </p:nvGrpSpPr>
         <p:grpSpPr>
           <a:xfrm>
-            <a:off x="219185" y="2216426"/>
-            <a:ext cx="1579799" cy="895470"/>
-            <a:chOff x="219185" y="2216426"/>
-            <a:chExt cx="1579799" cy="895470"/>
-          </a:xfrm>
-        </p:grpSpPr>
-        <p:sp>
-          <p:nvSpPr>
-            <p:cNvPr id="12" name="TextBox 11">
-              <a:extLst>
-                <a:ext uri="{FF2B5EF4-FFF2-40B4-BE49-F238E27FC236}">
-                  <a16:creationId xmlns:a16="http://schemas.microsoft.com/office/drawing/2014/main" id="{864068B9-BEF0-47D6-B27E-EAC15C5C7DBF}"/>
-                </a:ext>
-              </a:extLst>
-            </p:cNvPr>
-            <p:cNvSpPr txBox="1"/>
-            <p:nvPr/>
-          </p:nvSpPr>
-          <p:spPr>
-            <a:xfrm>
-              <a:off x="219185" y="2216426"/>
-              <a:ext cx="849271" cy="369332"/>
-            </a:xfrm>
-            <a:prstGeom prst="rect">
-              <a:avLst/>
-            </a:prstGeom>
-            <a:noFill/>
-          </p:spPr>
-          <p:txBody>
-            <a:bodyPr wrap="none" rtlCol="0">
-              <a:spAutoFit/>
-            </a:bodyPr>
-            <a:lstStyle/>
-            <a:p>
-              <a:r>
-                <a:rPr lang="en-US" dirty="0"/>
-                <a:t>Sort By</a:t>
-              </a:r>
-              <a:endParaRPr lang="en-SG" dirty="0"/>
-            </a:p>
-          </p:txBody>
-        </p:sp>
-        <p:sp>
-          <p:nvSpPr>
-            <p:cNvPr id="13" name="TextBox 12">
-              <a:extLst>
-                <a:ext uri="{FF2B5EF4-FFF2-40B4-BE49-F238E27FC236}">
-                  <a16:creationId xmlns:a16="http://schemas.microsoft.com/office/drawing/2014/main" id="{6E6FE3AE-1255-4ABD-A578-7B8C93BA7847}"/>
-                </a:ext>
-              </a:extLst>
-            </p:cNvPr>
-            <p:cNvSpPr txBox="1"/>
-            <p:nvPr/>
-          </p:nvSpPr>
-          <p:spPr>
-            <a:xfrm>
-              <a:off x="476950" y="2588676"/>
-              <a:ext cx="1322034" cy="523220"/>
-            </a:xfrm>
-            <a:prstGeom prst="rect">
-              <a:avLst/>
-            </a:prstGeom>
-            <a:solidFill>
-              <a:schemeClr val="accent6">
-                <a:lumMod val="20000"/>
-                <a:lumOff val="80000"/>
-              </a:schemeClr>
-            </a:solidFill>
-          </p:spPr>
-          <p:txBody>
-            <a:bodyPr wrap="square" rtlCol="0">
-              <a:spAutoFit/>
-            </a:bodyPr>
-            <a:lstStyle/>
-            <a:p>
-              <a:r>
-                <a:rPr lang="en-US" sz="1400" dirty="0">
-                  <a:solidFill>
-                    <a:schemeClr val="accent6">
-                      <a:lumMod val="50000"/>
-                    </a:schemeClr>
-                  </a:solidFill>
-                </a:rPr>
-                <a:t>New to Old</a:t>
-              </a:r>
-            </a:p>
-            <a:p>
-              <a:r>
-                <a:rPr lang="en-US" sz="1400" dirty="0">
-                  <a:solidFill>
-                    <a:schemeClr val="accent6">
-                      <a:lumMod val="50000"/>
-                    </a:schemeClr>
-                  </a:solidFill>
-                </a:rPr>
-                <a:t>Old to New</a:t>
-              </a:r>
-            </a:p>
-          </p:txBody>
-        </p:sp>
-        <p:sp>
-          <p:nvSpPr>
-            <p:cNvPr id="14" name="Isosceles Triangle 13">
-              <a:extLst>
-                <a:ext uri="{FF2B5EF4-FFF2-40B4-BE49-F238E27FC236}">
-                  <a16:creationId xmlns:a16="http://schemas.microsoft.com/office/drawing/2014/main" id="{A3BB9119-2C29-4AD2-8022-2B8522D85D07}"/>
-                </a:ext>
-              </a:extLst>
-            </p:cNvPr>
-            <p:cNvSpPr/>
-            <p:nvPr/>
-          </p:nvSpPr>
-          <p:spPr>
-            <a:xfrm rot="10800000">
-              <a:off x="1027067" y="2353913"/>
-              <a:ext cx="218662" cy="144118"/>
-            </a:xfrm>
-            <a:prstGeom prst="triangle">
-              <a:avLst/>
-            </a:prstGeom>
-            <a:solidFill>
-              <a:schemeClr val="accent6">
-                <a:lumMod val="20000"/>
-                <a:lumOff val="80000"/>
-              </a:schemeClr>
-            </a:solidFill>
-          </p:spPr>
-          <p:style>
-            <a:lnRef idx="2">
-              <a:schemeClr val="accent1">
-                <a:shade val="50000"/>
-              </a:schemeClr>
-            </a:lnRef>
-            <a:fillRef idx="1">
-              <a:schemeClr val="accent1"/>
-            </a:fillRef>
-            <a:effectRef idx="0">
-              <a:schemeClr val="accent1"/>
-            </a:effectRef>
-            <a:fontRef idx="minor">
-              <a:schemeClr val="lt1"/>
-            </a:fontRef>
-          </p:style>
-          <p:txBody>
-            <a:bodyPr rtlCol="0" anchor="ctr"/>
-            <a:lstStyle/>
-            <a:p>
-              <a:pPr algn="ctr"/>
-              <a:endParaRPr lang="en-SG"/>
-            </a:p>
-          </p:txBody>
-        </p:sp>
-      </p:grpSp>
-      <p:grpSp>
-        <p:nvGrpSpPr>
-          <p:cNvPr id="20" name="Group 19">
-            <a:extLst>
-              <a:ext uri="{FF2B5EF4-FFF2-40B4-BE49-F238E27FC236}">
-                <a16:creationId xmlns:a16="http://schemas.microsoft.com/office/drawing/2014/main" id="{38C1739F-70A0-47C6-AF39-C3A80EB18E8D}"/>
-              </a:ext>
-            </a:extLst>
-          </p:cNvPr>
-          <p:cNvGrpSpPr/>
-          <p:nvPr/>
-        </p:nvGrpSpPr>
-        <p:grpSpPr>
-          <a:xfrm>
-            <a:off x="111522" y="3322425"/>
-            <a:ext cx="1656042" cy="914014"/>
+            <a:off x="191034" y="3799499"/>
+            <a:ext cx="1656042" cy="1129458"/>
             <a:chOff x="111522" y="3322425"/>
-            <a:chExt cx="1656042" cy="914014"/>
+            <a:chExt cx="1656042" cy="1129458"/>
           </a:xfrm>
         </p:grpSpPr>
         <p:sp>
@@ -10621,7 +11856,7 @@
           <p:spPr>
             <a:xfrm>
               <a:off x="891127" y="3713219"/>
-              <a:ext cx="876437" cy="523220"/>
+              <a:ext cx="876437" cy="738664"/>
             </a:xfrm>
             <a:prstGeom prst="rect">
               <a:avLst/>
@@ -10647,7 +11882,7 @@
                     </a:schemeClr>
                   </a:solidFill>
                 </a:rPr>
-                <a:t>Grade</a:t>
+                <a:t>Teacher</a:t>
               </a:r>
             </a:p>
             <a:p>
@@ -10659,7 +11894,19 @@
                     </a:schemeClr>
                   </a:solidFill>
                 </a:rPr>
-                <a:t>Subject</a:t>
+                <a:t>Student</a:t>
+              </a:r>
+            </a:p>
+            <a:p>
+              <a:r>
+                <a:rPr lang="en-US" sz="1400" dirty="0">
+                  <a:solidFill>
+                    <a:schemeClr val="accent6">
+                      <a:lumMod val="50000"/>
+                    </a:schemeClr>
+                  </a:solidFill>
+                </a:rPr>
+                <a:t>Admins</a:t>
               </a:r>
             </a:p>
           </p:txBody>
@@ -10731,8 +11978,8 @@
         </p:nvSpPr>
         <p:spPr>
           <a:xfrm>
-            <a:off x="111522" y="2169215"/>
-            <a:ext cx="1896182" cy="1131748"/>
+            <a:off x="111521" y="2169215"/>
+            <a:ext cx="2126915" cy="1539176"/>
           </a:xfrm>
           <a:prstGeom prst="rect">
             <a:avLst/>
@@ -10776,8 +12023,8 @@
         </p:nvSpPr>
         <p:spPr>
           <a:xfrm>
-            <a:off x="120366" y="3374649"/>
-            <a:ext cx="1896182" cy="1131748"/>
+            <a:off x="160121" y="3792097"/>
+            <a:ext cx="2038551" cy="1131748"/>
           </a:xfrm>
           <a:prstGeom prst="rect">
             <a:avLst/>
@@ -10822,14 +12069,14 @@
           <p:nvPr>
             <p:extLst>
               <p:ext uri="{D42A27DB-BD31-4B8C-83A1-F6EECF244321}">
-                <p14:modId xmlns:p14="http://schemas.microsoft.com/office/powerpoint/2010/main" val="985705293"/>
+                <p14:modId xmlns:p14="http://schemas.microsoft.com/office/powerpoint/2010/main" val="2398422150"/>
               </p:ext>
             </p:extLst>
           </p:nvPr>
         </p:nvGraphicFramePr>
         <p:xfrm>
           <a:off x="2731107" y="2787901"/>
-          <a:ext cx="8128000" cy="1483360"/>
+          <a:ext cx="8128002" cy="1483360"/>
         </p:xfrm>
         <a:graphic>
           <a:graphicData uri="http://schemas.openxmlformats.org/drawingml/2006/table">
@@ -10838,38 +12085,45 @@
                 <a:tableStyleId>{93296810-A885-4BE3-A3E7-6D5BEEA58F35}</a:tableStyleId>
               </a:tblPr>
               <a:tblGrid>
-                <a:gridCol w="653730">
+                <a:gridCol w="484535">
                   <a:extLst>
                     <a:ext uri="{9D8B030D-6E8A-4147-A177-3AD203B41FA5}">
                       <a16:colId xmlns:a16="http://schemas.microsoft.com/office/drawing/2014/main" val="955202375"/>
                     </a:ext>
                   </a:extLst>
                 </a:gridCol>
-                <a:gridCol w="2597470">
+                <a:gridCol w="1644593">
                   <a:extLst>
                     <a:ext uri="{9D8B030D-6E8A-4147-A177-3AD203B41FA5}">
                       <a16:colId xmlns:a16="http://schemas.microsoft.com/office/drawing/2014/main" val="3066451461"/>
                     </a:ext>
                   </a:extLst>
                 </a:gridCol>
-                <a:gridCol w="1625600">
+                <a:gridCol w="1808922">
                   <a:extLst>
                     <a:ext uri="{9D8B030D-6E8A-4147-A177-3AD203B41FA5}">
                       <a16:colId xmlns:a16="http://schemas.microsoft.com/office/drawing/2014/main" val="3085685798"/>
                     </a:ext>
                   </a:extLst>
                 </a:gridCol>
-                <a:gridCol w="1625600">
+                <a:gridCol w="1421295">
                   <a:extLst>
                     <a:ext uri="{9D8B030D-6E8A-4147-A177-3AD203B41FA5}">
                       <a16:colId xmlns:a16="http://schemas.microsoft.com/office/drawing/2014/main" val="1513136734"/>
                     </a:ext>
                   </a:extLst>
                 </a:gridCol>
-                <a:gridCol w="1625600">
+                <a:gridCol w="1103244">
                   <a:extLst>
                     <a:ext uri="{9D8B030D-6E8A-4147-A177-3AD203B41FA5}">
                       <a16:colId xmlns:a16="http://schemas.microsoft.com/office/drawing/2014/main" val="1679167168"/>
+                    </a:ext>
+                  </a:extLst>
+                </a:gridCol>
+                <a:gridCol w="1665413">
+                  <a:extLst>
+                    <a:ext uri="{9D8B030D-6E8A-4147-A177-3AD203B41FA5}">
+                      <a16:colId xmlns:a16="http://schemas.microsoft.com/office/drawing/2014/main" val="3934111768"/>
                     </a:ext>
                   </a:extLst>
                 </a:gridCol>
@@ -10896,7 +12150,7 @@
                     <a:p>
                       <a:r>
                         <a:rPr lang="en-US" dirty="0"/>
-                        <a:t>Description</a:t>
+                        <a:t>User Name</a:t>
                       </a:r>
                       <a:endParaRPr lang="en-SG" dirty="0"/>
                     </a:p>
@@ -10910,7 +12164,7 @@
                     <a:p>
                       <a:r>
                         <a:rPr lang="en-US" dirty="0"/>
-                        <a:t>Subject</a:t>
+                        <a:t>First Name</a:t>
                       </a:r>
                       <a:endParaRPr lang="en-SG" dirty="0"/>
                     </a:p>
@@ -10924,7 +12178,7 @@
                     <a:p>
                       <a:r>
                         <a:rPr lang="en-US" dirty="0"/>
-                        <a:t>Grade</a:t>
+                        <a:t>Last Name</a:t>
                       </a:r>
                       <a:endParaRPr lang="en-SG" dirty="0"/>
                     </a:p>
@@ -10938,7 +12192,21 @@
                     <a:p>
                       <a:r>
                         <a:rPr lang="en-US" dirty="0"/>
-                        <a:t>Status</a:t>
+                        <a:t>Role</a:t>
+                      </a:r>
+                      <a:endParaRPr lang="en-SG" dirty="0"/>
+                    </a:p>
+                  </a:txBody>
+                  <a:tcPr/>
+                </a:tc>
+                <a:tc>
+                  <a:txBody>
+                    <a:bodyPr/>
+                    <a:lstStyle/>
+                    <a:p>
+                      <a:r>
+                        <a:rPr lang="en-US" dirty="0"/>
+                        <a:t>Institution ID</a:t>
                       </a:r>
                       <a:endParaRPr lang="en-SG" dirty="0"/>
                     </a:p>
@@ -10991,7 +12259,7 @@
                             </a:schemeClr>
                           </a:solidFill>
                         </a:rPr>
-                        <a:t>HW-1</a:t>
+                        <a:t>User-1</a:t>
                       </a:r>
                       <a:endParaRPr lang="en-SG" u="sng" dirty="0">
                         <a:solidFill>
@@ -11010,14 +12278,14 @@
                     <a:lstStyle/>
                     <a:p>
                       <a:r>
-                        <a:rPr lang="en-US" dirty="0" err="1">
+                        <a:rPr lang="en-US" dirty="0">
                           <a:solidFill>
                             <a:schemeClr val="accent6">
                               <a:lumMod val="50000"/>
                             </a:schemeClr>
                           </a:solidFill>
                         </a:rPr>
-                        <a:t>Maths</a:t>
+                        <a:t>User1</a:t>
                       </a:r>
                       <a:endParaRPr lang="en-SG" dirty="0">
                         <a:solidFill>
@@ -11043,7 +12311,7 @@
                             </a:schemeClr>
                           </a:solidFill>
                         </a:rPr>
-                        <a:t>P1</a:t>
+                        <a:t>LN1</a:t>
                       </a:r>
                       <a:endParaRPr lang="en-SG" dirty="0">
                         <a:solidFill>
@@ -11069,7 +12337,33 @@
                             </a:schemeClr>
                           </a:solidFill>
                         </a:rPr>
-                        <a:t>Open</a:t>
+                        <a:t>Teacher</a:t>
+                      </a:r>
+                      <a:endParaRPr lang="en-SG" dirty="0">
+                        <a:solidFill>
+                          <a:schemeClr val="accent6">
+                            <a:lumMod val="50000"/>
+                          </a:schemeClr>
+                        </a:solidFill>
+                      </a:endParaRPr>
+                    </a:p>
+                  </a:txBody>
+                  <a:tcPr/>
+                </a:tc>
+                <a:tc>
+                  <a:txBody>
+                    <a:bodyPr/>
+                    <a:lstStyle/>
+                    <a:p>
+                      <a:r>
+                        <a:rPr lang="en-US" dirty="0">
+                          <a:solidFill>
+                            <a:schemeClr val="accent6">
+                              <a:lumMod val="50000"/>
+                            </a:schemeClr>
+                          </a:solidFill>
+                        </a:rPr>
+                        <a:t>A1234T</a:t>
                       </a:r>
                       <a:endParaRPr lang="en-SG" dirty="0">
                         <a:solidFill>
@@ -11128,7 +12422,7 @@
                             </a:schemeClr>
                           </a:solidFill>
                         </a:rPr>
-                        <a:t>HW-0</a:t>
+                        <a:t>User-2</a:t>
                       </a:r>
                       <a:endParaRPr lang="en-SG" u="sng" dirty="0">
                         <a:solidFill>
@@ -11147,14 +12441,14 @@
                     <a:lstStyle/>
                     <a:p>
                       <a:r>
-                        <a:rPr lang="en-US" dirty="0" err="1">
+                        <a:rPr lang="en-US" dirty="0">
                           <a:solidFill>
                             <a:schemeClr val="accent6">
                               <a:lumMod val="50000"/>
                             </a:schemeClr>
                           </a:solidFill>
                         </a:rPr>
-                        <a:t>Maths</a:t>
+                        <a:t>User2</a:t>
                       </a:r>
                       <a:endParaRPr lang="en-SG" dirty="0">
                         <a:solidFill>
@@ -11180,7 +12474,7 @@
                             </a:schemeClr>
                           </a:solidFill>
                         </a:rPr>
-                        <a:t>P2</a:t>
+                        <a:t>LN2</a:t>
                       </a:r>
                       <a:endParaRPr lang="en-SG" dirty="0">
                         <a:solidFill>
@@ -11206,7 +12500,33 @@
                             </a:schemeClr>
                           </a:solidFill>
                         </a:rPr>
-                        <a:t>Closed</a:t>
+                        <a:t>Student</a:t>
+                      </a:r>
+                      <a:endParaRPr lang="en-SG" dirty="0">
+                        <a:solidFill>
+                          <a:schemeClr val="accent6">
+                            <a:lumMod val="50000"/>
+                          </a:schemeClr>
+                        </a:solidFill>
+                      </a:endParaRPr>
+                    </a:p>
+                  </a:txBody>
+                  <a:tcPr/>
+                </a:tc>
+                <a:tc>
+                  <a:txBody>
+                    <a:bodyPr/>
+                    <a:lstStyle/>
+                    <a:p>
+                      <a:r>
+                        <a:rPr lang="en-US" dirty="0">
+                          <a:solidFill>
+                            <a:schemeClr val="accent6">
+                              <a:lumMod val="50000"/>
+                            </a:schemeClr>
+                          </a:solidFill>
+                        </a:rPr>
+                        <a:t>S89765P</a:t>
                       </a:r>
                       <a:endParaRPr lang="en-SG" dirty="0">
                         <a:solidFill>
@@ -11276,6 +12596,16 @@
                   </a:txBody>
                   <a:tcPr/>
                 </a:tc>
+                <a:tc>
+                  <a:txBody>
+                    <a:bodyPr/>
+                    <a:lstStyle/>
+                    <a:p>
+                      <a:endParaRPr lang="en-SG" dirty="0"/>
+                    </a:p>
+                  </a:txBody>
+                  <a:tcPr/>
+                </a:tc>
                 <a:extLst>
                   <a:ext uri="{0D108BD9-81ED-4DB2-BD59-A6C34878D82A}">
                     <a16:rowId xmlns:a16="http://schemas.microsoft.com/office/drawing/2014/main" val="2462376687"/>
@@ -11290,6 +12620,1185 @@
     <p:extLst>
       <p:ext uri="{BB962C8B-B14F-4D97-AF65-F5344CB8AC3E}">
         <p14:creationId xmlns:p14="http://schemas.microsoft.com/office/powerpoint/2010/main" val="1745079913"/>
+      </p:ext>
+    </p:extLst>
+  </p:cSld>
+  <p:clrMapOvr>
+    <a:masterClrMapping/>
+  </p:clrMapOvr>
+</p:sld>
+</file>
+
+<file path=ppt/slides/slide9.xml><?xml version="1.0" encoding="utf-8"?>
+<p:sld xmlns:a="http://schemas.openxmlformats.org/drawingml/2006/main" xmlns:r="http://schemas.openxmlformats.org/officeDocument/2006/relationships" xmlns:p="http://schemas.openxmlformats.org/presentationml/2006/main">
+  <p:cSld>
+    <p:spTree>
+      <p:nvGrpSpPr>
+        <p:cNvPr id="1" name=""/>
+        <p:cNvGrpSpPr/>
+        <p:nvPr/>
+      </p:nvGrpSpPr>
+      <p:grpSpPr>
+        <a:xfrm>
+          <a:off x="0" y="0"/>
+          <a:ext cx="0" cy="0"/>
+          <a:chOff x="0" y="0"/>
+          <a:chExt cx="0" cy="0"/>
+        </a:xfrm>
+      </p:grpSpPr>
+      <p:sp>
+        <p:nvSpPr>
+          <p:cNvPr id="2" name="Title 1">
+            <a:extLst>
+              <a:ext uri="{FF2B5EF4-FFF2-40B4-BE49-F238E27FC236}">
+                <a16:creationId xmlns:a16="http://schemas.microsoft.com/office/drawing/2014/main" id="{D89C967B-6A5D-473C-8E00-4C44ACB18BE7}"/>
+              </a:ext>
+            </a:extLst>
+          </p:cNvPr>
+          <p:cNvSpPr>
+            <a:spLocks noGrp="1"/>
+          </p:cNvSpPr>
+          <p:nvPr>
+            <p:ph type="title"/>
+          </p:nvPr>
+        </p:nvSpPr>
+        <p:spPr>
+          <a:xfrm>
+            <a:off x="420756" y="49696"/>
+            <a:ext cx="10515600" cy="705678"/>
+          </a:xfrm>
+        </p:spPr>
+        <p:txBody>
+          <a:bodyPr>
+            <a:noAutofit/>
+          </a:bodyPr>
+          <a:lstStyle/>
+          <a:p>
+            <a:r>
+              <a:rPr lang="en-US" sz="3200" b="1" dirty="0"/>
+              <a:t>Create new user/Edit current user form </a:t>
+            </a:r>
+            <a:r>
+              <a:rPr lang="en-US" sz="2800" b="1" dirty="0"/>
+              <a:t>(available for Admin user)</a:t>
+            </a:r>
+            <a:endParaRPr lang="en-SG" sz="2800" b="1" dirty="0"/>
+          </a:p>
+        </p:txBody>
+      </p:sp>
+      <p:sp>
+        <p:nvSpPr>
+          <p:cNvPr id="4" name="Rectangle 3">
+            <a:extLst>
+              <a:ext uri="{FF2B5EF4-FFF2-40B4-BE49-F238E27FC236}">
+                <a16:creationId xmlns:a16="http://schemas.microsoft.com/office/drawing/2014/main" id="{8925E14A-632E-42A1-A6E1-802848F06DC2}"/>
+              </a:ext>
+            </a:extLst>
+          </p:cNvPr>
+          <p:cNvSpPr/>
+          <p:nvPr/>
+        </p:nvSpPr>
+        <p:spPr>
+          <a:xfrm>
+            <a:off x="0" y="805070"/>
+            <a:ext cx="12192000" cy="1103243"/>
+          </a:xfrm>
+          <a:prstGeom prst="rect">
+            <a:avLst/>
+          </a:prstGeom>
+          <a:solidFill>
+            <a:schemeClr val="accent6">
+              <a:lumMod val="50000"/>
+            </a:schemeClr>
+          </a:solidFill>
+        </p:spPr>
+        <p:style>
+          <a:lnRef idx="2">
+            <a:schemeClr val="accent1">
+              <a:shade val="50000"/>
+            </a:schemeClr>
+          </a:lnRef>
+          <a:fillRef idx="1">
+            <a:schemeClr val="accent1"/>
+          </a:fillRef>
+          <a:effectRef idx="0">
+            <a:schemeClr val="accent1"/>
+          </a:effectRef>
+          <a:fontRef idx="minor">
+            <a:schemeClr val="lt1"/>
+          </a:fontRef>
+        </p:style>
+        <p:txBody>
+          <a:bodyPr rtlCol="0" anchor="ctr"/>
+          <a:lstStyle/>
+          <a:p>
+            <a:r>
+              <a:rPr lang="en-US" dirty="0"/>
+              <a:t>Logo							&lt;Welcome User message&gt;	About	Settings  </a:t>
+            </a:r>
+            <a:endParaRPr lang="en-SG" dirty="0"/>
+          </a:p>
+        </p:txBody>
+      </p:sp>
+      <p:sp>
+        <p:nvSpPr>
+          <p:cNvPr id="5" name="Rectangle 4">
+            <a:extLst>
+              <a:ext uri="{FF2B5EF4-FFF2-40B4-BE49-F238E27FC236}">
+                <a16:creationId xmlns:a16="http://schemas.microsoft.com/office/drawing/2014/main" id="{E6080EBC-0A30-442E-9559-34F9FA8670A5}"/>
+              </a:ext>
+            </a:extLst>
+          </p:cNvPr>
+          <p:cNvSpPr/>
+          <p:nvPr/>
+        </p:nvSpPr>
+        <p:spPr>
+          <a:xfrm>
+            <a:off x="0" y="1908313"/>
+            <a:ext cx="12192000" cy="4194313"/>
+          </a:xfrm>
+          <a:prstGeom prst="rect">
+            <a:avLst/>
+          </a:prstGeom>
+          <a:solidFill>
+            <a:schemeClr val="accent6">
+              <a:lumMod val="40000"/>
+              <a:lumOff val="60000"/>
+            </a:schemeClr>
+          </a:solidFill>
+        </p:spPr>
+        <p:style>
+          <a:lnRef idx="2">
+            <a:schemeClr val="accent1">
+              <a:shade val="50000"/>
+            </a:schemeClr>
+          </a:lnRef>
+          <a:fillRef idx="1">
+            <a:schemeClr val="accent1"/>
+          </a:fillRef>
+          <a:effectRef idx="0">
+            <a:schemeClr val="accent1"/>
+          </a:effectRef>
+          <a:fontRef idx="minor">
+            <a:schemeClr val="lt1"/>
+          </a:fontRef>
+        </p:style>
+        <p:txBody>
+          <a:bodyPr rtlCol="0" anchor="ctr"/>
+          <a:lstStyle/>
+          <a:p>
+            <a:pPr algn="ctr"/>
+            <a:r>
+              <a:rPr lang="en-US" b="1" dirty="0">
+                <a:solidFill>
+                  <a:schemeClr val="accent6">
+                    <a:lumMod val="50000"/>
+                  </a:schemeClr>
+                </a:solidFill>
+              </a:rPr>
+              <a:t> </a:t>
+            </a:r>
+            <a:endParaRPr lang="en-SG" b="1" dirty="0">
+              <a:solidFill>
+                <a:schemeClr val="accent6">
+                  <a:lumMod val="50000"/>
+                </a:schemeClr>
+              </a:solidFill>
+            </a:endParaRPr>
+          </a:p>
+        </p:txBody>
+      </p:sp>
+      <p:sp>
+        <p:nvSpPr>
+          <p:cNvPr id="6" name="Rectangle 5">
+            <a:extLst>
+              <a:ext uri="{FF2B5EF4-FFF2-40B4-BE49-F238E27FC236}">
+                <a16:creationId xmlns:a16="http://schemas.microsoft.com/office/drawing/2014/main" id="{FC797577-73C7-4A80-9839-F30286BE72FC}"/>
+              </a:ext>
+            </a:extLst>
+          </p:cNvPr>
+          <p:cNvSpPr/>
+          <p:nvPr/>
+        </p:nvSpPr>
+        <p:spPr>
+          <a:xfrm>
+            <a:off x="0" y="6102626"/>
+            <a:ext cx="12192000" cy="755374"/>
+          </a:xfrm>
+          <a:prstGeom prst="rect">
+            <a:avLst/>
+          </a:prstGeom>
+          <a:solidFill>
+            <a:schemeClr val="accent6">
+              <a:lumMod val="20000"/>
+              <a:lumOff val="80000"/>
+            </a:schemeClr>
+          </a:solidFill>
+        </p:spPr>
+        <p:style>
+          <a:lnRef idx="2">
+            <a:schemeClr val="accent1">
+              <a:shade val="50000"/>
+            </a:schemeClr>
+          </a:lnRef>
+          <a:fillRef idx="1">
+            <a:schemeClr val="accent1"/>
+          </a:fillRef>
+          <a:effectRef idx="0">
+            <a:schemeClr val="accent1"/>
+          </a:effectRef>
+          <a:fontRef idx="minor">
+            <a:schemeClr val="lt1"/>
+          </a:fontRef>
+        </p:style>
+        <p:txBody>
+          <a:bodyPr rtlCol="0" anchor="ctr"/>
+          <a:lstStyle/>
+          <a:p>
+            <a:pPr algn="ctr"/>
+            <a:r>
+              <a:rPr lang="en-US" b="1" dirty="0">
+                <a:solidFill>
+                  <a:schemeClr val="accent6">
+                    <a:lumMod val="50000"/>
+                  </a:schemeClr>
+                </a:solidFill>
+              </a:rPr>
+              <a:t>Footer</a:t>
+            </a:r>
+            <a:endParaRPr lang="en-SG" b="1" dirty="0">
+              <a:solidFill>
+                <a:schemeClr val="accent6">
+                  <a:lumMod val="50000"/>
+                </a:schemeClr>
+              </a:solidFill>
+            </a:endParaRPr>
+          </a:p>
+        </p:txBody>
+      </p:sp>
+      <p:sp>
+        <p:nvSpPr>
+          <p:cNvPr id="8" name="Isosceles Triangle 7">
+            <a:extLst>
+              <a:ext uri="{FF2B5EF4-FFF2-40B4-BE49-F238E27FC236}">
+                <a16:creationId xmlns:a16="http://schemas.microsoft.com/office/drawing/2014/main" id="{78E10604-E190-4012-945D-EEA989865889}"/>
+              </a:ext>
+            </a:extLst>
+          </p:cNvPr>
+          <p:cNvSpPr/>
+          <p:nvPr/>
+        </p:nvSpPr>
+        <p:spPr>
+          <a:xfrm rot="10800000">
+            <a:off x="10883347" y="1326874"/>
+            <a:ext cx="218662" cy="144118"/>
+          </a:xfrm>
+          <a:prstGeom prst="triangle">
+            <a:avLst/>
+          </a:prstGeom>
+          <a:solidFill>
+            <a:schemeClr val="accent6">
+              <a:lumMod val="20000"/>
+              <a:lumOff val="80000"/>
+            </a:schemeClr>
+          </a:solidFill>
+        </p:spPr>
+        <p:style>
+          <a:lnRef idx="2">
+            <a:schemeClr val="accent1">
+              <a:shade val="50000"/>
+            </a:schemeClr>
+          </a:lnRef>
+          <a:fillRef idx="1">
+            <a:schemeClr val="accent1"/>
+          </a:fillRef>
+          <a:effectRef idx="0">
+            <a:schemeClr val="accent1"/>
+          </a:effectRef>
+          <a:fontRef idx="minor">
+            <a:schemeClr val="lt1"/>
+          </a:fontRef>
+        </p:style>
+        <p:txBody>
+          <a:bodyPr rtlCol="0" anchor="ctr"/>
+          <a:lstStyle/>
+          <a:p>
+            <a:pPr algn="ctr"/>
+            <a:endParaRPr lang="en-SG"/>
+          </a:p>
+        </p:txBody>
+      </p:sp>
+      <p:sp>
+        <p:nvSpPr>
+          <p:cNvPr id="23" name="TextBox 22">
+            <a:extLst>
+              <a:ext uri="{FF2B5EF4-FFF2-40B4-BE49-F238E27FC236}">
+                <a16:creationId xmlns:a16="http://schemas.microsoft.com/office/drawing/2014/main" id="{75453834-3F65-4C38-9A35-E7D7B26E1648}"/>
+              </a:ext>
+            </a:extLst>
+          </p:cNvPr>
+          <p:cNvSpPr txBox="1"/>
+          <p:nvPr/>
+        </p:nvSpPr>
+        <p:spPr>
+          <a:xfrm>
+            <a:off x="413325" y="3877245"/>
+            <a:ext cx="753796" cy="369332"/>
+          </a:xfrm>
+          <a:prstGeom prst="rect">
+            <a:avLst/>
+          </a:prstGeom>
+          <a:noFill/>
+        </p:spPr>
+        <p:txBody>
+          <a:bodyPr wrap="none" rtlCol="0">
+            <a:spAutoFit/>
+          </a:bodyPr>
+          <a:lstStyle/>
+          <a:p>
+            <a:r>
+              <a:rPr lang="en-US" dirty="0">
+                <a:solidFill>
+                  <a:schemeClr val="accent6">
+                    <a:lumMod val="50000"/>
+                  </a:schemeClr>
+                </a:solidFill>
+              </a:rPr>
+              <a:t>Grade</a:t>
+            </a:r>
+            <a:endParaRPr lang="en-SG" dirty="0">
+              <a:solidFill>
+                <a:schemeClr val="accent6">
+                  <a:lumMod val="50000"/>
+                </a:schemeClr>
+              </a:solidFill>
+            </a:endParaRPr>
+          </a:p>
+        </p:txBody>
+      </p:sp>
+      <p:grpSp>
+        <p:nvGrpSpPr>
+          <p:cNvPr id="28" name="Group 27">
+            <a:extLst>
+              <a:ext uri="{FF2B5EF4-FFF2-40B4-BE49-F238E27FC236}">
+                <a16:creationId xmlns:a16="http://schemas.microsoft.com/office/drawing/2014/main" id="{464E046C-9AA7-4D60-A873-F0B5EC592E74}"/>
+              </a:ext>
+            </a:extLst>
+          </p:cNvPr>
+          <p:cNvGrpSpPr/>
+          <p:nvPr/>
+        </p:nvGrpSpPr>
+        <p:grpSpPr>
+          <a:xfrm>
+            <a:off x="1709776" y="3888298"/>
+            <a:ext cx="1562602" cy="369333"/>
+            <a:chOff x="3339548" y="1233488"/>
+            <a:chExt cx="1540566" cy="487018"/>
+          </a:xfrm>
+        </p:grpSpPr>
+        <p:sp>
+          <p:nvSpPr>
+            <p:cNvPr id="29" name="Rectangle: Rounded Corners 28">
+              <a:extLst>
+                <a:ext uri="{FF2B5EF4-FFF2-40B4-BE49-F238E27FC236}">
+                  <a16:creationId xmlns:a16="http://schemas.microsoft.com/office/drawing/2014/main" id="{184EA2E8-6174-4089-841C-C0A2BA74BE2B}"/>
+                </a:ext>
+              </a:extLst>
+            </p:cNvPr>
+            <p:cNvSpPr/>
+            <p:nvPr/>
+          </p:nvSpPr>
+          <p:spPr>
+            <a:xfrm>
+              <a:off x="3339548" y="1233488"/>
+              <a:ext cx="1540566" cy="487018"/>
+            </a:xfrm>
+            <a:prstGeom prst="roundRect">
+              <a:avLst/>
+            </a:prstGeom>
+          </p:spPr>
+          <p:style>
+            <a:lnRef idx="2">
+              <a:schemeClr val="accent6"/>
+            </a:lnRef>
+            <a:fillRef idx="1">
+              <a:schemeClr val="lt1"/>
+            </a:fillRef>
+            <a:effectRef idx="0">
+              <a:schemeClr val="accent6"/>
+            </a:effectRef>
+            <a:fontRef idx="minor">
+              <a:schemeClr val="dk1"/>
+            </a:fontRef>
+          </p:style>
+          <p:txBody>
+            <a:bodyPr rtlCol="0" anchor="ctr"/>
+            <a:lstStyle/>
+            <a:p>
+              <a:pPr algn="ctr"/>
+              <a:endParaRPr lang="en-SG"/>
+            </a:p>
+          </p:txBody>
+        </p:sp>
+        <p:sp>
+          <p:nvSpPr>
+            <p:cNvPr id="30" name="Isosceles Triangle 29">
+              <a:extLst>
+                <a:ext uri="{FF2B5EF4-FFF2-40B4-BE49-F238E27FC236}">
+                  <a16:creationId xmlns:a16="http://schemas.microsoft.com/office/drawing/2014/main" id="{40D847FD-2F3D-4468-8B9D-A858A3388F2F}"/>
+                </a:ext>
+              </a:extLst>
+            </p:cNvPr>
+            <p:cNvSpPr/>
+            <p:nvPr/>
+          </p:nvSpPr>
+          <p:spPr>
+            <a:xfrm rot="10800000">
+              <a:off x="4506550" y="1332745"/>
+              <a:ext cx="284111" cy="206784"/>
+            </a:xfrm>
+            <a:prstGeom prst="triangle">
+              <a:avLst/>
+            </a:prstGeom>
+            <a:noFill/>
+          </p:spPr>
+          <p:style>
+            <a:lnRef idx="2">
+              <a:schemeClr val="accent1">
+                <a:shade val="50000"/>
+              </a:schemeClr>
+            </a:lnRef>
+            <a:fillRef idx="1">
+              <a:schemeClr val="accent1"/>
+            </a:fillRef>
+            <a:effectRef idx="0">
+              <a:schemeClr val="accent1"/>
+            </a:effectRef>
+            <a:fontRef idx="minor">
+              <a:schemeClr val="lt1"/>
+            </a:fontRef>
+          </p:style>
+          <p:txBody>
+            <a:bodyPr rtlCol="0" anchor="ctr"/>
+            <a:lstStyle/>
+            <a:p>
+              <a:pPr algn="ctr"/>
+              <a:endParaRPr lang="en-SG"/>
+            </a:p>
+          </p:txBody>
+        </p:sp>
+      </p:grpSp>
+      <p:sp>
+        <p:nvSpPr>
+          <p:cNvPr id="31" name="TextBox 30">
+            <a:extLst>
+              <a:ext uri="{FF2B5EF4-FFF2-40B4-BE49-F238E27FC236}">
+                <a16:creationId xmlns:a16="http://schemas.microsoft.com/office/drawing/2014/main" id="{A33D76A9-8E7C-4763-9457-590C59FA4ED9}"/>
+              </a:ext>
+            </a:extLst>
+          </p:cNvPr>
+          <p:cNvSpPr txBox="1"/>
+          <p:nvPr/>
+        </p:nvSpPr>
+        <p:spPr>
+          <a:xfrm>
+            <a:off x="420757" y="2208809"/>
+            <a:ext cx="1292341" cy="369332"/>
+          </a:xfrm>
+          <a:prstGeom prst="rect">
+            <a:avLst/>
+          </a:prstGeom>
+          <a:noFill/>
+        </p:spPr>
+        <p:txBody>
+          <a:bodyPr wrap="none" rtlCol="0">
+            <a:spAutoFit/>
+          </a:bodyPr>
+          <a:lstStyle/>
+          <a:p>
+            <a:r>
+              <a:rPr lang="en-US" dirty="0"/>
+              <a:t>User Name:</a:t>
+            </a:r>
+            <a:endParaRPr lang="en-SG" dirty="0"/>
+          </a:p>
+        </p:txBody>
+      </p:sp>
+      <p:sp>
+        <p:nvSpPr>
+          <p:cNvPr id="32" name="Rectangle: Rounded Corners 31">
+            <a:extLst>
+              <a:ext uri="{FF2B5EF4-FFF2-40B4-BE49-F238E27FC236}">
+                <a16:creationId xmlns:a16="http://schemas.microsoft.com/office/drawing/2014/main" id="{E79D44B5-55CE-4145-B049-EF1CBF973984}"/>
+              </a:ext>
+            </a:extLst>
+          </p:cNvPr>
+          <p:cNvSpPr/>
+          <p:nvPr/>
+        </p:nvSpPr>
+        <p:spPr>
+          <a:xfrm>
+            <a:off x="1752599" y="2208809"/>
+            <a:ext cx="1646589" cy="487018"/>
+          </a:xfrm>
+          <a:prstGeom prst="roundRect">
+            <a:avLst/>
+          </a:prstGeom>
+        </p:spPr>
+        <p:style>
+          <a:lnRef idx="2">
+            <a:schemeClr val="accent6"/>
+          </a:lnRef>
+          <a:fillRef idx="1">
+            <a:schemeClr val="lt1"/>
+          </a:fillRef>
+          <a:effectRef idx="0">
+            <a:schemeClr val="accent6"/>
+          </a:effectRef>
+          <a:fontRef idx="minor">
+            <a:schemeClr val="dk1"/>
+          </a:fontRef>
+        </p:style>
+        <p:txBody>
+          <a:bodyPr rtlCol="0" anchor="ctr"/>
+          <a:lstStyle/>
+          <a:p>
+            <a:pPr algn="ctr"/>
+            <a:endParaRPr lang="en-SG"/>
+          </a:p>
+        </p:txBody>
+      </p:sp>
+      <p:sp>
+        <p:nvSpPr>
+          <p:cNvPr id="33" name="Rectangle: Rounded Corners 32">
+            <a:extLst>
+              <a:ext uri="{FF2B5EF4-FFF2-40B4-BE49-F238E27FC236}">
+                <a16:creationId xmlns:a16="http://schemas.microsoft.com/office/drawing/2014/main" id="{716A0ADD-3287-411C-8864-D59B3BB61F58}"/>
+              </a:ext>
+            </a:extLst>
+          </p:cNvPr>
+          <p:cNvSpPr/>
+          <p:nvPr/>
+        </p:nvSpPr>
+        <p:spPr>
+          <a:xfrm>
+            <a:off x="1713098" y="3032964"/>
+            <a:ext cx="1686090" cy="485982"/>
+          </a:xfrm>
+          <a:prstGeom prst="roundRect">
+            <a:avLst/>
+          </a:prstGeom>
+        </p:spPr>
+        <p:style>
+          <a:lnRef idx="2">
+            <a:schemeClr val="accent6"/>
+          </a:lnRef>
+          <a:fillRef idx="1">
+            <a:schemeClr val="lt1"/>
+          </a:fillRef>
+          <a:effectRef idx="0">
+            <a:schemeClr val="accent6"/>
+          </a:effectRef>
+          <a:fontRef idx="minor">
+            <a:schemeClr val="dk1"/>
+          </a:fontRef>
+        </p:style>
+        <p:txBody>
+          <a:bodyPr rtlCol="0" anchor="ctr"/>
+          <a:lstStyle/>
+          <a:p>
+            <a:pPr algn="ctr"/>
+            <a:endParaRPr lang="en-SG"/>
+          </a:p>
+        </p:txBody>
+      </p:sp>
+      <p:sp>
+        <p:nvSpPr>
+          <p:cNvPr id="34" name="TextBox 33">
+            <a:extLst>
+              <a:ext uri="{FF2B5EF4-FFF2-40B4-BE49-F238E27FC236}">
+                <a16:creationId xmlns:a16="http://schemas.microsoft.com/office/drawing/2014/main" id="{2EB0CBC4-C382-4BBF-8E24-A8A7A4CFCEEB}"/>
+              </a:ext>
+            </a:extLst>
+          </p:cNvPr>
+          <p:cNvSpPr txBox="1"/>
+          <p:nvPr/>
+        </p:nvSpPr>
+        <p:spPr>
+          <a:xfrm>
+            <a:off x="420756" y="3062782"/>
+            <a:ext cx="1196033" cy="369332"/>
+          </a:xfrm>
+          <a:prstGeom prst="rect">
+            <a:avLst/>
+          </a:prstGeom>
+          <a:noFill/>
+        </p:spPr>
+        <p:txBody>
+          <a:bodyPr wrap="none" rtlCol="0">
+            <a:spAutoFit/>
+          </a:bodyPr>
+          <a:lstStyle/>
+          <a:p>
+            <a:r>
+              <a:rPr lang="en-US" dirty="0"/>
+              <a:t>First Name</a:t>
+            </a:r>
+            <a:endParaRPr lang="en-SG" dirty="0"/>
+          </a:p>
+        </p:txBody>
+      </p:sp>
+      <p:sp>
+        <p:nvSpPr>
+          <p:cNvPr id="35" name="Action Button: Blank 34">
+            <a:hlinkClick r:id="" action="ppaction://noaction" highlightClick="1"/>
+            <a:extLst>
+              <a:ext uri="{FF2B5EF4-FFF2-40B4-BE49-F238E27FC236}">
+                <a16:creationId xmlns:a16="http://schemas.microsoft.com/office/drawing/2014/main" id="{AD3800B1-53E2-4376-9107-036319A36CB7}"/>
+              </a:ext>
+            </a:extLst>
+          </p:cNvPr>
+          <p:cNvSpPr/>
+          <p:nvPr/>
+        </p:nvSpPr>
+        <p:spPr>
+          <a:xfrm>
+            <a:off x="4160506" y="5509069"/>
+            <a:ext cx="1292342" cy="369333"/>
+          </a:xfrm>
+          <a:prstGeom prst="actionButtonBlank">
+            <a:avLst/>
+          </a:prstGeom>
+          <a:solidFill>
+            <a:schemeClr val="accent6">
+              <a:lumMod val="50000"/>
+            </a:schemeClr>
+          </a:solidFill>
+        </p:spPr>
+        <p:style>
+          <a:lnRef idx="2">
+            <a:schemeClr val="accent1">
+              <a:shade val="50000"/>
+            </a:schemeClr>
+          </a:lnRef>
+          <a:fillRef idx="1">
+            <a:schemeClr val="accent1"/>
+          </a:fillRef>
+          <a:effectRef idx="0">
+            <a:schemeClr val="accent1"/>
+          </a:effectRef>
+          <a:fontRef idx="minor">
+            <a:schemeClr val="lt1"/>
+          </a:fontRef>
+        </p:style>
+        <p:txBody>
+          <a:bodyPr rtlCol="0" anchor="ctr"/>
+          <a:lstStyle/>
+          <a:p>
+            <a:pPr algn="ctr"/>
+            <a:r>
+              <a:rPr lang="en-US" dirty="0"/>
+              <a:t>Submit</a:t>
+            </a:r>
+            <a:endParaRPr lang="en-SG" dirty="0"/>
+          </a:p>
+        </p:txBody>
+      </p:sp>
+      <p:sp>
+        <p:nvSpPr>
+          <p:cNvPr id="36" name="Rectangle: Rounded Corners 35">
+            <a:extLst>
+              <a:ext uri="{FF2B5EF4-FFF2-40B4-BE49-F238E27FC236}">
+                <a16:creationId xmlns:a16="http://schemas.microsoft.com/office/drawing/2014/main" id="{9ADDFBDE-DF85-46A5-9E14-F5785942445B}"/>
+              </a:ext>
+            </a:extLst>
+          </p:cNvPr>
+          <p:cNvSpPr/>
+          <p:nvPr/>
+        </p:nvSpPr>
+        <p:spPr>
+          <a:xfrm>
+            <a:off x="4806677" y="3003939"/>
+            <a:ext cx="1537803" cy="485982"/>
+          </a:xfrm>
+          <a:prstGeom prst="roundRect">
+            <a:avLst/>
+          </a:prstGeom>
+        </p:spPr>
+        <p:style>
+          <a:lnRef idx="2">
+            <a:schemeClr val="accent6"/>
+          </a:lnRef>
+          <a:fillRef idx="1">
+            <a:schemeClr val="lt1"/>
+          </a:fillRef>
+          <a:effectRef idx="0">
+            <a:schemeClr val="accent6"/>
+          </a:effectRef>
+          <a:fontRef idx="minor">
+            <a:schemeClr val="dk1"/>
+          </a:fontRef>
+        </p:style>
+        <p:txBody>
+          <a:bodyPr rtlCol="0" anchor="ctr"/>
+          <a:lstStyle/>
+          <a:p>
+            <a:pPr algn="ctr"/>
+            <a:endParaRPr lang="en-SG"/>
+          </a:p>
+        </p:txBody>
+      </p:sp>
+      <p:sp>
+        <p:nvSpPr>
+          <p:cNvPr id="37" name="TextBox 36">
+            <a:extLst>
+              <a:ext uri="{FF2B5EF4-FFF2-40B4-BE49-F238E27FC236}">
+                <a16:creationId xmlns:a16="http://schemas.microsoft.com/office/drawing/2014/main" id="{F0414824-E31C-4BDF-96ED-24932C159ABA}"/>
+              </a:ext>
+            </a:extLst>
+          </p:cNvPr>
+          <p:cNvSpPr txBox="1"/>
+          <p:nvPr/>
+        </p:nvSpPr>
+        <p:spPr>
+          <a:xfrm>
+            <a:off x="3514336" y="3033757"/>
+            <a:ext cx="1169551" cy="369332"/>
+          </a:xfrm>
+          <a:prstGeom prst="rect">
+            <a:avLst/>
+          </a:prstGeom>
+          <a:noFill/>
+        </p:spPr>
+        <p:txBody>
+          <a:bodyPr wrap="none" rtlCol="0">
+            <a:spAutoFit/>
+          </a:bodyPr>
+          <a:lstStyle/>
+          <a:p>
+            <a:r>
+              <a:rPr lang="en-US" dirty="0"/>
+              <a:t>Last Name</a:t>
+            </a:r>
+            <a:endParaRPr lang="en-SG" dirty="0"/>
+          </a:p>
+        </p:txBody>
+      </p:sp>
+      <p:sp>
+        <p:nvSpPr>
+          <p:cNvPr id="41" name="Rectangle: Rounded Corners 40">
+            <a:extLst>
+              <a:ext uri="{FF2B5EF4-FFF2-40B4-BE49-F238E27FC236}">
+                <a16:creationId xmlns:a16="http://schemas.microsoft.com/office/drawing/2014/main" id="{71A31DB9-B4CF-4AF8-AE86-EEDA95769010}"/>
+              </a:ext>
+            </a:extLst>
+          </p:cNvPr>
+          <p:cNvSpPr/>
+          <p:nvPr/>
+        </p:nvSpPr>
+        <p:spPr>
+          <a:xfrm>
+            <a:off x="4737903" y="2238352"/>
+            <a:ext cx="1606578" cy="485982"/>
+          </a:xfrm>
+          <a:prstGeom prst="roundRect">
+            <a:avLst/>
+          </a:prstGeom>
+        </p:spPr>
+        <p:style>
+          <a:lnRef idx="2">
+            <a:schemeClr val="accent6"/>
+          </a:lnRef>
+          <a:fillRef idx="1">
+            <a:schemeClr val="lt1"/>
+          </a:fillRef>
+          <a:effectRef idx="0">
+            <a:schemeClr val="accent6"/>
+          </a:effectRef>
+          <a:fontRef idx="minor">
+            <a:schemeClr val="dk1"/>
+          </a:fontRef>
+        </p:style>
+        <p:txBody>
+          <a:bodyPr rtlCol="0" anchor="ctr"/>
+          <a:lstStyle/>
+          <a:p>
+            <a:pPr algn="ctr"/>
+            <a:endParaRPr lang="en-SG"/>
+          </a:p>
+        </p:txBody>
+      </p:sp>
+      <p:sp>
+        <p:nvSpPr>
+          <p:cNvPr id="42" name="TextBox 41">
+            <a:extLst>
+              <a:ext uri="{FF2B5EF4-FFF2-40B4-BE49-F238E27FC236}">
+                <a16:creationId xmlns:a16="http://schemas.microsoft.com/office/drawing/2014/main" id="{978D8AC8-41EE-46E8-A02D-2ABCB7120B58}"/>
+              </a:ext>
+            </a:extLst>
+          </p:cNvPr>
+          <p:cNvSpPr txBox="1"/>
+          <p:nvPr/>
+        </p:nvSpPr>
+        <p:spPr>
+          <a:xfrm>
+            <a:off x="3366049" y="2268170"/>
+            <a:ext cx="1406795" cy="369332"/>
+          </a:xfrm>
+          <a:prstGeom prst="rect">
+            <a:avLst/>
+          </a:prstGeom>
+          <a:noFill/>
+        </p:spPr>
+        <p:txBody>
+          <a:bodyPr wrap="none" rtlCol="0">
+            <a:spAutoFit/>
+          </a:bodyPr>
+          <a:lstStyle/>
+          <a:p>
+            <a:r>
+              <a:rPr lang="en-US" dirty="0"/>
+              <a:t>Institution ID</a:t>
+            </a:r>
+            <a:endParaRPr lang="en-SG" dirty="0"/>
+          </a:p>
+        </p:txBody>
+      </p:sp>
+      <p:sp>
+        <p:nvSpPr>
+          <p:cNvPr id="43" name="Rectangle: Rounded Corners 42">
+            <a:extLst>
+              <a:ext uri="{FF2B5EF4-FFF2-40B4-BE49-F238E27FC236}">
+                <a16:creationId xmlns:a16="http://schemas.microsoft.com/office/drawing/2014/main" id="{247FB842-629C-4B65-8D34-55780FF06CCF}"/>
+              </a:ext>
+            </a:extLst>
+          </p:cNvPr>
+          <p:cNvSpPr/>
+          <p:nvPr/>
+        </p:nvSpPr>
+        <p:spPr>
+          <a:xfrm>
+            <a:off x="1709776" y="4494438"/>
+            <a:ext cx="1686090" cy="485982"/>
+          </a:xfrm>
+          <a:prstGeom prst="roundRect">
+            <a:avLst/>
+          </a:prstGeom>
+        </p:spPr>
+        <p:style>
+          <a:lnRef idx="2">
+            <a:schemeClr val="accent6"/>
+          </a:lnRef>
+          <a:fillRef idx="1">
+            <a:schemeClr val="lt1"/>
+          </a:fillRef>
+          <a:effectRef idx="0">
+            <a:schemeClr val="accent6"/>
+          </a:effectRef>
+          <a:fontRef idx="minor">
+            <a:schemeClr val="dk1"/>
+          </a:fontRef>
+        </p:style>
+        <p:txBody>
+          <a:bodyPr rtlCol="0" anchor="ctr"/>
+          <a:lstStyle/>
+          <a:p>
+            <a:pPr algn="ctr"/>
+            <a:endParaRPr lang="en-SG"/>
+          </a:p>
+        </p:txBody>
+      </p:sp>
+      <p:sp>
+        <p:nvSpPr>
+          <p:cNvPr id="44" name="TextBox 43">
+            <a:extLst>
+              <a:ext uri="{FF2B5EF4-FFF2-40B4-BE49-F238E27FC236}">
+                <a16:creationId xmlns:a16="http://schemas.microsoft.com/office/drawing/2014/main" id="{98A8A718-F291-4F8B-A642-6954A00F8C0B}"/>
+              </a:ext>
+            </a:extLst>
+          </p:cNvPr>
+          <p:cNvSpPr txBox="1"/>
+          <p:nvPr/>
+        </p:nvSpPr>
+        <p:spPr>
+          <a:xfrm>
+            <a:off x="417434" y="4524256"/>
+            <a:ext cx="925253" cy="369332"/>
+          </a:xfrm>
+          <a:prstGeom prst="rect">
+            <a:avLst/>
+          </a:prstGeom>
+          <a:noFill/>
+        </p:spPr>
+        <p:txBody>
+          <a:bodyPr wrap="none" rtlCol="0">
+            <a:spAutoFit/>
+          </a:bodyPr>
+          <a:lstStyle/>
+          <a:p>
+            <a:r>
+              <a:rPr lang="en-US" dirty="0"/>
+              <a:t>Email id</a:t>
+            </a:r>
+            <a:endParaRPr lang="en-SG" dirty="0"/>
+          </a:p>
+        </p:txBody>
+      </p:sp>
+      <p:sp>
+        <p:nvSpPr>
+          <p:cNvPr id="45" name="Rectangle: Rounded Corners 44">
+            <a:extLst>
+              <a:ext uri="{FF2B5EF4-FFF2-40B4-BE49-F238E27FC236}">
+                <a16:creationId xmlns:a16="http://schemas.microsoft.com/office/drawing/2014/main" id="{95ADAF17-B521-4B9F-AA1D-E23B10DE7E84}"/>
+              </a:ext>
+            </a:extLst>
+          </p:cNvPr>
+          <p:cNvSpPr/>
+          <p:nvPr/>
+        </p:nvSpPr>
+        <p:spPr>
+          <a:xfrm>
+            <a:off x="1709776" y="5207754"/>
+            <a:ext cx="1686090" cy="485982"/>
+          </a:xfrm>
+          <a:prstGeom prst="roundRect">
+            <a:avLst/>
+          </a:prstGeom>
+        </p:spPr>
+        <p:style>
+          <a:lnRef idx="2">
+            <a:schemeClr val="accent6"/>
+          </a:lnRef>
+          <a:fillRef idx="1">
+            <a:schemeClr val="lt1"/>
+          </a:fillRef>
+          <a:effectRef idx="0">
+            <a:schemeClr val="accent6"/>
+          </a:effectRef>
+          <a:fontRef idx="minor">
+            <a:schemeClr val="dk1"/>
+          </a:fontRef>
+        </p:style>
+        <p:txBody>
+          <a:bodyPr rtlCol="0" anchor="ctr"/>
+          <a:lstStyle/>
+          <a:p>
+            <a:pPr algn="ctr"/>
+            <a:endParaRPr lang="en-SG"/>
+          </a:p>
+        </p:txBody>
+      </p:sp>
+      <p:sp>
+        <p:nvSpPr>
+          <p:cNvPr id="46" name="TextBox 45">
+            <a:extLst>
+              <a:ext uri="{FF2B5EF4-FFF2-40B4-BE49-F238E27FC236}">
+                <a16:creationId xmlns:a16="http://schemas.microsoft.com/office/drawing/2014/main" id="{4E4E6A67-60E2-4A99-A831-B03BAD1632D1}"/>
+              </a:ext>
+            </a:extLst>
+          </p:cNvPr>
+          <p:cNvSpPr txBox="1"/>
+          <p:nvPr/>
+        </p:nvSpPr>
+        <p:spPr>
+          <a:xfrm>
+            <a:off x="417434" y="5237572"/>
+            <a:ext cx="1070999" cy="369332"/>
+          </a:xfrm>
+          <a:prstGeom prst="rect">
+            <a:avLst/>
+          </a:prstGeom>
+          <a:noFill/>
+        </p:spPr>
+        <p:txBody>
+          <a:bodyPr wrap="none" rtlCol="0">
+            <a:spAutoFit/>
+          </a:bodyPr>
+          <a:lstStyle/>
+          <a:p>
+            <a:r>
+              <a:rPr lang="en-US" dirty="0"/>
+              <a:t>Password</a:t>
+            </a:r>
+            <a:endParaRPr lang="en-SG" dirty="0"/>
+          </a:p>
+        </p:txBody>
+      </p:sp>
+      <p:sp>
+        <p:nvSpPr>
+          <p:cNvPr id="47" name="Rectangle: Rounded Corners 46">
+            <a:extLst>
+              <a:ext uri="{FF2B5EF4-FFF2-40B4-BE49-F238E27FC236}">
+                <a16:creationId xmlns:a16="http://schemas.microsoft.com/office/drawing/2014/main" id="{1887F5F5-ABFF-46D5-9DF7-A7A8BAEF59A8}"/>
+              </a:ext>
+            </a:extLst>
+          </p:cNvPr>
+          <p:cNvSpPr/>
+          <p:nvPr/>
+        </p:nvSpPr>
+        <p:spPr>
+          <a:xfrm>
+            <a:off x="4772844" y="3873836"/>
+            <a:ext cx="2607914" cy="1333918"/>
+          </a:xfrm>
+          <a:prstGeom prst="roundRect">
+            <a:avLst/>
+          </a:prstGeom>
+        </p:spPr>
+        <p:style>
+          <a:lnRef idx="2">
+            <a:schemeClr val="accent6"/>
+          </a:lnRef>
+          <a:fillRef idx="1">
+            <a:schemeClr val="lt1"/>
+          </a:fillRef>
+          <a:effectRef idx="0">
+            <a:schemeClr val="accent6"/>
+          </a:effectRef>
+          <a:fontRef idx="minor">
+            <a:schemeClr val="dk1"/>
+          </a:fontRef>
+        </p:style>
+        <p:txBody>
+          <a:bodyPr rtlCol="0" anchor="ctr"/>
+          <a:lstStyle/>
+          <a:p>
+            <a:pPr algn="ctr"/>
+            <a:endParaRPr lang="en-SG"/>
+          </a:p>
+        </p:txBody>
+      </p:sp>
+      <p:sp>
+        <p:nvSpPr>
+          <p:cNvPr id="48" name="TextBox 47">
+            <a:extLst>
+              <a:ext uri="{FF2B5EF4-FFF2-40B4-BE49-F238E27FC236}">
+                <a16:creationId xmlns:a16="http://schemas.microsoft.com/office/drawing/2014/main" id="{9E117626-D4B6-43F3-AFCB-14DE7CA1C57B}"/>
+              </a:ext>
+            </a:extLst>
+          </p:cNvPr>
+          <p:cNvSpPr txBox="1"/>
+          <p:nvPr/>
+        </p:nvSpPr>
+        <p:spPr>
+          <a:xfrm>
+            <a:off x="3514336" y="3903654"/>
+            <a:ext cx="933461" cy="369332"/>
+          </a:xfrm>
+          <a:prstGeom prst="rect">
+            <a:avLst/>
+          </a:prstGeom>
+          <a:noFill/>
+        </p:spPr>
+        <p:txBody>
+          <a:bodyPr wrap="none" rtlCol="0">
+            <a:spAutoFit/>
+          </a:bodyPr>
+          <a:lstStyle/>
+          <a:p>
+            <a:r>
+              <a:rPr lang="en-US" dirty="0"/>
+              <a:t>Address</a:t>
+            </a:r>
+            <a:endParaRPr lang="en-SG" dirty="0"/>
+          </a:p>
+        </p:txBody>
+      </p:sp>
+      <p:sp>
+        <p:nvSpPr>
+          <p:cNvPr id="9" name="TextBox 8">
+            <a:extLst>
+              <a:ext uri="{FF2B5EF4-FFF2-40B4-BE49-F238E27FC236}">
+                <a16:creationId xmlns:a16="http://schemas.microsoft.com/office/drawing/2014/main" id="{C6FC6A1A-3B2C-4D9D-8F47-B5BECE7BC333}"/>
+              </a:ext>
+            </a:extLst>
+          </p:cNvPr>
+          <p:cNvSpPr txBox="1"/>
+          <p:nvPr/>
+        </p:nvSpPr>
+        <p:spPr>
+          <a:xfrm>
+            <a:off x="6925413" y="2234162"/>
+            <a:ext cx="1211678" cy="923330"/>
+          </a:xfrm>
+          <a:prstGeom prst="rect">
+            <a:avLst/>
+          </a:prstGeom>
+          <a:noFill/>
+          <a:ln>
+            <a:solidFill>
+              <a:schemeClr val="accent6">
+                <a:lumMod val="50000"/>
+              </a:schemeClr>
+            </a:solidFill>
+          </a:ln>
+        </p:spPr>
+        <p:txBody>
+          <a:bodyPr wrap="none" rtlCol="0">
+            <a:spAutoFit/>
+          </a:bodyPr>
+          <a:lstStyle/>
+          <a:p>
+            <a:pPr marL="285750" indent="-285750">
+              <a:buFont typeface="Wingdings" panose="05000000000000000000" pitchFamily="2" charset="2"/>
+              <a:buChar char="q"/>
+            </a:pPr>
+            <a:r>
+              <a:rPr lang="en-US" dirty="0">
+                <a:solidFill>
+                  <a:schemeClr val="accent6">
+                    <a:lumMod val="50000"/>
+                  </a:schemeClr>
+                </a:solidFill>
+              </a:rPr>
+              <a:t>Teacher</a:t>
+            </a:r>
+          </a:p>
+          <a:p>
+            <a:pPr marL="285750" indent="-285750">
+              <a:buFont typeface="Wingdings" panose="05000000000000000000" pitchFamily="2" charset="2"/>
+              <a:buChar char="q"/>
+            </a:pPr>
+            <a:r>
+              <a:rPr lang="en-US" dirty="0">
+                <a:solidFill>
+                  <a:schemeClr val="accent6">
+                    <a:lumMod val="50000"/>
+                  </a:schemeClr>
+                </a:solidFill>
+              </a:rPr>
+              <a:t>Student</a:t>
+            </a:r>
+          </a:p>
+          <a:p>
+            <a:pPr marL="285750" indent="-285750">
+              <a:buFont typeface="Wingdings" panose="05000000000000000000" pitchFamily="2" charset="2"/>
+              <a:buChar char="q"/>
+            </a:pPr>
+            <a:r>
+              <a:rPr lang="en-US" dirty="0">
+                <a:solidFill>
+                  <a:schemeClr val="accent6">
+                    <a:lumMod val="50000"/>
+                  </a:schemeClr>
+                </a:solidFill>
+              </a:rPr>
+              <a:t>Admin</a:t>
+            </a:r>
+            <a:endParaRPr lang="en-SG" dirty="0">
+              <a:solidFill>
+                <a:schemeClr val="accent6">
+                  <a:lumMod val="50000"/>
+                </a:schemeClr>
+              </a:solidFill>
+            </a:endParaRPr>
+          </a:p>
+        </p:txBody>
+      </p:sp>
+    </p:spTree>
+    <p:extLst>
+      <p:ext uri="{BB962C8B-B14F-4D97-AF65-F5344CB8AC3E}">
+        <p14:creationId xmlns:p14="http://schemas.microsoft.com/office/powerpoint/2010/main" val="2590546823"/>
       </p:ext>
     </p:extLst>
   </p:cSld>
